--- a/P3/Presentation-projet_3.pptx
+++ b/P3/Presentation-projet_3.pptx
@@ -5,7 +5,7 @@
     <p:sldMasterId id="2147483648" r:id="rId1"/>
   </p:sldMasterIdLst>
   <p:notesMasterIdLst>
-    <p:notesMasterId r:id="rId20"/>
+    <p:notesMasterId r:id="rId22"/>
   </p:notesMasterIdLst>
   <p:sldIdLst>
     <p:sldId id="256" r:id="rId2"/>
@@ -22,10 +22,12 @@
     <p:sldId id="275" r:id="rId13"/>
     <p:sldId id="270" r:id="rId14"/>
     <p:sldId id="276" r:id="rId15"/>
-    <p:sldId id="271" r:id="rId16"/>
-    <p:sldId id="277" r:id="rId17"/>
-    <p:sldId id="278" r:id="rId18"/>
-    <p:sldId id="279" r:id="rId19"/>
+    <p:sldId id="280" r:id="rId16"/>
+    <p:sldId id="271" r:id="rId17"/>
+    <p:sldId id="277" r:id="rId18"/>
+    <p:sldId id="281" r:id="rId19"/>
+    <p:sldId id="278" r:id="rId20"/>
+    <p:sldId id="279" r:id="rId21"/>
   </p:sldIdLst>
   <p:sldSz cx="9144000" cy="6858000" type="screen4x3"/>
   <p:notesSz cx="6858000" cy="9144000"/>
@@ -209,7 +211,7 @@
           <a:p>
             <a:fld id="{E66492E5-39EF-4EC5-9E99-7F0DBC26806B}" type="datetimeFigureOut">
               <a:rPr lang="fr-FR" smtClean="0"/>
-              <a:t>19/11/2017</a:t>
+              <a:t>26/11/2017</a:t>
             </a:fld>
             <a:endParaRPr lang="fr-FR"/>
           </a:p>
@@ -742,7 +744,7 @@
           <a:p>
             <a:fld id="{2A35F02A-33DF-42A4-9F54-2DFA5B84052E}" type="datetime1">
               <a:rPr lang="fr-FR" smtClean="0"/>
-              <a:t>19/11/2017</a:t>
+              <a:t>26/11/2017</a:t>
             </a:fld>
             <a:endParaRPr lang="fr-FR"/>
           </a:p>
@@ -916,7 +918,7 @@
           <a:p>
             <a:fld id="{AA7084F6-C923-4306-BC74-6AA1A26D5992}" type="datetime1">
               <a:rPr lang="fr-FR" smtClean="0"/>
-              <a:t>19/11/2017</a:t>
+              <a:t>26/11/2017</a:t>
             </a:fld>
             <a:endParaRPr lang="fr-FR"/>
           </a:p>
@@ -1100,7 +1102,7 @@
           <a:p>
             <a:fld id="{6B9DA1C8-56AA-40E0-92DC-CCF13B41CFF7}" type="datetime1">
               <a:rPr lang="fr-FR" smtClean="0"/>
-              <a:t>19/11/2017</a:t>
+              <a:t>26/11/2017</a:t>
             </a:fld>
             <a:endParaRPr lang="fr-FR"/>
           </a:p>
@@ -1274,7 +1276,7 @@
           <a:p>
             <a:fld id="{30547005-2CCE-4AAF-810C-C33FB4661996}" type="datetime1">
               <a:rPr lang="fr-FR" smtClean="0"/>
-              <a:t>19/11/2017</a:t>
+              <a:t>26/11/2017</a:t>
             </a:fld>
             <a:endParaRPr lang="fr-FR"/>
           </a:p>
@@ -1524,7 +1526,7 @@
           <a:p>
             <a:fld id="{3EBD0647-CE4F-4B82-BC14-997434234D2E}" type="datetime1">
               <a:rPr lang="fr-FR" smtClean="0"/>
-              <a:t>19/11/2017</a:t>
+              <a:t>26/11/2017</a:t>
             </a:fld>
             <a:endParaRPr lang="fr-FR"/>
           </a:p>
@@ -1816,7 +1818,7 @@
           <a:p>
             <a:fld id="{263CA1C6-1D15-44B1-8495-DE2EC5425D2F}" type="datetime1">
               <a:rPr lang="fr-FR" smtClean="0"/>
-              <a:t>19/11/2017</a:t>
+              <a:t>26/11/2017</a:t>
             </a:fld>
             <a:endParaRPr lang="fr-FR"/>
           </a:p>
@@ -2242,7 +2244,7 @@
           <a:p>
             <a:fld id="{5F86B07A-1301-4558-A6E0-D7A436826ECB}" type="datetime1">
               <a:rPr lang="fr-FR" smtClean="0"/>
-              <a:t>19/11/2017</a:t>
+              <a:t>26/11/2017</a:t>
             </a:fld>
             <a:endParaRPr lang="fr-FR"/>
           </a:p>
@@ -2364,7 +2366,7 @@
           <a:p>
             <a:fld id="{10CD6315-9A1E-41E9-BC28-33D394163B67}" type="datetime1">
               <a:rPr lang="fr-FR" smtClean="0"/>
-              <a:t>19/11/2017</a:t>
+              <a:t>26/11/2017</a:t>
             </a:fld>
             <a:endParaRPr lang="fr-FR"/>
           </a:p>
@@ -2463,7 +2465,7 @@
           <a:p>
             <a:fld id="{8EA7A85C-1960-4CA0-B72B-A39E81C20158}" type="datetime1">
               <a:rPr lang="fr-FR" smtClean="0"/>
-              <a:t>19/11/2017</a:t>
+              <a:t>26/11/2017</a:t>
             </a:fld>
             <a:endParaRPr lang="fr-FR"/>
           </a:p>
@@ -2744,7 +2746,7 @@
           <a:p>
             <a:fld id="{885A14C0-C539-4FC5-A6ED-ABABD975303B}" type="datetime1">
               <a:rPr lang="fr-FR" smtClean="0"/>
-              <a:t>19/11/2017</a:t>
+              <a:t>26/11/2017</a:t>
             </a:fld>
             <a:endParaRPr lang="fr-FR"/>
           </a:p>
@@ -3001,7 +3003,7 @@
           <a:p>
             <a:fld id="{D772F3C9-8121-4DF6-9420-FBC4A08EF57A}" type="datetime1">
               <a:rPr lang="fr-FR" smtClean="0"/>
-              <a:t>19/11/2017</a:t>
+              <a:t>26/11/2017</a:t>
             </a:fld>
             <a:endParaRPr lang="fr-FR"/>
           </a:p>
@@ -3239,7 +3241,7 @@
           <a:p>
             <a:fld id="{C13329EF-B01B-4D4B-83A1-AFBB7696C373}" type="datetime1">
               <a:rPr lang="fr-FR" smtClean="0"/>
-              <a:t>19/11/2017</a:t>
+              <a:t>26/11/2017</a:t>
             </a:fld>
             <a:endParaRPr lang="fr-FR"/>
           </a:p>
@@ -3729,7 +3731,7 @@
                   <a:srgbClr val="95023C"/>
                 </a:solidFill>
               </a:rPr>
-              <a:t>19/11/2017</a:t>
+              <a:t>26/11/2017</a:t>
             </a:fld>
             <a:endParaRPr lang="fr-FR" dirty="0">
               <a:solidFill>
@@ -4020,14 +4022,14 @@
               <a:buChar char="Ø"/>
             </a:pPr>
             <a:r>
-              <a:rPr lang="fr-FR" sz="2800" dirty="0" err="1" smtClean="0">
+              <a:rPr lang="fr-FR" sz="2400" dirty="0" err="1" smtClean="0">
                 <a:solidFill>
                   <a:srgbClr val="E8750C"/>
                 </a:solidFill>
               </a:rPr>
               <a:t>AgglomerativeClustering</a:t>
             </a:r>
-            <a:endParaRPr lang="fr-FR" sz="2800" dirty="0" smtClean="0">
+            <a:endParaRPr lang="fr-FR" sz="2400" dirty="0" smtClean="0">
               <a:solidFill>
                 <a:srgbClr val="E8750C"/>
               </a:solidFill>
@@ -4039,7 +4041,7 @@
               <a:buChar char="Ø"/>
             </a:pPr>
             <a:r>
-              <a:rPr lang="fr-FR" sz="2400" dirty="0" smtClean="0">
+              <a:rPr lang="fr-FR" sz="2000" dirty="0" smtClean="0">
                 <a:solidFill>
                   <a:srgbClr val="E8750C"/>
                 </a:solidFill>
@@ -4047,7 +4049,7 @@
               <a:t>Groupe « </a:t>
             </a:r>
             <a:r>
-              <a:rPr lang="fr-FR" sz="2400" dirty="0" err="1" smtClean="0">
+              <a:rPr lang="fr-FR" sz="2000" dirty="0" err="1" smtClean="0">
                 <a:solidFill>
                   <a:srgbClr val="E8750C"/>
                 </a:solidFill>
@@ -4055,7 +4057,7 @@
               <a:t>Clustering</a:t>
             </a:r>
             <a:r>
-              <a:rPr lang="fr-FR" sz="2400" dirty="0" smtClean="0">
+              <a:rPr lang="fr-FR" sz="2000" dirty="0" smtClean="0">
                 <a:solidFill>
                   <a:srgbClr val="E8750C"/>
                 </a:solidFill>
@@ -4069,7 +4071,7 @@
               <a:buChar char="Ø"/>
             </a:pPr>
             <a:r>
-              <a:rPr lang="fr-FR" sz="2400" dirty="0">
+              <a:rPr lang="fr-FR" sz="2000" dirty="0">
                 <a:solidFill>
                   <a:srgbClr val="E8750C"/>
                 </a:solidFill>
@@ -4077,77 +4079,95 @@
               <a:t>Nombre de clusters </a:t>
             </a:r>
             <a:r>
-              <a:rPr lang="fr-FR" sz="2400" dirty="0" smtClean="0">
-                <a:solidFill>
-                  <a:srgbClr val="E8750C"/>
-                </a:solidFill>
-              </a:rPr>
-              <a:t>inconnus</a:t>
-            </a:r>
-          </a:p>
-          <a:p>
-            <a:pPr lvl="2">
-              <a:buFont typeface="Wingdings" pitchFamily="2" charset="2"/>
-              <a:buChar char="Ø"/>
-            </a:pPr>
-            <a:r>
-              <a:rPr lang="fr-FR" sz="2000" dirty="0">
-                <a:solidFill>
-                  <a:srgbClr val="E8750C"/>
-                </a:solidFill>
-              </a:rPr>
-              <a:t>A fournir</a:t>
-            </a:r>
-          </a:p>
-          <a:p>
-            <a:pPr lvl="1">
-              <a:buFont typeface="Wingdings" pitchFamily="2" charset="2"/>
-              <a:buChar char="Ø"/>
-            </a:pPr>
-            <a:r>
-              <a:rPr lang="fr-FR" sz="2400" dirty="0" smtClean="0">
-                <a:solidFill>
-                  <a:srgbClr val="E8750C"/>
-                </a:solidFill>
-              </a:rPr>
-              <a:t>Ne </a:t>
-            </a:r>
-            <a:r>
-              <a:rPr lang="fr-FR" sz="2400" dirty="0">
-                <a:solidFill>
-                  <a:srgbClr val="E8750C"/>
-                </a:solidFill>
-              </a:rPr>
-              <a:t>retourne pas de positions</a:t>
-            </a:r>
-          </a:p>
-          <a:p>
-            <a:pPr lvl="2">
-              <a:buFont typeface="Wingdings" pitchFamily="2" charset="2"/>
-              <a:buChar char="Ø"/>
-            </a:pPr>
-            <a:r>
-              <a:rPr lang="fr-FR" sz="2000" dirty="0">
-                <a:solidFill>
-                  <a:srgbClr val="E8750C"/>
-                </a:solidFill>
-              </a:rPr>
-              <a:t>Recommander </a:t>
-            </a:r>
-            <a:r>
               <a:rPr lang="fr-FR" sz="2000" dirty="0" smtClean="0">
                 <a:solidFill>
                   <a:srgbClr val="E8750C"/>
                 </a:solidFill>
               </a:rPr>
-              <a:t>impossible</a:t>
-            </a:r>
-            <a:endParaRPr lang="fr-FR" sz="2000" dirty="0">
+              <a:t>inconnu</a:t>
+            </a:r>
+            <a:endParaRPr lang="fr-FR" sz="2000" dirty="0" smtClean="0">
               <a:solidFill>
                 <a:srgbClr val="E8750C"/>
               </a:solidFill>
             </a:endParaRPr>
           </a:p>
+          <a:p>
+            <a:pPr lvl="2">
+              <a:buFont typeface="Wingdings" pitchFamily="2" charset="2"/>
+              <a:buChar char="Ø"/>
+            </a:pPr>
+            <a:r>
+              <a:rPr lang="fr-FR" sz="1800" dirty="0">
+                <a:solidFill>
+                  <a:srgbClr val="E8750C"/>
+                </a:solidFill>
+              </a:rPr>
+              <a:t>A </a:t>
+            </a:r>
+            <a:r>
+              <a:rPr lang="fr-FR" sz="1800" dirty="0" smtClean="0">
+                <a:solidFill>
+                  <a:srgbClr val="E8750C"/>
+                </a:solidFill>
+              </a:rPr>
+              <a:t>fournir (optionnel)</a:t>
+            </a:r>
+            <a:endParaRPr lang="fr-FR" sz="1800" dirty="0">
+              <a:solidFill>
+                <a:srgbClr val="E8750C"/>
+              </a:solidFill>
+            </a:endParaRPr>
+          </a:p>
+          <a:p>
+            <a:pPr lvl="1">
+              <a:buFont typeface="Wingdings" pitchFamily="2" charset="2"/>
+              <a:buChar char="Ø"/>
+            </a:pPr>
+            <a:r>
+              <a:rPr lang="fr-FR" sz="2000" dirty="0" smtClean="0">
+                <a:solidFill>
+                  <a:srgbClr val="E8750C"/>
+                </a:solidFill>
+              </a:rPr>
+              <a:t>Pas </a:t>
+            </a:r>
+            <a:r>
+              <a:rPr lang="fr-FR" sz="2000" dirty="0">
+                <a:solidFill>
+                  <a:srgbClr val="E8750C"/>
+                </a:solidFill>
+              </a:rPr>
+              <a:t>de positions</a:t>
+            </a:r>
+          </a:p>
+          <a:p>
+            <a:pPr lvl="2">
+              <a:buFont typeface="Wingdings" pitchFamily="2" charset="2"/>
+              <a:buChar char="Ø"/>
+            </a:pPr>
+            <a:r>
+              <a:rPr lang="fr-FR" sz="1800" dirty="0">
+                <a:solidFill>
+                  <a:srgbClr val="E8750C"/>
+                </a:solidFill>
+              </a:rPr>
+              <a:t>Recommander </a:t>
+            </a:r>
+            <a:r>
+              <a:rPr lang="fr-FR" sz="1800" b="1" dirty="0" smtClean="0">
+                <a:solidFill>
+                  <a:srgbClr val="E8750C"/>
+                </a:solidFill>
+              </a:rPr>
+              <a:t>possible</a:t>
+            </a:r>
+            <a:endParaRPr lang="fr-FR" sz="1800" b="1" dirty="0">
+              <a:solidFill>
+                <a:srgbClr val="E8750C"/>
+              </a:solidFill>
+            </a:endParaRPr>
+          </a:p>
         </p:txBody>
       </p:sp>
       <p:sp>
@@ -4167,7 +4187,7 @@
           <a:p>
             <a:fld id="{30547005-2CCE-4AAF-810C-C33FB4661996}" type="datetime1">
               <a:rPr lang="fr-FR" smtClean="0"/>
-              <a:t>19/11/2017</a:t>
+              <a:t>26/11/2017</a:t>
             </a:fld>
             <a:endParaRPr lang="fr-FR"/>
           </a:p>
@@ -4204,8 +4224,8 @@
         </p:nvSpPr>
         <p:spPr>
           <a:xfrm>
-            <a:off x="5436096" y="1610791"/>
-            <a:ext cx="3707904" cy="4770537"/>
+            <a:off x="854156" y="4030806"/>
+            <a:ext cx="3707904" cy="2123658"/>
           </a:xfrm>
           <a:prstGeom prst="rect">
             <a:avLst/>
@@ -4230,211 +4250,150 @@
               <a:buChar char="Ø"/>
             </a:pPr>
             <a:r>
+              <a:rPr lang="fr-FR" sz="1600" dirty="0" err="1" smtClean="0"/>
+              <a:t>Spider-Man</a:t>
+            </a:r>
+            <a:r>
               <a:rPr lang="fr-FR" sz="1600" dirty="0" smtClean="0"/>
-              <a:t>Cluster #9</a:t>
-            </a:r>
+              <a:t> 3</a:t>
+            </a:r>
+            <a:endParaRPr lang="fr-FR" sz="1600" dirty="0" smtClean="0"/>
           </a:p>
           <a:p>
             <a:r>
               <a:rPr lang="fr-FR" sz="1600" b="1" dirty="0" smtClean="0"/>
-              <a:t>Sortie (238 films) :</a:t>
-            </a:r>
-          </a:p>
-          <a:p>
-            <a:pPr marL="285750" indent="-285750">
+              <a:t>Sortie </a:t>
+            </a:r>
+            <a:r>
+              <a:rPr lang="fr-FR" sz="1600" b="1" dirty="0" smtClean="0"/>
+              <a:t> </a:t>
+            </a:r>
+            <a:r>
+              <a:rPr lang="fr-FR" sz="1600" b="1" dirty="0" smtClean="0"/>
+              <a:t>:</a:t>
+            </a:r>
+          </a:p>
+          <a:p>
+            <a:pPr marL="285750" lvl="0" indent="-285750">
               <a:buFont typeface="Wingdings" pitchFamily="2" charset="2"/>
               <a:buChar char="Ø"/>
             </a:pPr>
             <a:r>
               <a:rPr lang="en-US" sz="1600" dirty="0"/>
-              <a:t>Avatar </a:t>
-            </a:r>
-            <a:endParaRPr lang="en-US" sz="1600" dirty="0" smtClean="0"/>
-          </a:p>
-          <a:p>
-            <a:pPr marL="285750" indent="-285750">
-              <a:buFont typeface="Wingdings" pitchFamily="2" charset="2"/>
-              <a:buChar char="Ø"/>
-            </a:pPr>
-            <a:r>
-              <a:rPr lang="en-US" sz="1600" dirty="0" smtClean="0"/>
-              <a:t>Pirates </a:t>
-            </a:r>
-            <a:r>
-              <a:rPr lang="en-US" sz="1600" dirty="0"/>
-              <a:t>of the Caribbean: At World's </a:t>
-            </a:r>
-            <a:r>
-              <a:rPr lang="en-US" sz="1600" dirty="0" smtClean="0"/>
-              <a:t>End</a:t>
-            </a:r>
-          </a:p>
-          <a:p>
-            <a:pPr marL="285750" indent="-285750">
-              <a:buFont typeface="Wingdings" pitchFamily="2" charset="2"/>
-              <a:buChar char="Ø"/>
-            </a:pPr>
-            <a:r>
-              <a:rPr lang="en-US" sz="1600" dirty="0" smtClean="0"/>
-              <a:t>John </a:t>
-            </a:r>
-            <a:r>
-              <a:rPr lang="en-US" sz="1600" dirty="0"/>
-              <a:t>Carter </a:t>
-            </a:r>
-            <a:endParaRPr lang="en-US" sz="1600" dirty="0" smtClean="0"/>
-          </a:p>
-          <a:p>
-            <a:pPr marL="285750" indent="-285750">
-              <a:buFont typeface="Wingdings" pitchFamily="2" charset="2"/>
-              <a:buChar char="Ø"/>
-            </a:pPr>
-            <a:r>
-              <a:rPr lang="en-US" sz="1600" dirty="0" smtClean="0"/>
-              <a:t>Spider-Man 3</a:t>
-            </a:r>
-          </a:p>
-          <a:p>
-            <a:pPr marL="285750" indent="-285750">
-              <a:buFont typeface="Wingdings" pitchFamily="2" charset="2"/>
-              <a:buChar char="Ø"/>
-            </a:pPr>
-            <a:r>
-              <a:rPr lang="en-US" sz="1600" dirty="0" smtClean="0"/>
-              <a:t>Avengers</a:t>
-            </a:r>
-            <a:r>
-              <a:rPr lang="en-US" sz="1600" dirty="0"/>
-              <a:t>: Age of </a:t>
-            </a:r>
-            <a:r>
-              <a:rPr lang="en-US" sz="1600" dirty="0" err="1"/>
-              <a:t>Ultron</a:t>
-            </a:r>
-            <a:r>
-              <a:rPr lang="en-US" sz="1600" dirty="0"/>
-              <a:t> </a:t>
-            </a:r>
-            <a:endParaRPr lang="en-US" sz="1600" dirty="0" smtClean="0"/>
-          </a:p>
-          <a:p>
-            <a:pPr marL="285750" indent="-285750">
-              <a:buFont typeface="Wingdings" pitchFamily="2" charset="2"/>
-              <a:buChar char="Ø"/>
-            </a:pPr>
-            <a:r>
-              <a:rPr lang="en-US" sz="1600" dirty="0" smtClean="0"/>
-              <a:t>Batman </a:t>
-            </a:r>
-            <a:r>
-              <a:rPr lang="en-US" sz="1600" dirty="0"/>
-              <a:t>v Superman: Dawn of Justice  </a:t>
-            </a:r>
-            <a:endParaRPr lang="en-US" sz="1600" dirty="0" smtClean="0"/>
-          </a:p>
-          <a:p>
-            <a:pPr marL="285750" indent="-285750">
-              <a:buFont typeface="Wingdings" pitchFamily="2" charset="2"/>
-              <a:buChar char="Ø"/>
-            </a:pPr>
-            <a:r>
-              <a:rPr lang="en-US" sz="1600" dirty="0" smtClean="0"/>
-              <a:t>Superman </a:t>
-            </a:r>
-            <a:r>
-              <a:rPr lang="en-US" sz="1600" dirty="0"/>
-              <a:t>Returns  </a:t>
-            </a:r>
-            <a:endParaRPr lang="en-US" sz="1600" dirty="0" smtClean="0"/>
-          </a:p>
-          <a:p>
-            <a:pPr marL="285750" indent="-285750">
-              <a:buFont typeface="Wingdings" pitchFamily="2" charset="2"/>
-              <a:buChar char="Ø"/>
-            </a:pPr>
-            <a:r>
-              <a:rPr lang="en-US" sz="1600" dirty="0" smtClean="0"/>
-              <a:t>Quantum </a:t>
-            </a:r>
-            <a:r>
-              <a:rPr lang="en-US" sz="1600" dirty="0"/>
-              <a:t>of Solace  </a:t>
-            </a:r>
-            <a:endParaRPr lang="en-US" sz="1600" dirty="0" smtClean="0"/>
-          </a:p>
-          <a:p>
-            <a:pPr marL="285750" indent="-285750">
-              <a:buFont typeface="Wingdings" pitchFamily="2" charset="2"/>
-              <a:buChar char="Ø"/>
-            </a:pPr>
-            <a:r>
-              <a:rPr lang="en-US" sz="1600" dirty="0" smtClean="0"/>
-              <a:t>Pirates </a:t>
-            </a:r>
-            <a:r>
-              <a:rPr lang="en-US" sz="1600" dirty="0"/>
-              <a:t>of the Caribbean: Dead Man's Chest  </a:t>
-            </a:r>
-            <a:endParaRPr lang="en-US" sz="1600" dirty="0" smtClean="0"/>
-          </a:p>
-          <a:p>
-            <a:pPr marL="285750" indent="-285750">
-              <a:buFont typeface="Wingdings" pitchFamily="2" charset="2"/>
-              <a:buChar char="Ø"/>
-            </a:pPr>
-            <a:r>
-              <a:rPr lang="en-US" sz="1600" dirty="0" smtClean="0"/>
-              <a:t>The </a:t>
-            </a:r>
-            <a:r>
-              <a:rPr lang="en-US" sz="1600" dirty="0"/>
-              <a:t>Lone Ranger  </a:t>
-            </a:r>
-            <a:endParaRPr lang="en-US" sz="1600" dirty="0" smtClean="0"/>
-          </a:p>
-          <a:p>
-            <a:pPr marL="285750" indent="-285750">
-              <a:buFont typeface="Wingdings" pitchFamily="2" charset="2"/>
-              <a:buChar char="Ø"/>
-            </a:pPr>
-            <a:r>
-              <a:rPr lang="en-US" sz="1600" dirty="0" smtClean="0"/>
-              <a:t>Man </a:t>
-            </a:r>
-            <a:r>
-              <a:rPr lang="en-US" sz="1600" dirty="0"/>
-              <a:t>of Steel  </a:t>
-            </a:r>
-            <a:endParaRPr lang="en-US" sz="1600" dirty="0" smtClean="0"/>
-          </a:p>
-          <a:p>
-            <a:pPr marL="285750" indent="-285750">
-              <a:buFont typeface="Wingdings" pitchFamily="2" charset="2"/>
-              <a:buChar char="Ø"/>
-            </a:pPr>
-            <a:r>
-              <a:rPr lang="en-US" sz="1600" dirty="0" smtClean="0"/>
-              <a:t>The </a:t>
-            </a:r>
-            <a:r>
-              <a:rPr lang="en-US" sz="1600" dirty="0"/>
-              <a:t>Avengers </a:t>
-            </a:r>
-            <a:endParaRPr lang="en-US" sz="1600" dirty="0" smtClean="0"/>
-          </a:p>
-          <a:p>
-            <a:pPr marL="285750" indent="-285750">
-              <a:buFont typeface="Wingdings" pitchFamily="2" charset="2"/>
-              <a:buChar char="Ø"/>
-            </a:pPr>
-            <a:r>
-              <a:rPr lang="en-US" sz="1600" dirty="0" smtClean="0"/>
-              <a:t>…</a:t>
+              <a:t>A Knight's Tale</a:t>
             </a:r>
             <a:endParaRPr lang="fr-FR" sz="1600" dirty="0"/>
           </a:p>
-        </p:txBody>
-      </p:sp>
+          <a:p>
+            <a:pPr marL="285750" lvl="0" indent="-285750">
+              <a:buFont typeface="Wingdings" pitchFamily="2" charset="2"/>
+              <a:buChar char="Ø"/>
+            </a:pPr>
+            <a:r>
+              <a:rPr lang="en-US" sz="1600" b="1" dirty="0"/>
+              <a:t>The Three Musketeers</a:t>
+            </a:r>
+            <a:endParaRPr lang="fr-FR" sz="1600" dirty="0"/>
+          </a:p>
+          <a:p>
+            <a:pPr marL="285750" lvl="0" indent="-285750">
+              <a:buFont typeface="Wingdings" pitchFamily="2" charset="2"/>
+              <a:buChar char="Ø"/>
+            </a:pPr>
+            <a:r>
+              <a:rPr lang="en-US" sz="1600" b="1" dirty="0"/>
+              <a:t>The Musketeer</a:t>
+            </a:r>
+            <a:endParaRPr lang="fr-FR" sz="1600" dirty="0"/>
+          </a:p>
+          <a:p>
+            <a:pPr marL="285750" lvl="0" indent="-285750">
+              <a:buFont typeface="Wingdings" pitchFamily="2" charset="2"/>
+              <a:buChar char="Ø"/>
+            </a:pPr>
+            <a:r>
+              <a:rPr lang="fr-FR" sz="1600" dirty="0"/>
+              <a:t>Prince of </a:t>
+            </a:r>
+            <a:r>
+              <a:rPr lang="fr-FR" sz="1600" dirty="0" err="1"/>
+              <a:t>Persia</a:t>
+            </a:r>
+            <a:r>
+              <a:rPr lang="fr-FR" sz="1600" dirty="0"/>
+              <a:t>: The </a:t>
+            </a:r>
+            <a:r>
+              <a:rPr lang="fr-FR" sz="1600" dirty="0" err="1"/>
+              <a:t>Sands</a:t>
+            </a:r>
+            <a:r>
+              <a:rPr lang="fr-FR" sz="1600" dirty="0"/>
+              <a:t> of Time</a:t>
+            </a:r>
+          </a:p>
+          <a:p>
+            <a:pPr marL="285750" lvl="0" indent="-285750">
+              <a:buFont typeface="Wingdings" pitchFamily="2" charset="2"/>
+              <a:buChar char="Ø"/>
+            </a:pPr>
+            <a:r>
+              <a:rPr lang="fr-FR" sz="1600" dirty="0" err="1"/>
+              <a:t>Spider-Man</a:t>
+            </a:r>
+            <a:r>
+              <a:rPr lang="fr-FR" sz="1600" dirty="0"/>
+              <a:t> 2 et </a:t>
+            </a:r>
+            <a:r>
+              <a:rPr lang="fr-FR" sz="1600" dirty="0" err="1"/>
+              <a:t>Spider-Man</a:t>
+            </a:r>
+            <a:endParaRPr lang="fr-FR" sz="1600" dirty="0"/>
+          </a:p>
+        </p:txBody>
+      </p:sp>
+      <p:pic>
+        <p:nvPicPr>
+          <p:cNvPr id="3074" name="Picture 2" descr="dendogram example"/>
+          <p:cNvPicPr>
+            <a:picLocks noChangeAspect="1" noChangeArrowheads="1"/>
+          </p:cNvPicPr>
+          <p:nvPr/>
+        </p:nvPicPr>
+        <p:blipFill>
+          <a:blip r:embed="rId2">
+            <a:extLst>
+              <a:ext uri="{28A0092B-C50C-407E-A947-70E740481C1C}">
+                <a14:useLocalDpi xmlns:a14="http://schemas.microsoft.com/office/drawing/2010/main" val="0"/>
+              </a:ext>
+            </a:extLst>
+          </a:blip>
+          <a:srcRect/>
+          <a:stretch>
+            <a:fillRect/>
+          </a:stretch>
+        </p:blipFill>
+        <p:spPr bwMode="auto">
+          <a:xfrm>
+            <a:off x="4677159" y="2204864"/>
+            <a:ext cx="4287329" cy="2880320"/>
+          </a:xfrm>
+          <a:prstGeom prst="rect">
+            <a:avLst/>
+          </a:prstGeom>
+          <a:noFill/>
+          <a:extLst>
+            <a:ext uri="{909E8E84-426E-40DD-AFC4-6F175D3DCCD1}">
+              <a14:hiddenFill xmlns:a14="http://schemas.microsoft.com/office/drawing/2010/main">
+                <a:solidFill>
+                  <a:srgbClr val="FFFFFF"/>
+                </a:solidFill>
+              </a14:hiddenFill>
+            </a:ext>
+          </a:extLst>
+        </p:spPr>
+      </p:pic>
     </p:spTree>
     <p:extLst>
       <p:ext uri="{BB962C8B-B14F-4D97-AF65-F5344CB8AC3E}">
@@ -4554,21 +4513,18 @@
               <a:buChar char="Ø"/>
             </a:pPr>
             <a:r>
-              <a:rPr lang="fr-FR" sz="2400" dirty="0">
-                <a:solidFill>
-                  <a:srgbClr val="E8750C"/>
-                </a:solidFill>
-              </a:rPr>
-              <a:t>Nombre de clusters non </a:t>
-            </a:r>
-            <a:r>
               <a:rPr lang="fr-FR" sz="2400" dirty="0" smtClean="0">
                 <a:solidFill>
                   <a:srgbClr val="E8750C"/>
                 </a:solidFill>
               </a:rPr>
-              <a:t>nécessaire</a:t>
-            </a:r>
+              <a:t>Pas de clusters</a:t>
+            </a:r>
+            <a:endParaRPr lang="fr-FR" sz="2400" dirty="0" smtClean="0">
+              <a:solidFill>
+                <a:srgbClr val="E8750C"/>
+              </a:solidFill>
+            </a:endParaRPr>
           </a:p>
           <a:p>
             <a:pPr lvl="1">
@@ -4576,13 +4532,18 @@
               <a:buChar char="Ø"/>
             </a:pPr>
             <a:r>
-              <a:rPr lang="fr-FR" sz="2400" dirty="0">
-                <a:solidFill>
-                  <a:srgbClr val="E8750C"/>
-                </a:solidFill>
-              </a:rPr>
-              <a:t>Retourne positions</a:t>
-            </a:r>
+              <a:rPr lang="fr-FR" sz="2400" dirty="0" smtClean="0">
+                <a:solidFill>
+                  <a:srgbClr val="E8750C"/>
+                </a:solidFill>
+              </a:rPr>
+              <a:t>Positions présente</a:t>
+            </a:r>
+            <a:endParaRPr lang="fr-FR" sz="2400" dirty="0">
+              <a:solidFill>
+                <a:srgbClr val="E8750C"/>
+              </a:solidFill>
+            </a:endParaRPr>
           </a:p>
           <a:p>
             <a:pPr lvl="2">
@@ -4636,7 +4597,7 @@
           <a:p>
             <a:fld id="{30547005-2CCE-4AAF-810C-C33FB4661996}" type="datetime1">
               <a:rPr lang="fr-FR" smtClean="0"/>
-              <a:t>19/11/2017</a:t>
+              <a:t>26/11/2017</a:t>
             </a:fld>
             <a:endParaRPr lang="fr-FR"/>
           </a:p>
@@ -4665,15 +4626,162 @@
           </a:p>
         </p:txBody>
       </p:sp>
+      <p:sp>
+        <p:nvSpPr>
+          <p:cNvPr id="8" name="ZoneTexte 7"/>
+          <p:cNvSpPr txBox="1"/>
+          <p:nvPr/>
+        </p:nvSpPr>
+        <p:spPr>
+          <a:xfrm>
+            <a:off x="539552" y="3933056"/>
+            <a:ext cx="4248472" cy="2092881"/>
+          </a:xfrm>
+          <a:prstGeom prst="rect">
+            <a:avLst/>
+          </a:prstGeom>
+          <a:noFill/>
+        </p:spPr>
+        <p:txBody>
+          <a:bodyPr wrap="square" rtlCol="0">
+            <a:spAutoFit/>
+          </a:bodyPr>
+          <a:lstStyle/>
+          <a:p>
+            <a:r>
+              <a:rPr lang="fr-FR" sz="1600" b="1" dirty="0"/>
+              <a:t>Entrée : </a:t>
+            </a:r>
+            <a:endParaRPr lang="fr-FR" sz="1600" b="1" dirty="0" smtClean="0"/>
+          </a:p>
+          <a:p>
+            <a:pPr marL="285750" indent="-285750">
+              <a:buFont typeface="Wingdings" pitchFamily="2" charset="2"/>
+              <a:buChar char="Ø"/>
+            </a:pPr>
+            <a:r>
+              <a:rPr lang="fr-FR" sz="1600" dirty="0" err="1" smtClean="0"/>
+              <a:t>Spider-Man</a:t>
+            </a:r>
+            <a:r>
+              <a:rPr lang="fr-FR" sz="1600" dirty="0" smtClean="0"/>
+              <a:t> 3</a:t>
+            </a:r>
+          </a:p>
+          <a:p>
+            <a:r>
+              <a:rPr lang="fr-FR" sz="1600" b="1" dirty="0" smtClean="0"/>
+              <a:t>Sortie :</a:t>
+            </a:r>
+          </a:p>
+          <a:p>
+            <a:pPr marL="285750" indent="-285750">
+              <a:buFont typeface="Wingdings" pitchFamily="2" charset="2"/>
+              <a:buChar char="Ø"/>
+            </a:pPr>
+            <a:r>
+              <a:rPr lang="fr-FR" sz="1600" dirty="0"/>
+              <a:t>Repo! The </a:t>
+            </a:r>
+            <a:r>
+              <a:rPr lang="fr-FR" sz="1600" dirty="0" err="1"/>
+              <a:t>Genetic</a:t>
+            </a:r>
+            <a:r>
+              <a:rPr lang="fr-FR" sz="1600" dirty="0"/>
+              <a:t> </a:t>
+            </a:r>
+            <a:r>
+              <a:rPr lang="fr-FR" sz="1600" dirty="0" err="1" smtClean="0"/>
+              <a:t>Opera</a:t>
+            </a:r>
+            <a:endParaRPr lang="fr-FR" sz="1600" dirty="0" smtClean="0"/>
+          </a:p>
+          <a:p>
+            <a:pPr marL="285750" indent="-285750">
+              <a:buFont typeface="Wingdings" pitchFamily="2" charset="2"/>
+              <a:buChar char="Ø"/>
+            </a:pPr>
+            <a:r>
+              <a:rPr lang="fr-FR" sz="1600" dirty="0"/>
+              <a:t>A </a:t>
+            </a:r>
+            <a:r>
+              <a:rPr lang="fr-FR" sz="1600" dirty="0" err="1"/>
+              <a:t>Knight's</a:t>
+            </a:r>
+            <a:r>
+              <a:rPr lang="fr-FR" sz="1600" dirty="0"/>
+              <a:t> </a:t>
+            </a:r>
+            <a:r>
+              <a:rPr lang="fr-FR" sz="1600" dirty="0" smtClean="0"/>
+              <a:t>Tale</a:t>
+            </a:r>
+          </a:p>
+          <a:p>
+            <a:pPr marL="285750" indent="-285750">
+              <a:buFont typeface="Wingdings" pitchFamily="2" charset="2"/>
+              <a:buChar char="Ø"/>
+            </a:pPr>
+            <a:r>
+              <a:rPr lang="fr-FR" sz="1600" dirty="0"/>
+              <a:t>The </a:t>
+            </a:r>
+            <a:r>
+              <a:rPr lang="fr-FR" sz="1600" dirty="0" err="1"/>
+              <a:t>Three</a:t>
+            </a:r>
+            <a:r>
+              <a:rPr lang="fr-FR" sz="1600" dirty="0"/>
+              <a:t> </a:t>
+            </a:r>
+            <a:r>
+              <a:rPr lang="fr-FR" sz="1600" dirty="0" err="1"/>
+              <a:t>Musketeers</a:t>
+            </a:r>
+            <a:endParaRPr lang="fr-FR" sz="1600" dirty="0" smtClean="0"/>
+          </a:p>
+          <a:p>
+            <a:pPr marL="285750" indent="-285750">
+              <a:buFont typeface="Wingdings" pitchFamily="2" charset="2"/>
+              <a:buChar char="Ø"/>
+            </a:pPr>
+            <a:r>
+              <a:rPr lang="fr-FR" sz="1600" dirty="0" err="1" smtClean="0"/>
+              <a:t>Ironclad</a:t>
+            </a:r>
+            <a:endParaRPr lang="fr-FR" sz="1600" dirty="0" smtClean="0"/>
+          </a:p>
+          <a:p>
+            <a:pPr marL="285750" indent="-285750">
+              <a:buFont typeface="Wingdings" pitchFamily="2" charset="2"/>
+              <a:buChar char="Ø"/>
+            </a:pPr>
+            <a:r>
+              <a:rPr lang="fr-FR" sz="1600" dirty="0"/>
+              <a:t>Bram </a:t>
+            </a:r>
+            <a:r>
+              <a:rPr lang="fr-FR" sz="1600" dirty="0" err="1"/>
+              <a:t>Stoker's</a:t>
+            </a:r>
+            <a:r>
+              <a:rPr lang="fr-FR" sz="1600" dirty="0"/>
+              <a:t> Dracula</a:t>
+            </a:r>
+          </a:p>
+        </p:txBody>
+      </p:sp>
       <p:pic>
         <p:nvPicPr>
-          <p:cNvPr id="2050" name="Picture 2" descr="F:\Nicolas\Documents\OpenClassRoom\Projet 3 - recomm. de films\isomap2d.png"/>
+          <p:cNvPr id="5122" name="Picture 2" descr="F:\Nicolas\Documents\OpenClassRoom\P3\img\isomap3d.png"/>
           <p:cNvPicPr>
             <a:picLocks noChangeAspect="1" noChangeArrowheads="1"/>
           </p:cNvPicPr>
           <p:nvPr/>
         </p:nvPicPr>
-        <p:blipFill>
+        <p:blipFill rotWithShape="1">
           <a:blip r:embed="rId2">
             <a:clrChange>
               <a:clrFrom>
@@ -4691,15 +4799,13 @@
               </a:ext>
             </a:extLst>
           </a:blip>
-          <a:srcRect/>
-          <a:stretch>
-            <a:fillRect/>
-          </a:stretch>
+          <a:srcRect l="20177" t="14906" r="12927" b="12849"/>
+          <a:stretch/>
         </p:blipFill>
         <p:spPr bwMode="auto">
           <a:xfrm>
-            <a:off x="5868144" y="1268760"/>
-            <a:ext cx="3168352" cy="2112540"/>
+            <a:off x="5364089" y="980728"/>
+            <a:ext cx="3744416" cy="3110661"/>
           </a:xfrm>
           <a:prstGeom prst="rect">
             <a:avLst/>
@@ -4718,7 +4824,7 @@
       </p:pic>
       <p:pic>
         <p:nvPicPr>
-          <p:cNvPr id="2051" name="Picture 3" descr="F:\Nicolas\Documents\OpenClassRoom\Projet 3 - recomm. de films\isomap3d.png"/>
+          <p:cNvPr id="5123" name="Picture 3" descr="F:\Nicolas\Documents\OpenClassRoom\P3\img\isomap2d.png"/>
           <p:cNvPicPr>
             <a:picLocks noChangeAspect="1" noChangeArrowheads="1"/>
           </p:cNvPicPr>
@@ -4749,8 +4855,8 @@
         </p:blipFill>
         <p:spPr bwMode="auto">
           <a:xfrm>
-            <a:off x="3923928" y="2633180"/>
-            <a:ext cx="5889972" cy="4530748"/>
+            <a:off x="5045263" y="3933056"/>
+            <a:ext cx="3898850" cy="2599609"/>
           </a:xfrm>
           <a:prstGeom prst="rect">
             <a:avLst/>
@@ -4767,153 +4873,6 @@
           </a:extLst>
         </p:spPr>
       </p:pic>
-      <p:sp>
-        <p:nvSpPr>
-          <p:cNvPr id="8" name="ZoneTexte 7"/>
-          <p:cNvSpPr txBox="1"/>
-          <p:nvPr/>
-        </p:nvSpPr>
-        <p:spPr>
-          <a:xfrm>
-            <a:off x="539552" y="3933056"/>
-            <a:ext cx="4248472" cy="2092881"/>
-          </a:xfrm>
-          <a:prstGeom prst="rect">
-            <a:avLst/>
-          </a:prstGeom>
-          <a:noFill/>
-        </p:spPr>
-        <p:txBody>
-          <a:bodyPr wrap="square" rtlCol="0">
-            <a:spAutoFit/>
-          </a:bodyPr>
-          <a:lstStyle/>
-          <a:p>
-            <a:r>
-              <a:rPr lang="fr-FR" sz="1600" b="1" dirty="0"/>
-              <a:t>Entrée : </a:t>
-            </a:r>
-            <a:endParaRPr lang="fr-FR" sz="1600" b="1" dirty="0" smtClean="0"/>
-          </a:p>
-          <a:p>
-            <a:pPr marL="285750" indent="-285750">
-              <a:buFont typeface="Wingdings" pitchFamily="2" charset="2"/>
-              <a:buChar char="Ø"/>
-            </a:pPr>
-            <a:r>
-              <a:rPr lang="fr-FR" sz="1600" dirty="0" err="1" smtClean="0"/>
-              <a:t>Spider-Man</a:t>
-            </a:r>
-            <a:r>
-              <a:rPr lang="fr-FR" sz="1600" dirty="0" smtClean="0"/>
-              <a:t> 3</a:t>
-            </a:r>
-          </a:p>
-          <a:p>
-            <a:r>
-              <a:rPr lang="fr-FR" sz="1600" b="1" dirty="0" smtClean="0"/>
-              <a:t>Sortie :</a:t>
-            </a:r>
-          </a:p>
-          <a:p>
-            <a:pPr marL="285750" indent="-285750">
-              <a:buFont typeface="Wingdings" pitchFamily="2" charset="2"/>
-              <a:buChar char="Ø"/>
-            </a:pPr>
-            <a:r>
-              <a:rPr lang="fr-FR" sz="1600" dirty="0"/>
-              <a:t>Repo! The </a:t>
-            </a:r>
-            <a:r>
-              <a:rPr lang="fr-FR" sz="1600" dirty="0" err="1"/>
-              <a:t>Genetic</a:t>
-            </a:r>
-            <a:r>
-              <a:rPr lang="fr-FR" sz="1600" dirty="0"/>
-              <a:t> </a:t>
-            </a:r>
-            <a:r>
-              <a:rPr lang="fr-FR" sz="1600" dirty="0" err="1" smtClean="0"/>
-              <a:t>Opera</a:t>
-            </a:r>
-            <a:endParaRPr lang="fr-FR" sz="1600" dirty="0" smtClean="0"/>
-          </a:p>
-          <a:p>
-            <a:pPr marL="285750" indent="-285750">
-              <a:buFont typeface="Wingdings" pitchFamily="2" charset="2"/>
-              <a:buChar char="Ø"/>
-            </a:pPr>
-            <a:r>
-              <a:rPr lang="fr-FR" sz="1600" dirty="0"/>
-              <a:t>A </a:t>
-            </a:r>
-            <a:r>
-              <a:rPr lang="fr-FR" sz="1600" dirty="0" err="1"/>
-              <a:t>Knight's</a:t>
-            </a:r>
-            <a:r>
-              <a:rPr lang="fr-FR" sz="1600" dirty="0"/>
-              <a:t> </a:t>
-            </a:r>
-            <a:r>
-              <a:rPr lang="fr-FR" sz="1600" dirty="0" smtClean="0"/>
-              <a:t>Tale</a:t>
-            </a:r>
-          </a:p>
-          <a:p>
-            <a:pPr marL="285750" indent="-285750">
-              <a:buFont typeface="Wingdings" pitchFamily="2" charset="2"/>
-              <a:buChar char="Ø"/>
-            </a:pPr>
-            <a:r>
-              <a:rPr lang="fr-FR" sz="1600" dirty="0"/>
-              <a:t>The </a:t>
-            </a:r>
-            <a:r>
-              <a:rPr lang="fr-FR" sz="1600" dirty="0" err="1"/>
-              <a:t>Three</a:t>
-            </a:r>
-            <a:r>
-              <a:rPr lang="fr-FR" sz="1600" dirty="0"/>
-              <a:t> </a:t>
-            </a:r>
-            <a:r>
-              <a:rPr lang="fr-FR" sz="1600" dirty="0" err="1"/>
-              <a:t>Musketeers</a:t>
-            </a:r>
-            <a:endParaRPr lang="fr-FR" sz="1600" dirty="0" smtClean="0"/>
-          </a:p>
-          <a:p>
-            <a:pPr marL="285750" indent="-285750">
-              <a:buFont typeface="Wingdings" pitchFamily="2" charset="2"/>
-              <a:buChar char="Ø"/>
-            </a:pPr>
-            <a:r>
-              <a:rPr lang="fr-FR" sz="1600" dirty="0" err="1" smtClean="0"/>
-              <a:t>Ironclad</a:t>
-            </a:r>
-            <a:endParaRPr lang="fr-FR" sz="1600" dirty="0" smtClean="0"/>
-          </a:p>
-          <a:p>
-            <a:pPr marL="285750" indent="-285750">
-              <a:buFont typeface="Wingdings" pitchFamily="2" charset="2"/>
-              <a:buChar char="Ø"/>
-            </a:pPr>
-            <a:r>
-              <a:rPr lang="fr-FR" sz="1600" dirty="0"/>
-              <a:t>Bram </a:t>
-            </a:r>
-            <a:r>
-              <a:rPr lang="fr-FR" sz="1600" dirty="0" err="1"/>
-              <a:t>Stoker's</a:t>
-            </a:r>
-            <a:r>
-              <a:rPr lang="fr-FR" sz="1600" dirty="0"/>
-              <a:t> Dracula</a:t>
-            </a:r>
-          </a:p>
-        </p:txBody>
-      </p:sp>
     </p:spTree>
     <p:extLst>
       <p:ext uri="{BB962C8B-B14F-4D97-AF65-F5344CB8AC3E}">
@@ -5078,7 +5037,7 @@
                   <a:srgbClr val="E8750C"/>
                 </a:solidFill>
               </a:rPr>
-              <a:t>Nombre de clusters non nécessaire</a:t>
+              <a:t>Pas de clusters</a:t>
             </a:r>
           </a:p>
           <a:p>
@@ -5092,7 +5051,7 @@
                   <a:srgbClr val="E8750C"/>
                 </a:solidFill>
               </a:rPr>
-              <a:t>Retourne positions</a:t>
+              <a:t>Positions présente</a:t>
             </a:r>
           </a:p>
           <a:p>
@@ -5101,7 +5060,7 @@
               <a:buChar char="Ø"/>
             </a:pPr>
             <a:r>
-              <a:rPr lang="fr-FR" sz="2000" dirty="0">
+              <a:rPr lang="fr-FR" sz="2000" dirty="0" smtClean="0">
                 <a:solidFill>
                   <a:srgbClr val="E8750C"/>
                 </a:solidFill>
@@ -5166,7 +5125,7 @@
           <a:p>
             <a:fld id="{30547005-2CCE-4AAF-810C-C33FB4661996}" type="datetime1">
               <a:rPr lang="fr-FR" smtClean="0"/>
-              <a:t>19/11/2017</a:t>
+              <a:t>26/11/2017</a:t>
             </a:fld>
             <a:endParaRPr lang="fr-FR"/>
           </a:p>
@@ -5348,13 +5307,13 @@
       </p:sp>
       <p:pic>
         <p:nvPicPr>
-          <p:cNvPr id="3074" name="Picture 2"/>
+          <p:cNvPr id="6146" name="Picture 2" descr="F:\Nicolas\Documents\OpenClassRoom\P3\img\lle3d.png"/>
           <p:cNvPicPr>
             <a:picLocks noChangeAspect="1" noChangeArrowheads="1"/>
           </p:cNvPicPr>
           <p:nvPr/>
         </p:nvPicPr>
-        <p:blipFill>
+        <p:blipFill rotWithShape="1">
           <a:blip r:embed="rId2">
             <a:clrChange>
               <a:clrFrom>
@@ -5372,14 +5331,13 @@
               </a:ext>
             </a:extLst>
           </a:blip>
-          <a:stretch>
-            <a:fillRect/>
-          </a:stretch>
+          <a:srcRect l="20953" t="15301" r="12528" b="13134"/>
+          <a:stretch/>
         </p:blipFill>
         <p:spPr bwMode="auto">
           <a:xfrm>
-            <a:off x="5812430" y="1340927"/>
-            <a:ext cx="3309050" cy="2206033"/>
+            <a:off x="5418090" y="980728"/>
+            <a:ext cx="3527229" cy="2919063"/>
           </a:xfrm>
           <a:prstGeom prst="rect">
             <a:avLst/>
@@ -5398,13 +5356,13 @@
       </p:pic>
       <p:pic>
         <p:nvPicPr>
-          <p:cNvPr id="3075" name="Picture 3"/>
+          <p:cNvPr id="6147" name="Picture 3" descr="F:\Nicolas\Documents\OpenClassRoom\P3\img\lle2d.png"/>
           <p:cNvPicPr>
             <a:picLocks noChangeAspect="1" noChangeArrowheads="1"/>
           </p:cNvPicPr>
           <p:nvPr/>
         </p:nvPicPr>
-        <p:blipFill rotWithShape="1">
+        <p:blipFill>
           <a:blip r:embed="rId3">
             <a:clrChange>
               <a:clrFrom>
@@ -5422,13 +5380,15 @@
               </a:ext>
             </a:extLst>
           </a:blip>
-          <a:srcRect l="19581" t="15087"/>
-          <a:stretch/>
+          <a:srcRect/>
+          <a:stretch>
+            <a:fillRect/>
+          </a:stretch>
         </p:blipFill>
         <p:spPr bwMode="auto">
           <a:xfrm>
-            <a:off x="4932947" y="3446140"/>
-            <a:ext cx="5031250" cy="4086437"/>
+            <a:off x="5283852" y="3904785"/>
+            <a:ext cx="3930270" cy="2620559"/>
           </a:xfrm>
           <a:prstGeom prst="rect">
             <a:avLst/>
@@ -5569,7 +5529,7 @@
                   <a:srgbClr val="E8750C"/>
                 </a:solidFill>
               </a:rPr>
-              <a:t>Nombre de clusters non nécessaire</a:t>
+              <a:t>Pas de clusters</a:t>
             </a:r>
           </a:p>
           <a:p>
@@ -5583,7 +5543,7 @@
                   <a:srgbClr val="E8750C"/>
                 </a:solidFill>
               </a:rPr>
-              <a:t>Retourne positions</a:t>
+              <a:t>Positions présente</a:t>
             </a:r>
           </a:p>
           <a:p>
@@ -5592,12 +5552,20 @@
               <a:buChar char="Ø"/>
             </a:pPr>
             <a:r>
+              <a:rPr lang="fr-FR" sz="2000" dirty="0" smtClean="0">
+                <a:solidFill>
+                  <a:srgbClr val="E8750C"/>
+                </a:solidFill>
+              </a:rPr>
+              <a:t>Recommander </a:t>
+            </a:r>
+            <a:r>
               <a:rPr lang="fr-FR" sz="2000" dirty="0">
                 <a:solidFill>
                   <a:srgbClr val="E8750C"/>
                 </a:solidFill>
               </a:rPr>
-              <a:t>Recommander possible</a:t>
+              <a:t>possible</a:t>
             </a:r>
           </a:p>
           <a:p>
@@ -5630,7 +5598,7 @@
           <a:p>
             <a:fld id="{30547005-2CCE-4AAF-810C-C33FB4661996}" type="datetime1">
               <a:rPr lang="fr-FR" smtClean="0"/>
-              <a:t>19/11/2017</a:t>
+              <a:t>26/11/2017</a:t>
             </a:fld>
             <a:endParaRPr lang="fr-FR"/>
           </a:p>
@@ -5659,15 +5627,150 @@
           </a:p>
         </p:txBody>
       </p:sp>
+      <p:sp>
+        <p:nvSpPr>
+          <p:cNvPr id="8" name="ZoneTexte 7"/>
+          <p:cNvSpPr txBox="1"/>
+          <p:nvPr/>
+        </p:nvSpPr>
+        <p:spPr>
+          <a:xfrm>
+            <a:off x="611560" y="3933056"/>
+            <a:ext cx="4248472" cy="2062103"/>
+          </a:xfrm>
+          <a:prstGeom prst="rect">
+            <a:avLst/>
+          </a:prstGeom>
+          <a:noFill/>
+        </p:spPr>
+        <p:txBody>
+          <a:bodyPr wrap="square" rtlCol="0">
+            <a:spAutoFit/>
+          </a:bodyPr>
+          <a:lstStyle/>
+          <a:p>
+            <a:r>
+              <a:rPr lang="fr-FR" sz="1600" b="1" dirty="0"/>
+              <a:t>Entrée : </a:t>
+            </a:r>
+            <a:endParaRPr lang="fr-FR" sz="1600" b="1" dirty="0" smtClean="0"/>
+          </a:p>
+          <a:p>
+            <a:pPr marL="285750" indent="-285750">
+              <a:buFont typeface="Wingdings" pitchFamily="2" charset="2"/>
+              <a:buChar char="Ø"/>
+            </a:pPr>
+            <a:r>
+              <a:rPr lang="fr-FR" sz="1600" dirty="0" err="1" smtClean="0"/>
+              <a:t>Spider-Man</a:t>
+            </a:r>
+            <a:r>
+              <a:rPr lang="fr-FR" sz="1600" dirty="0" smtClean="0"/>
+              <a:t> 3</a:t>
+            </a:r>
+          </a:p>
+          <a:p>
+            <a:r>
+              <a:rPr lang="fr-FR" sz="1600" b="1" dirty="0" smtClean="0"/>
+              <a:t>Sortie :</a:t>
+            </a:r>
+          </a:p>
+          <a:p>
+            <a:pPr marL="285750" indent="-285750">
+              <a:buFont typeface="Wingdings" pitchFamily="2" charset="2"/>
+              <a:buChar char="Ø"/>
+            </a:pPr>
+            <a:r>
+              <a:rPr lang="fr-FR" sz="1600" dirty="0" err="1" smtClean="0"/>
+              <a:t>Spider-Man</a:t>
+            </a:r>
+            <a:endParaRPr lang="fr-FR" sz="1600" dirty="0" smtClean="0"/>
+          </a:p>
+          <a:p>
+            <a:pPr marL="285750" indent="-285750">
+              <a:buFont typeface="Wingdings" pitchFamily="2" charset="2"/>
+              <a:buChar char="Ø"/>
+            </a:pPr>
+            <a:r>
+              <a:rPr lang="fr-FR" sz="1600" dirty="0" err="1"/>
+              <a:t>Spider-Man</a:t>
+            </a:r>
+            <a:r>
+              <a:rPr lang="fr-FR" sz="1600" dirty="0"/>
+              <a:t> </a:t>
+            </a:r>
+            <a:r>
+              <a:rPr lang="fr-FR" sz="1600" dirty="0" smtClean="0"/>
+              <a:t>2</a:t>
+            </a:r>
+          </a:p>
+          <a:p>
+            <a:pPr marL="285750" indent="-285750">
+              <a:buFont typeface="Wingdings" pitchFamily="2" charset="2"/>
+              <a:buChar char="Ø"/>
+            </a:pPr>
+            <a:r>
+              <a:rPr lang="fr-FR" sz="1600" dirty="0"/>
+              <a:t>The </a:t>
+            </a:r>
+            <a:r>
+              <a:rPr lang="fr-FR" sz="1600" dirty="0" err="1"/>
+              <a:t>Three</a:t>
+            </a:r>
+            <a:r>
+              <a:rPr lang="fr-FR" sz="1600" dirty="0"/>
+              <a:t> </a:t>
+            </a:r>
+            <a:r>
+              <a:rPr lang="fr-FR" sz="1600" dirty="0" err="1" smtClean="0"/>
+              <a:t>Musketeers</a:t>
+            </a:r>
+            <a:endParaRPr lang="fr-FR" sz="1600" dirty="0" smtClean="0"/>
+          </a:p>
+          <a:p>
+            <a:pPr marL="285750" indent="-285750">
+              <a:buFont typeface="Wingdings" pitchFamily="2" charset="2"/>
+              <a:buChar char="Ø"/>
+            </a:pPr>
+            <a:r>
+              <a:rPr lang="fr-FR" sz="1600" dirty="0" smtClean="0"/>
+              <a:t>The </a:t>
+            </a:r>
+            <a:r>
+              <a:rPr lang="fr-FR" sz="1600" dirty="0" err="1" smtClean="0"/>
+              <a:t>Musketeer</a:t>
+            </a:r>
+            <a:endParaRPr lang="fr-FR" sz="1600" dirty="0" smtClean="0"/>
+          </a:p>
+          <a:p>
+            <a:pPr marL="285750" indent="-285750">
+              <a:buFont typeface="Wingdings" pitchFamily="2" charset="2"/>
+              <a:buChar char="Ø"/>
+            </a:pPr>
+            <a:r>
+              <a:rPr lang="fr-FR" sz="1600" dirty="0"/>
+              <a:t>A </a:t>
+            </a:r>
+            <a:r>
+              <a:rPr lang="fr-FR" sz="1600" dirty="0" err="1"/>
+              <a:t>Knight's</a:t>
+            </a:r>
+            <a:r>
+              <a:rPr lang="fr-FR" sz="1600" dirty="0"/>
+              <a:t> Tale</a:t>
+            </a:r>
+          </a:p>
+        </p:txBody>
+      </p:sp>
       <p:pic>
         <p:nvPicPr>
-          <p:cNvPr id="4098" name="Picture 2"/>
+          <p:cNvPr id="7170" name="Picture 2" descr="F:\Nicolas\Documents\OpenClassRoom\P3\img\TSNE_2D.png"/>
           <p:cNvPicPr>
             <a:picLocks noChangeAspect="1" noChangeArrowheads="1"/>
           </p:cNvPicPr>
           <p:nvPr/>
         </p:nvPicPr>
-        <p:blipFill>
+        <p:blipFill rotWithShape="1">
           <a:blip r:embed="rId2">
             <a:clrChange>
               <a:clrFrom>
@@ -5685,64 +5788,39 @@
               </a:ext>
             </a:extLst>
           </a:blip>
-          <a:srcRect/>
-          <a:stretch>
-            <a:fillRect/>
-          </a:stretch>
+          <a:srcRect l="6994" t="9008" r="8234" b="6230"/>
+          <a:stretch/>
         </p:blipFill>
         <p:spPr bwMode="auto">
           <a:xfrm>
-            <a:off x="4644008" y="3284984"/>
-            <a:ext cx="4352974" cy="3484033"/>
+            <a:off x="5369042" y="4101128"/>
+            <a:ext cx="3584375" cy="2756872"/>
           </a:xfrm>
           <a:prstGeom prst="rect">
             <a:avLst/>
           </a:prstGeom>
           <a:noFill/>
-          <a:ln>
-            <a:noFill/>
-          </a:ln>
-          <a:effectLst/>
           <a:extLst>
             <a:ext uri="{909E8E84-426E-40DD-AFC4-6F175D3DCCD1}">
               <a14:hiddenFill xmlns:a14="http://schemas.microsoft.com/office/drawing/2010/main">
                 <a:solidFill>
-                  <a:schemeClr val="accent1"/>
+                  <a:srgbClr val="FFFFFF"/>
                 </a:solidFill>
               </a14:hiddenFill>
-            </a:ext>
-            <a:ext uri="{91240B29-F687-4F45-9708-019B960494DF}">
-              <a14:hiddenLine xmlns:a14="http://schemas.microsoft.com/office/drawing/2010/main" w="9525">
-                <a:solidFill>
-                  <a:schemeClr val="tx1"/>
-                </a:solidFill>
-                <a:miter lim="800000"/>
-                <a:headEnd/>
-                <a:tailEnd/>
-              </a14:hiddenLine>
-            </a:ext>
-            <a:ext uri="{AF507438-7753-43E0-B8FC-AC1667EBCBE1}">
-              <a14:hiddenEffects xmlns:a14="http://schemas.microsoft.com/office/drawing/2010/main">
-                <a:effectLst>
-                  <a:outerShdw dist="35921" dir="2700000" algn="ctr" rotWithShape="0">
-                    <a:schemeClr val="bg2"/>
-                  </a:outerShdw>
-                </a:effectLst>
-              </a14:hiddenEffects>
             </a:ext>
           </a:extLst>
         </p:spPr>
       </p:pic>
       <p:pic>
         <p:nvPicPr>
-          <p:cNvPr id="4099" name="Picture 3"/>
+          <p:cNvPr id="7171" name="Picture 3" descr="F:\Nicolas\Documents\OpenClassRoom\P3\img\TSNE_3D.png"/>
           <p:cNvPicPr>
             <a:picLocks noChangeAspect="1" noChangeArrowheads="1"/>
           </p:cNvPicPr>
           <p:nvPr/>
         </p:nvPicPr>
-        <p:blipFill>
-          <a:blip r:embed="rId3" cstate="print">
+        <p:blipFill rotWithShape="1">
+          <a:blip r:embed="rId3">
             <a:clrChange>
               <a:clrFrom>
                 <a:srgbClr val="FFFFFF"/>
@@ -5759,15 +5837,13 @@
               </a:ext>
             </a:extLst>
           </a:blip>
-          <a:srcRect/>
-          <a:stretch>
-            <a:fillRect/>
-          </a:stretch>
+          <a:srcRect l="20138" t="1731" r="11520" b="12361"/>
+          <a:stretch/>
         </p:blipFill>
         <p:spPr bwMode="auto">
           <a:xfrm>
-            <a:off x="6084168" y="1268760"/>
-            <a:ext cx="2710548" cy="2028217"/>
+            <a:off x="5233522" y="319839"/>
+            <a:ext cx="3910478" cy="3781289"/>
           </a:xfrm>
           <a:prstGeom prst="rect">
             <a:avLst/>
@@ -5776,172 +5852,17 @@
           <a:ln>
             <a:noFill/>
           </a:ln>
-          <a:effectLst/>
           <a:extLst>
             <a:ext uri="{909E8E84-426E-40DD-AFC4-6F175D3DCCD1}">
               <a14:hiddenFill xmlns:a14="http://schemas.microsoft.com/office/drawing/2010/main">
                 <a:solidFill>
-                  <a:schemeClr val="accent1"/>
+                  <a:srgbClr val="FFFFFF"/>
                 </a:solidFill>
               </a14:hiddenFill>
-            </a:ext>
-            <a:ext uri="{91240B29-F687-4F45-9708-019B960494DF}">
-              <a14:hiddenLine xmlns:a14="http://schemas.microsoft.com/office/drawing/2010/main" w="9525">
-                <a:solidFill>
-                  <a:schemeClr val="tx1"/>
-                </a:solidFill>
-                <a:miter lim="800000"/>
-                <a:headEnd/>
-                <a:tailEnd/>
-              </a14:hiddenLine>
-            </a:ext>
-            <a:ext uri="{AF507438-7753-43E0-B8FC-AC1667EBCBE1}">
-              <a14:hiddenEffects xmlns:a14="http://schemas.microsoft.com/office/drawing/2010/main">
-                <a:effectLst>
-                  <a:outerShdw dist="35921" dir="2700000" algn="ctr" rotWithShape="0">
-                    <a:schemeClr val="bg2"/>
-                  </a:outerShdw>
-                </a:effectLst>
-              </a14:hiddenEffects>
             </a:ext>
           </a:extLst>
         </p:spPr>
       </p:pic>
-      <p:sp>
-        <p:nvSpPr>
-          <p:cNvPr id="8" name="ZoneTexte 7"/>
-          <p:cNvSpPr txBox="1"/>
-          <p:nvPr/>
-        </p:nvSpPr>
-        <p:spPr>
-          <a:xfrm>
-            <a:off x="611560" y="3933056"/>
-            <a:ext cx="4248472" cy="2062103"/>
-          </a:xfrm>
-          <a:prstGeom prst="rect">
-            <a:avLst/>
-          </a:prstGeom>
-          <a:noFill/>
-        </p:spPr>
-        <p:txBody>
-          <a:bodyPr wrap="square" rtlCol="0">
-            <a:spAutoFit/>
-          </a:bodyPr>
-          <a:lstStyle/>
-          <a:p>
-            <a:r>
-              <a:rPr lang="fr-FR" sz="1600" b="1" dirty="0"/>
-              <a:t>Entrée : </a:t>
-            </a:r>
-            <a:endParaRPr lang="fr-FR" sz="1600" b="1" dirty="0" smtClean="0"/>
-          </a:p>
-          <a:p>
-            <a:pPr marL="285750" indent="-285750">
-              <a:buFont typeface="Wingdings" pitchFamily="2" charset="2"/>
-              <a:buChar char="Ø"/>
-            </a:pPr>
-            <a:r>
-              <a:rPr lang="fr-FR" sz="1600" dirty="0" err="1" smtClean="0"/>
-              <a:t>Spider-Man</a:t>
-            </a:r>
-            <a:r>
-              <a:rPr lang="fr-FR" sz="1600" dirty="0" smtClean="0"/>
-              <a:t> 3</a:t>
-            </a:r>
-          </a:p>
-          <a:p>
-            <a:r>
-              <a:rPr lang="fr-FR" sz="1600" b="1" dirty="0" smtClean="0"/>
-              <a:t>Sortie :</a:t>
-            </a:r>
-          </a:p>
-          <a:p>
-            <a:pPr marL="285750" indent="-285750">
-              <a:buFont typeface="Wingdings" pitchFamily="2" charset="2"/>
-              <a:buChar char="Ø"/>
-            </a:pPr>
-            <a:r>
-              <a:rPr lang="fr-FR" sz="1600" dirty="0" err="1" smtClean="0"/>
-              <a:t>Spider-Man</a:t>
-            </a:r>
-            <a:endParaRPr lang="fr-FR" sz="1600" dirty="0" smtClean="0"/>
-          </a:p>
-          <a:p>
-            <a:pPr marL="285750" indent="-285750">
-              <a:buFont typeface="Wingdings" pitchFamily="2" charset="2"/>
-              <a:buChar char="Ø"/>
-            </a:pPr>
-            <a:r>
-              <a:rPr lang="fr-FR" sz="1600" dirty="0" err="1"/>
-              <a:t>Spider-Man</a:t>
-            </a:r>
-            <a:r>
-              <a:rPr lang="fr-FR" sz="1600" dirty="0"/>
-              <a:t> </a:t>
-            </a:r>
-            <a:r>
-              <a:rPr lang="fr-FR" sz="1600" dirty="0" smtClean="0"/>
-              <a:t>2</a:t>
-            </a:r>
-          </a:p>
-          <a:p>
-            <a:pPr marL="285750" indent="-285750">
-              <a:buFont typeface="Wingdings" pitchFamily="2" charset="2"/>
-              <a:buChar char="Ø"/>
-            </a:pPr>
-            <a:r>
-              <a:rPr lang="fr-FR" sz="1600" dirty="0"/>
-              <a:t>The </a:t>
-            </a:r>
-            <a:r>
-              <a:rPr lang="fr-FR" sz="1600" dirty="0" err="1"/>
-              <a:t>Three</a:t>
-            </a:r>
-            <a:r>
-              <a:rPr lang="fr-FR" sz="1600" dirty="0"/>
-              <a:t> </a:t>
-            </a:r>
-            <a:r>
-              <a:rPr lang="fr-FR" sz="1600" dirty="0" err="1" smtClean="0"/>
-              <a:t>Musketeers</a:t>
-            </a:r>
-            <a:endParaRPr lang="fr-FR" sz="1600" dirty="0" smtClean="0"/>
-          </a:p>
-          <a:p>
-            <a:pPr marL="285750" indent="-285750">
-              <a:buFont typeface="Wingdings" pitchFamily="2" charset="2"/>
-              <a:buChar char="Ø"/>
-            </a:pPr>
-            <a:r>
-              <a:rPr lang="fr-FR" sz="1600" dirty="0" smtClean="0"/>
-              <a:t>The </a:t>
-            </a:r>
-            <a:r>
-              <a:rPr lang="fr-FR" sz="1600" dirty="0" err="1" smtClean="0"/>
-              <a:t>Musketeer</a:t>
-            </a:r>
-            <a:endParaRPr lang="fr-FR" sz="1600" dirty="0" smtClean="0"/>
-          </a:p>
-          <a:p>
-            <a:pPr marL="285750" indent="-285750">
-              <a:buFont typeface="Wingdings" pitchFamily="2" charset="2"/>
-              <a:buChar char="Ø"/>
-            </a:pPr>
-            <a:r>
-              <a:rPr lang="fr-FR" sz="1600" dirty="0"/>
-              <a:t>A </a:t>
-            </a:r>
-            <a:r>
-              <a:rPr lang="fr-FR" sz="1600" dirty="0" err="1"/>
-              <a:t>Knight's</a:t>
-            </a:r>
-            <a:r>
-              <a:rPr lang="fr-FR" sz="1600" dirty="0"/>
-              <a:t> Tale</a:t>
-            </a:r>
-          </a:p>
-        </p:txBody>
-      </p:sp>
     </p:spTree>
     <p:extLst>
       <p:ext uri="{BB962C8B-B14F-4D97-AF65-F5344CB8AC3E}">
@@ -6055,12 +5976,12 @@
               <a:t>Groupe « </a:t>
             </a:r>
             <a:r>
-              <a:rPr lang="fr-FR" sz="2400" dirty="0" err="1" smtClean="0">
-                <a:solidFill>
-                  <a:srgbClr val="E8750C"/>
-                </a:solidFill>
-              </a:rPr>
-              <a:t>decomposition</a:t>
+              <a:rPr lang="fr-FR" sz="2400" dirty="0" smtClean="0">
+                <a:solidFill>
+                  <a:srgbClr val="E8750C"/>
+                </a:solidFill>
+              </a:rPr>
+              <a:t>décomposition</a:t>
             </a:r>
             <a:r>
               <a:rPr lang="fr-FR" sz="2400" dirty="0">
@@ -6090,7 +6011,7 @@
                   <a:srgbClr val="E8750C"/>
                 </a:solidFill>
               </a:rPr>
-              <a:t>Nombre de clusters non nécessaire</a:t>
+              <a:t>Pas de clusters</a:t>
             </a:r>
           </a:p>
           <a:p>
@@ -6104,7 +6025,7 @@
                   <a:srgbClr val="E8750C"/>
                 </a:solidFill>
               </a:rPr>
-              <a:t>Retourne positions</a:t>
+              <a:t>Positions présente</a:t>
             </a:r>
           </a:p>
           <a:p>
@@ -6113,7 +6034,7 @@
               <a:buChar char="Ø"/>
             </a:pPr>
             <a:r>
-              <a:rPr lang="fr-FR" sz="2000" dirty="0">
+              <a:rPr lang="fr-FR" sz="2000" dirty="0" smtClean="0">
                 <a:solidFill>
                   <a:srgbClr val="E8750C"/>
                 </a:solidFill>
@@ -6140,8 +6061,21 @@
                   <a:srgbClr val="E8750C"/>
                 </a:solidFill>
               </a:rPr>
-              <a:t>Nécessite haute dim.</a:t>
-            </a:r>
+              <a:t>Nécessite haute </a:t>
+            </a:r>
+            <a:r>
+              <a:rPr lang="fr-FR" sz="2400" dirty="0" smtClean="0">
+                <a:solidFill>
+                  <a:srgbClr val="E8750C"/>
+                </a:solidFill>
+              </a:rPr>
+              <a:t>dimension</a:t>
+            </a:r>
+            <a:endParaRPr lang="fr-FR" sz="2400" dirty="0" smtClean="0">
+              <a:solidFill>
+                <a:srgbClr val="E8750C"/>
+              </a:solidFill>
+            </a:endParaRPr>
           </a:p>
           <a:p>
             <a:pPr lvl="2">
@@ -6214,7 +6148,7 @@
           <a:p>
             <a:fld id="{30547005-2CCE-4AAF-810C-C33FB4661996}" type="datetime1">
               <a:rPr lang="fr-FR" smtClean="0"/>
-              <a:t>19/11/2017</a:t>
+              <a:t>26/11/2017</a:t>
             </a:fld>
             <a:endParaRPr lang="fr-FR"/>
           </a:p>
@@ -6243,9 +6177,136 @@
           </a:p>
         </p:txBody>
       </p:sp>
+      <p:sp>
+        <p:nvSpPr>
+          <p:cNvPr id="8" name="ZoneTexte 7"/>
+          <p:cNvSpPr txBox="1"/>
+          <p:nvPr/>
+        </p:nvSpPr>
+        <p:spPr>
+          <a:xfrm>
+            <a:off x="1907704" y="4648487"/>
+            <a:ext cx="4248472" cy="2092881"/>
+          </a:xfrm>
+          <a:prstGeom prst="rect">
+            <a:avLst/>
+          </a:prstGeom>
+          <a:noFill/>
+        </p:spPr>
+        <p:txBody>
+          <a:bodyPr wrap="square" rtlCol="0">
+            <a:spAutoFit/>
+          </a:bodyPr>
+          <a:lstStyle/>
+          <a:p>
+            <a:r>
+              <a:rPr lang="fr-FR" sz="1600" b="1" dirty="0"/>
+              <a:t>Entrée : </a:t>
+            </a:r>
+            <a:endParaRPr lang="fr-FR" sz="1600" b="1" dirty="0" smtClean="0"/>
+          </a:p>
+          <a:p>
+            <a:pPr marL="285750" indent="-285750">
+              <a:buFont typeface="Wingdings" pitchFamily="2" charset="2"/>
+              <a:buChar char="Ø"/>
+            </a:pPr>
+            <a:r>
+              <a:rPr lang="fr-FR" sz="1600" dirty="0" err="1" smtClean="0"/>
+              <a:t>Spider-Man</a:t>
+            </a:r>
+            <a:r>
+              <a:rPr lang="fr-FR" sz="1600" dirty="0" smtClean="0"/>
+              <a:t> 3</a:t>
+            </a:r>
+          </a:p>
+          <a:p>
+            <a:r>
+              <a:rPr lang="fr-FR" sz="1600" b="1" dirty="0" smtClean="0"/>
+              <a:t>Sortie :</a:t>
+            </a:r>
+          </a:p>
+          <a:p>
+            <a:pPr marL="285750" indent="-285750">
+              <a:buFont typeface="Wingdings" pitchFamily="2" charset="2"/>
+              <a:buChar char="Ø"/>
+            </a:pPr>
+            <a:r>
+              <a:rPr lang="fr-FR" sz="1600" dirty="0"/>
+              <a:t>The </a:t>
+            </a:r>
+            <a:r>
+              <a:rPr lang="fr-FR" sz="1600" dirty="0" err="1"/>
+              <a:t>Three</a:t>
+            </a:r>
+            <a:r>
+              <a:rPr lang="fr-FR" sz="1600" dirty="0"/>
+              <a:t> </a:t>
+            </a:r>
+            <a:r>
+              <a:rPr lang="fr-FR" sz="1600" dirty="0" err="1" smtClean="0"/>
+              <a:t>Musketeers</a:t>
+            </a:r>
+            <a:endParaRPr lang="fr-FR" sz="1600" dirty="0" smtClean="0"/>
+          </a:p>
+          <a:p>
+            <a:pPr marL="285750" indent="-285750">
+              <a:buFont typeface="Wingdings" pitchFamily="2" charset="2"/>
+              <a:buChar char="Ø"/>
+            </a:pPr>
+            <a:r>
+              <a:rPr lang="fr-FR" sz="1600" dirty="0"/>
+              <a:t>The </a:t>
+            </a:r>
+            <a:r>
+              <a:rPr lang="fr-FR" sz="1600" dirty="0" err="1" smtClean="0"/>
+              <a:t>Musketeer</a:t>
+            </a:r>
+            <a:endParaRPr lang="fr-FR" sz="1600" dirty="0" smtClean="0"/>
+          </a:p>
+          <a:p>
+            <a:pPr marL="285750" indent="-285750">
+              <a:buFont typeface="Wingdings" pitchFamily="2" charset="2"/>
+              <a:buChar char="Ø"/>
+            </a:pPr>
+            <a:r>
+              <a:rPr lang="en-US" sz="1600" dirty="0"/>
+              <a:t>The Charge of the Light </a:t>
+            </a:r>
+            <a:r>
+              <a:rPr lang="en-US" sz="1600" dirty="0" smtClean="0"/>
+              <a:t>Brigade</a:t>
+            </a:r>
+          </a:p>
+          <a:p>
+            <a:pPr marL="285750" indent="-285750">
+              <a:buFont typeface="Wingdings" pitchFamily="2" charset="2"/>
+              <a:buChar char="Ø"/>
+            </a:pPr>
+            <a:r>
+              <a:rPr lang="fr-FR" sz="1600" dirty="0" err="1" smtClean="0"/>
+              <a:t>Ironclad</a:t>
+            </a:r>
+            <a:endParaRPr lang="fr-FR" sz="1600" dirty="0" smtClean="0"/>
+          </a:p>
+          <a:p>
+            <a:pPr marL="285750" indent="-285750">
+              <a:buFont typeface="Wingdings" pitchFamily="2" charset="2"/>
+              <a:buChar char="Ø"/>
+            </a:pPr>
+            <a:r>
+              <a:rPr lang="fr-FR" sz="1600" dirty="0" err="1"/>
+              <a:t>Red</a:t>
+            </a:r>
+            <a:r>
+              <a:rPr lang="fr-FR" sz="1600" dirty="0"/>
+              <a:t> River</a:t>
+            </a:r>
+          </a:p>
+        </p:txBody>
+      </p:sp>
       <p:pic>
         <p:nvPicPr>
-          <p:cNvPr id="5122" name="Picture 2" descr="F:\Nicolas\Documents\OpenClassRoom\Projet 3 - recomm. de films\PCA2d.png"/>
+          <p:cNvPr id="8194" name="Picture 2" descr="F:\Nicolas\Documents\OpenClassRoom\P3\img\PCA3d.png"/>
           <p:cNvPicPr>
             <a:picLocks noChangeAspect="1" noChangeArrowheads="1"/>
           </p:cNvPicPr>
@@ -6276,8 +6337,8 @@
         </p:blipFill>
         <p:spPr bwMode="auto">
           <a:xfrm>
-            <a:off x="5868144" y="1340768"/>
-            <a:ext cx="3409081" cy="2273050"/>
+            <a:off x="4355976" y="486575"/>
+            <a:ext cx="5420453" cy="4169580"/>
           </a:xfrm>
           <a:prstGeom prst="rect">
             <a:avLst/>
@@ -6296,7 +6357,7 @@
       </p:pic>
       <p:pic>
         <p:nvPicPr>
-          <p:cNvPr id="5123" name="Picture 3" descr="F:\Nicolas\Documents\OpenClassRoom\Projet 3 - recomm. de films\PCA3d.png"/>
+          <p:cNvPr id="8195" name="Picture 3" descr="F:\Nicolas\Documents\OpenClassRoom\P3\img\PCA2d.png"/>
           <p:cNvPicPr>
             <a:picLocks noChangeAspect="1" noChangeArrowheads="1"/>
           </p:cNvPicPr>
@@ -6327,8 +6388,8 @@
         </p:blipFill>
         <p:spPr bwMode="auto">
           <a:xfrm>
-            <a:off x="4259263" y="3140968"/>
-            <a:ext cx="5550006" cy="4269235"/>
+            <a:off x="5508104" y="4221088"/>
+            <a:ext cx="3831804" cy="2554905"/>
           </a:xfrm>
           <a:prstGeom prst="rect">
             <a:avLst/>
@@ -6345,133 +6406,6 @@
           </a:extLst>
         </p:spPr>
       </p:pic>
-      <p:sp>
-        <p:nvSpPr>
-          <p:cNvPr id="8" name="ZoneTexte 7"/>
-          <p:cNvSpPr txBox="1"/>
-          <p:nvPr/>
-        </p:nvSpPr>
-        <p:spPr>
-          <a:xfrm>
-            <a:off x="1907704" y="4648487"/>
-            <a:ext cx="4248472" cy="2092881"/>
-          </a:xfrm>
-          <a:prstGeom prst="rect">
-            <a:avLst/>
-          </a:prstGeom>
-          <a:noFill/>
-        </p:spPr>
-        <p:txBody>
-          <a:bodyPr wrap="square" rtlCol="0">
-            <a:spAutoFit/>
-          </a:bodyPr>
-          <a:lstStyle/>
-          <a:p>
-            <a:r>
-              <a:rPr lang="fr-FR" sz="1600" b="1" dirty="0"/>
-              <a:t>Entrée : </a:t>
-            </a:r>
-            <a:endParaRPr lang="fr-FR" sz="1600" b="1" dirty="0" smtClean="0"/>
-          </a:p>
-          <a:p>
-            <a:pPr marL="285750" indent="-285750">
-              <a:buFont typeface="Wingdings" pitchFamily="2" charset="2"/>
-              <a:buChar char="Ø"/>
-            </a:pPr>
-            <a:r>
-              <a:rPr lang="fr-FR" sz="1600" dirty="0" err="1" smtClean="0"/>
-              <a:t>Spider-Man</a:t>
-            </a:r>
-            <a:r>
-              <a:rPr lang="fr-FR" sz="1600" dirty="0" smtClean="0"/>
-              <a:t> 3</a:t>
-            </a:r>
-          </a:p>
-          <a:p>
-            <a:r>
-              <a:rPr lang="fr-FR" sz="1600" b="1" dirty="0" smtClean="0"/>
-              <a:t>Sortie :</a:t>
-            </a:r>
-          </a:p>
-          <a:p>
-            <a:pPr marL="285750" indent="-285750">
-              <a:buFont typeface="Wingdings" pitchFamily="2" charset="2"/>
-              <a:buChar char="Ø"/>
-            </a:pPr>
-            <a:r>
-              <a:rPr lang="fr-FR" sz="1600" dirty="0"/>
-              <a:t>The </a:t>
-            </a:r>
-            <a:r>
-              <a:rPr lang="fr-FR" sz="1600" dirty="0" err="1"/>
-              <a:t>Three</a:t>
-            </a:r>
-            <a:r>
-              <a:rPr lang="fr-FR" sz="1600" dirty="0"/>
-              <a:t> </a:t>
-            </a:r>
-            <a:r>
-              <a:rPr lang="fr-FR" sz="1600" dirty="0" err="1" smtClean="0"/>
-              <a:t>Musketeers</a:t>
-            </a:r>
-            <a:endParaRPr lang="fr-FR" sz="1600" dirty="0" smtClean="0"/>
-          </a:p>
-          <a:p>
-            <a:pPr marL="285750" indent="-285750">
-              <a:buFont typeface="Wingdings" pitchFamily="2" charset="2"/>
-              <a:buChar char="Ø"/>
-            </a:pPr>
-            <a:r>
-              <a:rPr lang="fr-FR" sz="1600" dirty="0"/>
-              <a:t>The </a:t>
-            </a:r>
-            <a:r>
-              <a:rPr lang="fr-FR" sz="1600" dirty="0" err="1" smtClean="0"/>
-              <a:t>Musketeer</a:t>
-            </a:r>
-            <a:endParaRPr lang="fr-FR" sz="1600" dirty="0" smtClean="0"/>
-          </a:p>
-          <a:p>
-            <a:pPr marL="285750" indent="-285750">
-              <a:buFont typeface="Wingdings" pitchFamily="2" charset="2"/>
-              <a:buChar char="Ø"/>
-            </a:pPr>
-            <a:r>
-              <a:rPr lang="en-US" sz="1600" dirty="0"/>
-              <a:t>The Charge of the Light </a:t>
-            </a:r>
-            <a:r>
-              <a:rPr lang="en-US" sz="1600" dirty="0" smtClean="0"/>
-              <a:t>Brigade</a:t>
-            </a:r>
-          </a:p>
-          <a:p>
-            <a:pPr marL="285750" indent="-285750">
-              <a:buFont typeface="Wingdings" pitchFamily="2" charset="2"/>
-              <a:buChar char="Ø"/>
-            </a:pPr>
-            <a:r>
-              <a:rPr lang="fr-FR" sz="1600" dirty="0" err="1" smtClean="0"/>
-              <a:t>Ironclad</a:t>
-            </a:r>
-            <a:endParaRPr lang="fr-FR" sz="1600" dirty="0" smtClean="0"/>
-          </a:p>
-          <a:p>
-            <a:pPr marL="285750" indent="-285750">
-              <a:buFont typeface="Wingdings" pitchFamily="2" charset="2"/>
-              <a:buChar char="Ø"/>
-            </a:pPr>
-            <a:r>
-              <a:rPr lang="fr-FR" sz="1600" dirty="0" err="1"/>
-              <a:t>Red</a:t>
-            </a:r>
-            <a:r>
-              <a:rPr lang="fr-FR" sz="1600" dirty="0"/>
-              <a:t> River</a:t>
-            </a:r>
-          </a:p>
-        </p:txBody>
-      </p:sp>
     </p:spTree>
     <p:extLst>
       <p:ext uri="{BB962C8B-B14F-4D97-AF65-F5344CB8AC3E}">
@@ -6525,13 +6459,14 @@
           <a:lstStyle/>
           <a:p>
             <a:r>
-              <a:rPr lang="fr-FR" dirty="0">
+              <a:rPr lang="fr-FR" dirty="0" smtClean="0">
                 <a:solidFill>
                   <a:srgbClr val="95023C"/>
                 </a:solidFill>
               </a:rPr>
-              <a:t>Modèle final</a:t>
-            </a:r>
+              <a:t>Modélisation</a:t>
+            </a:r>
+            <a:endParaRPr lang="fr-FR" dirty="0"/>
           </a:p>
         </p:txBody>
       </p:sp>
@@ -6557,12 +6492,12 @@
               <a:buChar char="Ø"/>
             </a:pPr>
             <a:r>
-              <a:rPr lang="fr-FR" dirty="0">
-                <a:solidFill>
-                  <a:srgbClr val="E8750C"/>
-                </a:solidFill>
-              </a:rPr>
-              <a:t>Mise en place</a:t>
+              <a:rPr lang="fr-FR" sz="2800" dirty="0" smtClean="0">
+                <a:solidFill>
+                  <a:srgbClr val="E8750C"/>
+                </a:solidFill>
+              </a:rPr>
+              <a:t>Modèle simple</a:t>
             </a:r>
           </a:p>
           <a:p>
@@ -6571,13 +6506,26 @@
               <a:buChar char="Ø"/>
             </a:pPr>
             <a:r>
-              <a:rPr lang="fr-FR" dirty="0" smtClean="0">
-                <a:solidFill>
-                  <a:srgbClr val="E8750C"/>
-                </a:solidFill>
-              </a:rPr>
-              <a:t>Modèle choisi :TSNE</a:t>
-            </a:r>
+              <a:rPr lang="fr-FR" sz="2400" dirty="0" smtClean="0">
+                <a:solidFill>
+                  <a:srgbClr val="E8750C"/>
+                </a:solidFill>
+              </a:rPr>
+              <a:t>Basé sur la matrice encodée/</a:t>
+            </a:r>
+            <a:r>
+              <a:rPr lang="fr-FR" sz="2400" dirty="0" err="1" smtClean="0">
+                <a:solidFill>
+                  <a:srgbClr val="E8750C"/>
+                </a:solidFill>
+              </a:rPr>
+              <a:t>scalée</a:t>
+            </a:r>
+            <a:endParaRPr lang="fr-FR" sz="2400" dirty="0" smtClean="0">
+              <a:solidFill>
+                <a:srgbClr val="E8750C"/>
+              </a:solidFill>
+            </a:endParaRPr>
           </a:p>
           <a:p>
             <a:pPr lvl="1">
@@ -6585,21 +6533,94 @@
               <a:buChar char="Ø"/>
             </a:pPr>
             <a:r>
-              <a:rPr lang="fr-FR" dirty="0" smtClean="0">
-                <a:solidFill>
-                  <a:srgbClr val="E8750C"/>
-                </a:solidFill>
-              </a:rPr>
-              <a:t>Optimisation basé sur </a:t>
-            </a:r>
-            <a:r>
-              <a:rPr lang="fr-FR" dirty="0" err="1" smtClean="0">
-                <a:solidFill>
-                  <a:srgbClr val="E8750C"/>
-                </a:solidFill>
-              </a:rPr>
-              <a:t>kl_divergent</a:t>
-            </a:r>
+              <a:rPr lang="fr-FR" sz="2400" dirty="0" smtClean="0">
+                <a:solidFill>
+                  <a:srgbClr val="E8750C"/>
+                </a:solidFill>
+              </a:rPr>
+              <a:t>Utilise la distance euclidienne</a:t>
+            </a:r>
+          </a:p>
+          <a:p>
+            <a:pPr lvl="1">
+              <a:buFont typeface="Wingdings" pitchFamily="2" charset="2"/>
+              <a:buChar char="Ø"/>
+            </a:pPr>
+            <a:r>
+              <a:rPr lang="fr-FR" sz="2400" dirty="0" smtClean="0">
+                <a:solidFill>
+                  <a:srgbClr val="E8750C"/>
+                </a:solidFill>
+              </a:rPr>
+              <a:t>Avantage : </a:t>
+            </a:r>
+          </a:p>
+          <a:p>
+            <a:pPr lvl="2">
+              <a:buFont typeface="Wingdings" pitchFamily="2" charset="2"/>
+              <a:buChar char="Ø"/>
+            </a:pPr>
+            <a:r>
+              <a:rPr lang="fr-FR" sz="2000" dirty="0" smtClean="0">
+                <a:solidFill>
+                  <a:srgbClr val="E8750C"/>
+                </a:solidFill>
+              </a:rPr>
+              <a:t>Online-Learning</a:t>
+            </a:r>
+          </a:p>
+          <a:p>
+            <a:pPr lvl="2">
+              <a:buFont typeface="Wingdings" pitchFamily="2" charset="2"/>
+              <a:buChar char="Ø"/>
+            </a:pPr>
+            <a:r>
+              <a:rPr lang="fr-FR" sz="2000" dirty="0" smtClean="0">
+                <a:solidFill>
+                  <a:srgbClr val="E8750C"/>
+                </a:solidFill>
+              </a:rPr>
+              <a:t>Rapidité</a:t>
+            </a:r>
+          </a:p>
+          <a:p>
+            <a:pPr lvl="2">
+              <a:buFont typeface="Wingdings" pitchFamily="2" charset="2"/>
+              <a:buChar char="Ø"/>
+            </a:pPr>
+            <a:r>
+              <a:rPr lang="fr-FR" sz="2000" dirty="0" smtClean="0">
+                <a:solidFill>
+                  <a:srgbClr val="E8750C"/>
+                </a:solidFill>
+              </a:rPr>
+              <a:t>Pas de perte d’information</a:t>
+            </a:r>
+          </a:p>
+          <a:p>
+            <a:pPr lvl="1">
+              <a:buFont typeface="Wingdings" pitchFamily="2" charset="2"/>
+              <a:buChar char="Ø"/>
+            </a:pPr>
+            <a:r>
+              <a:rPr lang="fr-FR" sz="2400" dirty="0" smtClean="0">
+                <a:solidFill>
+                  <a:srgbClr val="E8750C"/>
+                </a:solidFill>
+              </a:rPr>
+              <a:t>Similaire au KNN</a:t>
+            </a:r>
+            <a:endParaRPr lang="fr-FR" sz="2400" dirty="0">
+              <a:solidFill>
+                <a:srgbClr val="E8750C"/>
+              </a:solidFill>
+            </a:endParaRPr>
+          </a:p>
+          <a:p>
+            <a:pPr lvl="1">
+              <a:buFont typeface="Wingdings" pitchFamily="2" charset="2"/>
+              <a:buChar char="Ø"/>
+            </a:pPr>
             <a:endParaRPr lang="fr-FR" dirty="0">
               <a:solidFill>
                 <a:srgbClr val="E8750C"/>
@@ -6611,44 +6632,11 @@
               <a:buFont typeface="Wingdings" pitchFamily="2" charset="2"/>
               <a:buChar char="Ø"/>
             </a:pPr>
-            <a:r>
-              <a:rPr lang="fr-FR" dirty="0" smtClean="0">
-                <a:solidFill>
-                  <a:srgbClr val="E8750C"/>
-                </a:solidFill>
-              </a:rPr>
-              <a:t>Agrégation des coordonnées au </a:t>
-            </a:r>
-            <a:r>
-              <a:rPr lang="fr-FR" dirty="0" err="1" smtClean="0">
-                <a:solidFill>
-                  <a:srgbClr val="E8750C"/>
-                </a:solidFill>
-              </a:rPr>
-              <a:t>dataset</a:t>
-            </a:r>
-            <a:r>
-              <a:rPr lang="fr-FR" dirty="0" smtClean="0">
-                <a:solidFill>
-                  <a:srgbClr val="E8750C"/>
-                </a:solidFill>
-              </a:rPr>
-              <a:t> non encodé</a:t>
-            </a:r>
-          </a:p>
-          <a:p>
-            <a:pPr lvl="1">
-              <a:buFont typeface="Wingdings" pitchFamily="2" charset="2"/>
-              <a:buChar char="Ø"/>
-            </a:pPr>
-            <a:r>
-              <a:rPr lang="fr-FR" dirty="0" smtClean="0">
-                <a:solidFill>
-                  <a:srgbClr val="E8750C"/>
-                </a:solidFill>
-              </a:rPr>
-              <a:t>Récupération des n-pts les plus proche</a:t>
-            </a:r>
+            <a:endParaRPr lang="fr-FR" dirty="0" smtClean="0">
+              <a:solidFill>
+                <a:srgbClr val="E8750C"/>
+              </a:solidFill>
+            </a:endParaRPr>
           </a:p>
         </p:txBody>
       </p:sp>
@@ -6669,7 +6657,7 @@
           <a:p>
             <a:fld id="{30547005-2CCE-4AAF-810C-C33FB4661996}" type="datetime1">
               <a:rPr lang="fr-FR" smtClean="0"/>
-              <a:t>19/11/2017</a:t>
+              <a:t>26/11/2017</a:t>
             </a:fld>
             <a:endParaRPr lang="fr-FR"/>
           </a:p>
@@ -6695,13 +6683,308 @@
               <a:t>MINE Nicolas</a:t>
             </a:r>
             <a:endParaRPr lang="fr-FR" dirty="0"/>
+          </a:p>
+        </p:txBody>
+      </p:sp>
+      <p:sp>
+        <p:nvSpPr>
+          <p:cNvPr id="8" name="ZoneTexte 7"/>
+          <p:cNvSpPr txBox="1"/>
+          <p:nvPr/>
+        </p:nvSpPr>
+        <p:spPr>
+          <a:xfrm>
+            <a:off x="6084168" y="4201044"/>
+            <a:ext cx="2664296" cy="2554545"/>
+          </a:xfrm>
+          <a:prstGeom prst="rect">
+            <a:avLst/>
+          </a:prstGeom>
+          <a:noFill/>
+        </p:spPr>
+        <p:txBody>
+          <a:bodyPr wrap="square" rtlCol="0">
+            <a:spAutoFit/>
+          </a:bodyPr>
+          <a:lstStyle/>
+          <a:p>
+            <a:pPr algn="ctr"/>
+            <a:r>
+              <a:rPr lang="fr-FR" sz="1600" b="1" dirty="0" smtClean="0"/>
+              <a:t>Modèle Simple</a:t>
+            </a:r>
+          </a:p>
+          <a:p>
+            <a:endParaRPr lang="fr-FR" sz="1600" b="1" dirty="0" smtClean="0"/>
+          </a:p>
+          <a:p>
+            <a:r>
+              <a:rPr lang="fr-FR" sz="1600" b="1" dirty="0" smtClean="0"/>
+              <a:t>Entrée </a:t>
+            </a:r>
+            <a:r>
+              <a:rPr lang="fr-FR" sz="1600" b="1" dirty="0"/>
+              <a:t>: </a:t>
+            </a:r>
+            <a:endParaRPr lang="fr-FR" sz="1600" b="1" dirty="0" smtClean="0"/>
+          </a:p>
+          <a:p>
+            <a:pPr marL="285750" indent="-285750">
+              <a:buFont typeface="Wingdings" pitchFamily="2" charset="2"/>
+              <a:buChar char="Ø"/>
+            </a:pPr>
+            <a:r>
+              <a:rPr lang="fr-FR" sz="1600" dirty="0" err="1" smtClean="0"/>
+              <a:t>Spider-Man</a:t>
+            </a:r>
+            <a:r>
+              <a:rPr lang="fr-FR" sz="1600" dirty="0" smtClean="0"/>
+              <a:t> 3</a:t>
+            </a:r>
+          </a:p>
+          <a:p>
+            <a:r>
+              <a:rPr lang="fr-FR" sz="1600" b="1" dirty="0" smtClean="0"/>
+              <a:t>Sortie :</a:t>
+            </a:r>
+          </a:p>
+          <a:p>
+            <a:pPr marL="285750" lvl="0" indent="-285750">
+              <a:buFont typeface="Wingdings" pitchFamily="2" charset="2"/>
+              <a:buChar char="Ø"/>
+            </a:pPr>
+            <a:r>
+              <a:rPr lang="fr-FR" sz="1600" dirty="0" err="1"/>
+              <a:t>Spider-Man</a:t>
+            </a:r>
+            <a:r>
+              <a:rPr lang="fr-FR" sz="1600" dirty="0"/>
+              <a:t> 2</a:t>
+            </a:r>
+          </a:p>
+          <a:p>
+            <a:pPr marL="285750" lvl="0" indent="-285750">
+              <a:buFont typeface="Wingdings" pitchFamily="2" charset="2"/>
+              <a:buChar char="Ø"/>
+            </a:pPr>
+            <a:r>
+              <a:rPr lang="fr-FR" sz="1600" dirty="0" err="1"/>
+              <a:t>Spider-Man</a:t>
+            </a:r>
+            <a:endParaRPr lang="fr-FR" sz="1600" dirty="0"/>
+          </a:p>
+          <a:p>
+            <a:pPr marL="285750" lvl="0" indent="-285750">
+              <a:buFont typeface="Wingdings" pitchFamily="2" charset="2"/>
+              <a:buChar char="Ø"/>
+            </a:pPr>
+            <a:r>
+              <a:rPr lang="fr-FR" sz="1600" dirty="0"/>
+              <a:t>The </a:t>
+            </a:r>
+            <a:r>
+              <a:rPr lang="fr-FR" sz="1600" dirty="0" err="1"/>
+              <a:t>Three</a:t>
+            </a:r>
+            <a:r>
+              <a:rPr lang="fr-FR" sz="1600" dirty="0"/>
+              <a:t> </a:t>
+            </a:r>
+            <a:r>
+              <a:rPr lang="fr-FR" sz="1600" dirty="0" err="1"/>
+              <a:t>Musketeers</a:t>
+            </a:r>
+            <a:endParaRPr lang="fr-FR" sz="1600" dirty="0"/>
+          </a:p>
+          <a:p>
+            <a:pPr marL="285750" lvl="0" indent="-285750">
+              <a:buFont typeface="Wingdings" pitchFamily="2" charset="2"/>
+              <a:buChar char="Ø"/>
+            </a:pPr>
+            <a:r>
+              <a:rPr lang="fr-FR" sz="1600" dirty="0"/>
+              <a:t>A </a:t>
+            </a:r>
+            <a:r>
+              <a:rPr lang="fr-FR" sz="1600" dirty="0" err="1"/>
+              <a:t>Knight's</a:t>
+            </a:r>
+            <a:r>
+              <a:rPr lang="fr-FR" sz="1600" dirty="0"/>
+              <a:t> Tale</a:t>
+            </a:r>
+          </a:p>
+          <a:p>
+            <a:pPr marL="285750" lvl="0" indent="-285750">
+              <a:buFont typeface="Wingdings" pitchFamily="2" charset="2"/>
+              <a:buChar char="Ø"/>
+            </a:pPr>
+            <a:r>
+              <a:rPr lang="fr-FR" sz="1600" dirty="0"/>
+              <a:t>The </a:t>
+            </a:r>
+            <a:r>
+              <a:rPr lang="fr-FR" sz="1600" dirty="0" err="1"/>
+              <a:t>Musketeer</a:t>
+            </a:r>
+            <a:endParaRPr lang="fr-FR" sz="1600" dirty="0"/>
+          </a:p>
+        </p:txBody>
+      </p:sp>
+      <p:sp>
+        <p:nvSpPr>
+          <p:cNvPr id="9" name="ZoneTexte 8"/>
+          <p:cNvSpPr txBox="1"/>
+          <p:nvPr/>
+        </p:nvSpPr>
+        <p:spPr>
+          <a:xfrm>
+            <a:off x="6012160" y="1484784"/>
+            <a:ext cx="2808312" cy="2554545"/>
+          </a:xfrm>
+          <a:prstGeom prst="rect">
+            <a:avLst/>
+          </a:prstGeom>
+          <a:noFill/>
+        </p:spPr>
+        <p:txBody>
+          <a:bodyPr wrap="square" rtlCol="0">
+            <a:spAutoFit/>
+          </a:bodyPr>
+          <a:lstStyle/>
+          <a:p>
+            <a:pPr algn="ctr"/>
+            <a:r>
+              <a:rPr lang="fr-FR" sz="1600" b="1" dirty="0" smtClean="0"/>
+              <a:t>TSNE</a:t>
+            </a:r>
+            <a:endParaRPr lang="fr-FR" sz="1600" b="1" dirty="0"/>
+          </a:p>
+          <a:p>
+            <a:endParaRPr lang="fr-FR" sz="1600" b="1" dirty="0" smtClean="0"/>
+          </a:p>
+          <a:p>
+            <a:r>
+              <a:rPr lang="fr-FR" sz="1600" b="1" dirty="0" smtClean="0"/>
+              <a:t>Entrée </a:t>
+            </a:r>
+            <a:r>
+              <a:rPr lang="fr-FR" sz="1600" b="1" dirty="0"/>
+              <a:t>: </a:t>
+            </a:r>
+            <a:endParaRPr lang="fr-FR" sz="1600" b="1" dirty="0" smtClean="0"/>
+          </a:p>
+          <a:p>
+            <a:pPr marL="285750" indent="-285750">
+              <a:buFont typeface="Wingdings" pitchFamily="2" charset="2"/>
+              <a:buChar char="Ø"/>
+            </a:pPr>
+            <a:r>
+              <a:rPr lang="fr-FR" sz="1600" dirty="0" err="1" smtClean="0"/>
+              <a:t>Spider-Man</a:t>
+            </a:r>
+            <a:r>
+              <a:rPr lang="fr-FR" sz="1600" dirty="0" smtClean="0"/>
+              <a:t> 3</a:t>
+            </a:r>
+          </a:p>
+          <a:p>
+            <a:r>
+              <a:rPr lang="fr-FR" sz="1600" b="1" dirty="0" smtClean="0"/>
+              <a:t>Sortie :</a:t>
+            </a:r>
+          </a:p>
+          <a:p>
+            <a:pPr marL="285750" indent="-285750">
+              <a:buFont typeface="Wingdings" pitchFamily="2" charset="2"/>
+              <a:buChar char="Ø"/>
+            </a:pPr>
+            <a:r>
+              <a:rPr lang="fr-FR" sz="1600" dirty="0" err="1" smtClean="0"/>
+              <a:t>Spider-Man</a:t>
+            </a:r>
+            <a:endParaRPr lang="fr-FR" sz="1600" dirty="0" smtClean="0"/>
+          </a:p>
+          <a:p>
+            <a:pPr marL="285750" indent="-285750">
+              <a:buFont typeface="Wingdings" pitchFamily="2" charset="2"/>
+              <a:buChar char="Ø"/>
+            </a:pPr>
+            <a:r>
+              <a:rPr lang="fr-FR" sz="1600" dirty="0" err="1"/>
+              <a:t>Spider-Man</a:t>
+            </a:r>
+            <a:r>
+              <a:rPr lang="fr-FR" sz="1600" dirty="0"/>
+              <a:t> </a:t>
+            </a:r>
+            <a:r>
+              <a:rPr lang="fr-FR" sz="1600" dirty="0" smtClean="0"/>
+              <a:t>2</a:t>
+            </a:r>
+          </a:p>
+          <a:p>
+            <a:pPr marL="285750" indent="-285750">
+              <a:buFont typeface="Wingdings" pitchFamily="2" charset="2"/>
+              <a:buChar char="Ø"/>
+            </a:pPr>
+            <a:r>
+              <a:rPr lang="fr-FR" sz="1600" dirty="0"/>
+              <a:t>The </a:t>
+            </a:r>
+            <a:r>
+              <a:rPr lang="fr-FR" sz="1600" dirty="0" err="1"/>
+              <a:t>Three</a:t>
+            </a:r>
+            <a:r>
+              <a:rPr lang="fr-FR" sz="1600" dirty="0"/>
+              <a:t> </a:t>
+            </a:r>
+            <a:r>
+              <a:rPr lang="fr-FR" sz="1600" dirty="0" err="1" smtClean="0"/>
+              <a:t>Musketeers</a:t>
+            </a:r>
+            <a:endParaRPr lang="fr-FR" sz="1600" dirty="0" smtClean="0"/>
+          </a:p>
+          <a:p>
+            <a:pPr marL="285750" indent="-285750">
+              <a:buFont typeface="Wingdings" pitchFamily="2" charset="2"/>
+              <a:buChar char="Ø"/>
+            </a:pPr>
+            <a:r>
+              <a:rPr lang="fr-FR" sz="1600" dirty="0" smtClean="0"/>
+              <a:t>The </a:t>
+            </a:r>
+            <a:r>
+              <a:rPr lang="fr-FR" sz="1600" dirty="0" err="1" smtClean="0"/>
+              <a:t>Musketeer</a:t>
+            </a:r>
+            <a:endParaRPr lang="fr-FR" sz="1600" dirty="0" smtClean="0"/>
+          </a:p>
+          <a:p>
+            <a:pPr marL="285750" indent="-285750">
+              <a:buFont typeface="Wingdings" pitchFamily="2" charset="2"/>
+              <a:buChar char="Ø"/>
+            </a:pPr>
+            <a:r>
+              <a:rPr lang="fr-FR" sz="1600" dirty="0"/>
+              <a:t>A </a:t>
+            </a:r>
+            <a:r>
+              <a:rPr lang="fr-FR" sz="1600" dirty="0" err="1"/>
+              <a:t>Knight's</a:t>
+            </a:r>
+            <a:r>
+              <a:rPr lang="fr-FR" sz="1600" dirty="0"/>
+              <a:t> Tale</a:t>
+            </a:r>
           </a:p>
         </p:txBody>
       </p:sp>
     </p:spTree>
     <p:extLst>
       <p:ext uri="{BB962C8B-B14F-4D97-AF65-F5344CB8AC3E}">
-        <p14:creationId xmlns:p14="http://schemas.microsoft.com/office/powerpoint/2010/main" val="3931257705"/>
+        <p14:creationId xmlns:p14="http://schemas.microsoft.com/office/powerpoint/2010/main" val="2226712855"/>
       </p:ext>
     </p:extLst>
   </p:cSld>
@@ -6783,12 +7066,69 @@
               <a:buChar char="Ø"/>
             </a:pPr>
             <a:r>
+              <a:rPr lang="fr-FR" dirty="0">
+                <a:solidFill>
+                  <a:srgbClr val="E8750C"/>
+                </a:solidFill>
+              </a:rPr>
+              <a:t>Mise en place</a:t>
+            </a:r>
+          </a:p>
+          <a:p>
+            <a:pPr lvl="1">
+              <a:buFont typeface="Wingdings" pitchFamily="2" charset="2"/>
+              <a:buChar char="Ø"/>
+            </a:pPr>
+            <a:r>
               <a:rPr lang="fr-FR" dirty="0" smtClean="0">
                 <a:solidFill>
                   <a:srgbClr val="E8750C"/>
                 </a:solidFill>
               </a:rPr>
-              <a:t>API</a:t>
+              <a:t>Modèle choisi :</a:t>
+            </a:r>
+            <a:r>
+              <a:rPr lang="fr-FR" dirty="0" smtClean="0">
+                <a:solidFill>
+                  <a:srgbClr val="E8750C"/>
+                </a:solidFill>
+              </a:rPr>
+              <a:t>TSNE &amp; Modèle Simple</a:t>
+            </a:r>
+            <a:endParaRPr lang="fr-FR" dirty="0" smtClean="0">
+              <a:solidFill>
+                <a:srgbClr val="E8750C"/>
+              </a:solidFill>
+            </a:endParaRPr>
+          </a:p>
+          <a:p>
+            <a:pPr lvl="1">
+              <a:buFont typeface="Wingdings" pitchFamily="2" charset="2"/>
+              <a:buChar char="Ø"/>
+            </a:pPr>
+            <a:r>
+              <a:rPr lang="fr-FR" dirty="0" smtClean="0">
+                <a:solidFill>
+                  <a:srgbClr val="E8750C"/>
+                </a:solidFill>
+              </a:rPr>
+              <a:t>Optimisation du TSNE </a:t>
+            </a:r>
+            <a:r>
+              <a:rPr lang="fr-FR" dirty="0" smtClean="0">
+                <a:solidFill>
+                  <a:srgbClr val="E8750C"/>
+                </a:solidFill>
+              </a:rPr>
+              <a:t>basé sur </a:t>
+            </a:r>
+            <a:r>
+              <a:rPr lang="fr-FR" dirty="0" err="1" smtClean="0">
+                <a:solidFill>
+                  <a:srgbClr val="E8750C"/>
+                </a:solidFill>
+              </a:rPr>
+              <a:t>kl_divergent</a:t>
             </a:r>
             <a:endParaRPr lang="fr-FR" dirty="0">
               <a:solidFill>
@@ -6807,7 +7147,7 @@
                   <a:srgbClr val="E8750C"/>
                 </a:solidFill>
               </a:rPr>
-              <a:t>Utilisation du </a:t>
+              <a:t>Agrégation des coordonnées au </a:t>
             </a:r>
             <a:r>
               <a:rPr lang="fr-FR" dirty="0" err="1" smtClean="0">
@@ -6837,34 +7177,7 @@
                   <a:srgbClr val="E8750C"/>
                 </a:solidFill>
               </a:rPr>
-              <a:t>Sauvegarde de paramètres sur </a:t>
-            </a:r>
-            <a:r>
-              <a:rPr lang="fr-FR" dirty="0" err="1" smtClean="0">
-                <a:solidFill>
-                  <a:srgbClr val="E8750C"/>
-                </a:solidFill>
-              </a:rPr>
-              <a:t>pickle</a:t>
-            </a:r>
-            <a:endParaRPr lang="fr-FR" dirty="0">
-              <a:solidFill>
-                <a:srgbClr val="E8750C"/>
-              </a:solidFill>
-            </a:endParaRPr>
-          </a:p>
-          <a:p>
-            <a:pPr lvl="1">
-              <a:buFont typeface="Wingdings" pitchFamily="2" charset="2"/>
-              <a:buChar char="Ø"/>
-            </a:pPr>
-            <a:r>
-              <a:rPr lang="fr-FR" dirty="0" err="1" smtClean="0">
-                <a:solidFill>
-                  <a:srgbClr val="E8750C"/>
-                </a:solidFill>
-              </a:rPr>
-              <a:t>Creation</a:t>
+              <a:t>Récupération des n-pts les plus </a:t>
             </a:r>
             <a:r>
               <a:rPr lang="fr-FR" dirty="0" smtClean="0">
@@ -6872,105 +7185,8 @@
                   <a:srgbClr val="E8750C"/>
                 </a:solidFill>
               </a:rPr>
-              <a:t> petite API </a:t>
-            </a:r>
-            <a:r>
-              <a:rPr lang="fr-FR" dirty="0" err="1" smtClean="0">
-                <a:solidFill>
-                  <a:srgbClr val="E8750C"/>
-                </a:solidFill>
-              </a:rPr>
-              <a:t>Flask</a:t>
-            </a:r>
-            <a:r>
-              <a:rPr lang="fr-FR" dirty="0" smtClean="0">
-                <a:solidFill>
-                  <a:srgbClr val="E8750C"/>
-                </a:solidFill>
-              </a:rPr>
-              <a:t> (page d’</a:t>
-            </a:r>
-            <a:r>
-              <a:rPr lang="fr-FR" dirty="0" err="1" smtClean="0">
-                <a:solidFill>
-                  <a:srgbClr val="E8750C"/>
-                </a:solidFill>
-              </a:rPr>
-              <a:t>acceuil</a:t>
-            </a:r>
-            <a:r>
-              <a:rPr lang="fr-FR" dirty="0" smtClean="0">
-                <a:solidFill>
-                  <a:srgbClr val="E8750C"/>
-                </a:solidFill>
-              </a:rPr>
-              <a:t> et recommandation)</a:t>
-            </a:r>
-          </a:p>
-          <a:p>
-            <a:pPr lvl="1">
-              <a:buFont typeface="Wingdings" pitchFamily="2" charset="2"/>
-              <a:buChar char="Ø"/>
-            </a:pPr>
-            <a:r>
-              <a:rPr lang="fr-FR" dirty="0" smtClean="0">
-                <a:solidFill>
-                  <a:srgbClr val="E8750C"/>
-                </a:solidFill>
-              </a:rPr>
-              <a:t>Utilisation du </a:t>
-            </a:r>
-            <a:r>
-              <a:rPr lang="fr-FR" dirty="0" err="1" smtClean="0">
-                <a:solidFill>
-                  <a:srgbClr val="E8750C"/>
-                </a:solidFill>
-              </a:rPr>
-              <a:t>dataset</a:t>
-            </a:r>
-            <a:r>
-              <a:rPr lang="fr-FR" dirty="0" smtClean="0">
-                <a:solidFill>
-                  <a:srgbClr val="E8750C"/>
-                </a:solidFill>
-              </a:rPr>
-              <a:t> pour </a:t>
-            </a:r>
-            <a:r>
-              <a:rPr lang="fr-FR" dirty="0" err="1" smtClean="0">
-                <a:solidFill>
-                  <a:srgbClr val="E8750C"/>
-                </a:solidFill>
-              </a:rPr>
-              <a:t>recupérer</a:t>
-            </a:r>
-            <a:r>
-              <a:rPr lang="fr-FR" dirty="0" smtClean="0">
-                <a:solidFill>
-                  <a:srgbClr val="E8750C"/>
-                </a:solidFill>
-              </a:rPr>
-              <a:t> les champ principaux basé sur la distance euclidienne</a:t>
-            </a:r>
-          </a:p>
-          <a:p>
-            <a:pPr marL="0" indent="0" algn="ctr">
-              <a:buNone/>
-            </a:pPr>
-            <a:r>
-              <a:rPr lang="fr-FR" dirty="0">
-                <a:solidFill>
-                  <a:srgbClr val="E8750C"/>
-                </a:solidFill>
-                <a:hlinkClick r:id="rId2"/>
-              </a:rPr>
-              <a:t>http://coni57.pythonanywhere.com/</a:t>
-            </a:r>
-            <a:endParaRPr lang="fr-FR" dirty="0" smtClean="0">
-              <a:solidFill>
-                <a:srgbClr val="E8750C"/>
-              </a:solidFill>
-            </a:endParaRPr>
+              <a:t>proche</a:t>
+            </a:r>
           </a:p>
         </p:txBody>
       </p:sp>
@@ -6991,7 +7207,7 @@
           <a:p>
             <a:fld id="{30547005-2CCE-4AAF-810C-C33FB4661996}" type="datetime1">
               <a:rPr lang="fr-FR" smtClean="0"/>
-              <a:t>19/11/2017</a:t>
+              <a:t>26/11/2017</a:t>
             </a:fld>
             <a:endParaRPr lang="fr-FR"/>
           </a:p>
@@ -7023,7 +7239,7 @@
     </p:spTree>
     <p:extLst>
       <p:ext uri="{BB962C8B-B14F-4D97-AF65-F5344CB8AC3E}">
-        <p14:creationId xmlns:p14="http://schemas.microsoft.com/office/powerpoint/2010/main" val="2251154735"/>
+        <p14:creationId xmlns:p14="http://schemas.microsoft.com/office/powerpoint/2010/main" val="3931257705"/>
       </p:ext>
     </p:extLst>
   </p:cSld>
@@ -7073,39 +7289,53 @@
           <a:lstStyle/>
           <a:p>
             <a:r>
+              <a:rPr lang="fr-FR" dirty="0">
+                <a:solidFill>
+                  <a:srgbClr val="95023C"/>
+                </a:solidFill>
+              </a:rPr>
+              <a:t>Modèle final</a:t>
+            </a:r>
+          </a:p>
+        </p:txBody>
+      </p:sp>
+      <p:sp>
+        <p:nvSpPr>
+          <p:cNvPr id="3" name="Espace réservé du contenu 2"/>
+          <p:cNvSpPr>
+            <a:spLocks noGrp="1"/>
+          </p:cNvSpPr>
+          <p:nvPr>
+            <p:ph idx="1"/>
+          </p:nvPr>
+        </p:nvSpPr>
+        <p:spPr/>
+        <p:txBody>
+          <a:bodyPr>
+            <a:normAutofit/>
+          </a:bodyPr>
+          <a:lstStyle/>
+          <a:p>
+            <a:pPr>
+              <a:buFont typeface="Wingdings" pitchFamily="2" charset="2"/>
+              <a:buChar char="Ø"/>
+            </a:pPr>
+            <a:r>
               <a:rPr lang="fr-FR" dirty="0" smtClean="0">
                 <a:solidFill>
-                  <a:srgbClr val="95023C"/>
-                </a:solidFill>
-              </a:rPr>
-              <a:t>Conclusion</a:t>
+                  <a:srgbClr val="E8750C"/>
+                </a:solidFill>
+              </a:rPr>
+              <a:t>API</a:t>
             </a:r>
             <a:endParaRPr lang="fr-FR" dirty="0">
               <a:solidFill>
-                <a:srgbClr val="95023C"/>
+                <a:srgbClr val="E8750C"/>
               </a:solidFill>
             </a:endParaRPr>
           </a:p>
-        </p:txBody>
-      </p:sp>
-      <p:sp>
-        <p:nvSpPr>
-          <p:cNvPr id="3" name="Espace réservé du contenu 2"/>
-          <p:cNvSpPr>
-            <a:spLocks noGrp="1"/>
-          </p:cNvSpPr>
-          <p:nvPr>
-            <p:ph idx="1"/>
-          </p:nvPr>
-        </p:nvSpPr>
-        <p:spPr/>
-        <p:txBody>
-          <a:bodyPr>
-            <a:normAutofit lnSpcReduction="10000"/>
-          </a:bodyPr>
-          <a:lstStyle/>
-          <a:p>
-            <a:pPr>
+          <a:p>
+            <a:pPr lvl="1">
               <a:buFont typeface="Wingdings" pitchFamily="2" charset="2"/>
               <a:buChar char="Ø"/>
             </a:pPr>
@@ -7115,7 +7345,23 @@
                   <a:srgbClr val="E8750C"/>
                 </a:solidFill>
               </a:rPr>
-              <a:t>Peu de critère initiaux</a:t>
+              <a:t>Utilisation du </a:t>
+            </a:r>
+            <a:r>
+              <a:rPr lang="fr-FR" dirty="0" err="1" smtClean="0">
+                <a:solidFill>
+                  <a:srgbClr val="E8750C"/>
+                </a:solidFill>
+              </a:rPr>
+              <a:t>dataset</a:t>
+            </a:r>
+            <a:r>
+              <a:rPr lang="fr-FR" dirty="0" smtClean="0">
+                <a:solidFill>
+                  <a:srgbClr val="E8750C"/>
+                </a:solidFill>
+              </a:rPr>
+              <a:t> non encodé</a:t>
             </a:r>
           </a:p>
           <a:p>
@@ -7129,7 +7375,7 @@
                   <a:srgbClr val="E8750C"/>
                 </a:solidFill>
               </a:rPr>
-              <a:t>Seulement 28 </a:t>
+              <a:t>Sauvegarde de paramètres sur </a:t>
             </a:r>
             <a:r>
               <a:rPr lang="fr-FR" dirty="0" err="1" smtClean="0">
@@ -7137,7 +7383,142 @@
                   <a:srgbClr val="E8750C"/>
                 </a:solidFill>
               </a:rPr>
-              <a:t>features</a:t>
+              <a:t>pickle</a:t>
+            </a:r>
+            <a:endParaRPr lang="fr-FR" dirty="0">
+              <a:solidFill>
+                <a:srgbClr val="E8750C"/>
+              </a:solidFill>
+            </a:endParaRPr>
+          </a:p>
+          <a:p>
+            <a:pPr lvl="1">
+              <a:buFont typeface="Wingdings" pitchFamily="2" charset="2"/>
+              <a:buChar char="Ø"/>
+            </a:pPr>
+            <a:r>
+              <a:rPr lang="fr-FR" dirty="0" err="1" smtClean="0">
+                <a:solidFill>
+                  <a:srgbClr val="E8750C"/>
+                </a:solidFill>
+              </a:rPr>
+              <a:t>Creation</a:t>
+            </a:r>
+            <a:r>
+              <a:rPr lang="fr-FR" dirty="0" smtClean="0">
+                <a:solidFill>
+                  <a:srgbClr val="E8750C"/>
+                </a:solidFill>
+              </a:rPr>
+              <a:t> petite API </a:t>
+            </a:r>
+            <a:r>
+              <a:rPr lang="fr-FR" dirty="0" err="1" smtClean="0">
+                <a:solidFill>
+                  <a:srgbClr val="E8750C"/>
+                </a:solidFill>
+              </a:rPr>
+              <a:t>Flask</a:t>
+            </a:r>
+            <a:r>
+              <a:rPr lang="fr-FR" dirty="0" smtClean="0">
+                <a:solidFill>
+                  <a:srgbClr val="E8750C"/>
+                </a:solidFill>
+              </a:rPr>
+              <a:t> (page d’</a:t>
+            </a:r>
+            <a:r>
+              <a:rPr lang="fr-FR" dirty="0" err="1" smtClean="0">
+                <a:solidFill>
+                  <a:srgbClr val="E8750C"/>
+                </a:solidFill>
+              </a:rPr>
+              <a:t>acceuil</a:t>
+            </a:r>
+            <a:r>
+              <a:rPr lang="fr-FR" dirty="0" smtClean="0">
+                <a:solidFill>
+                  <a:srgbClr val="E8750C"/>
+                </a:solidFill>
+              </a:rPr>
+              <a:t> et recommandation)</a:t>
+            </a:r>
+          </a:p>
+          <a:p>
+            <a:pPr lvl="1">
+              <a:buFont typeface="Wingdings" pitchFamily="2" charset="2"/>
+              <a:buChar char="Ø"/>
+            </a:pPr>
+            <a:r>
+              <a:rPr lang="fr-FR" dirty="0" smtClean="0">
+                <a:solidFill>
+                  <a:srgbClr val="E8750C"/>
+                </a:solidFill>
+              </a:rPr>
+              <a:t>Utilisation du </a:t>
+            </a:r>
+            <a:r>
+              <a:rPr lang="fr-FR" dirty="0" err="1" smtClean="0">
+                <a:solidFill>
+                  <a:srgbClr val="E8750C"/>
+                </a:solidFill>
+              </a:rPr>
+              <a:t>dataset</a:t>
+            </a:r>
+            <a:r>
+              <a:rPr lang="fr-FR" dirty="0" smtClean="0">
+                <a:solidFill>
+                  <a:srgbClr val="E8750C"/>
+                </a:solidFill>
+              </a:rPr>
+              <a:t> pour </a:t>
+            </a:r>
+            <a:r>
+              <a:rPr lang="fr-FR" dirty="0" err="1" smtClean="0">
+                <a:solidFill>
+                  <a:srgbClr val="E8750C"/>
+                </a:solidFill>
+              </a:rPr>
+              <a:t>recupérer</a:t>
+            </a:r>
+            <a:r>
+              <a:rPr lang="fr-FR" dirty="0" smtClean="0">
+                <a:solidFill>
+                  <a:srgbClr val="E8750C"/>
+                </a:solidFill>
+              </a:rPr>
+              <a:t> les </a:t>
+            </a:r>
+            <a:r>
+              <a:rPr lang="fr-FR" dirty="0" smtClean="0">
+                <a:solidFill>
+                  <a:srgbClr val="E8750C"/>
+                </a:solidFill>
+              </a:rPr>
+              <a:t>champs </a:t>
+            </a:r>
+            <a:r>
+              <a:rPr lang="fr-FR" dirty="0" smtClean="0">
+                <a:solidFill>
+                  <a:srgbClr val="E8750C"/>
+                </a:solidFill>
+              </a:rPr>
+              <a:t>principaux basé sur la distance euclidienne</a:t>
+            </a:r>
+          </a:p>
+          <a:p>
+            <a:pPr marL="0" indent="0" algn="ctr">
+              <a:buNone/>
+            </a:pPr>
+            <a:r>
+              <a:rPr lang="fr-FR" dirty="0">
+                <a:solidFill>
+                  <a:srgbClr val="E8750C"/>
+                </a:solidFill>
+                <a:hlinkClick r:id="rId2"/>
+              </a:rPr>
+              <a:t>http://coni57.pythonanywhere.com/</a:t>
             </a:r>
             <a:endParaRPr lang="fr-FR" dirty="0" smtClean="0">
               <a:solidFill>
@@ -7145,115 +7526,6 @@
               </a:solidFill>
             </a:endParaRPr>
           </a:p>
-          <a:p>
-            <a:pPr>
-              <a:buFont typeface="Wingdings" pitchFamily="2" charset="2"/>
-              <a:buChar char="Ø"/>
-            </a:pPr>
-            <a:r>
-              <a:rPr lang="fr-FR" dirty="0" smtClean="0">
-                <a:solidFill>
-                  <a:srgbClr val="E8750C"/>
-                </a:solidFill>
-              </a:rPr>
-              <a:t>Modèles difficile a évaluer </a:t>
-            </a:r>
-          </a:p>
-          <a:p>
-            <a:pPr lvl="1">
-              <a:buFont typeface="Wingdings" pitchFamily="2" charset="2"/>
-              <a:buChar char="Ø"/>
-            </a:pPr>
-            <a:r>
-              <a:rPr lang="fr-FR" dirty="0" smtClean="0">
-                <a:solidFill>
-                  <a:srgbClr val="E8750C"/>
-                </a:solidFill>
-              </a:rPr>
-              <a:t>Pas de labels</a:t>
-            </a:r>
-          </a:p>
-          <a:p>
-            <a:pPr lvl="1">
-              <a:buFont typeface="Wingdings" pitchFamily="2" charset="2"/>
-              <a:buChar char="Ø"/>
-            </a:pPr>
-            <a:r>
-              <a:rPr lang="fr-FR" dirty="0" smtClean="0">
-                <a:solidFill>
-                  <a:srgbClr val="E8750C"/>
-                </a:solidFill>
-              </a:rPr>
-              <a:t>Nombre de clusters inconnus</a:t>
-            </a:r>
-          </a:p>
-          <a:p>
-            <a:pPr lvl="1">
-              <a:buFont typeface="Wingdings" pitchFamily="2" charset="2"/>
-              <a:buChar char="Ø"/>
-            </a:pPr>
-            <a:r>
-              <a:rPr lang="fr-FR" dirty="0" smtClean="0">
-                <a:solidFill>
-                  <a:srgbClr val="E8750C"/>
-                </a:solidFill>
-              </a:rPr>
-              <a:t>Manifolds fonctionnent mieux que cluster</a:t>
-            </a:r>
-          </a:p>
-          <a:p>
-            <a:pPr lvl="2">
-              <a:buFont typeface="Wingdings" pitchFamily="2" charset="2"/>
-              <a:buChar char="Ø"/>
-            </a:pPr>
-            <a:r>
-              <a:rPr lang="fr-FR" dirty="0" smtClean="0">
-                <a:solidFill>
-                  <a:srgbClr val="E8750C"/>
-                </a:solidFill>
-              </a:rPr>
-              <a:t>Initialisation importante</a:t>
-            </a:r>
-          </a:p>
-          <a:p>
-            <a:pPr>
-              <a:buFont typeface="Wingdings" pitchFamily="2" charset="2"/>
-              <a:buChar char="Ø"/>
-            </a:pPr>
-            <a:r>
-              <a:rPr lang="fr-FR" dirty="0" smtClean="0">
-                <a:solidFill>
-                  <a:srgbClr val="E8750C"/>
-                </a:solidFill>
-              </a:rPr>
-              <a:t>Résultat satisfaisant surtout pour TSNE</a:t>
-            </a:r>
-          </a:p>
-          <a:p>
-            <a:pPr lvl="1">
-              <a:buFont typeface="Wingdings" pitchFamily="2" charset="2"/>
-              <a:buChar char="Ø"/>
-            </a:pPr>
-            <a:r>
-              <a:rPr lang="fr-FR" dirty="0" smtClean="0">
-                <a:solidFill>
-                  <a:srgbClr val="E8750C"/>
-                </a:solidFill>
-              </a:rPr>
-              <a:t>Les autres ne prédisent même pas les suites</a:t>
-            </a:r>
-          </a:p>
-          <a:p>
-            <a:pPr lvl="1">
-              <a:buFont typeface="Wingdings" pitchFamily="2" charset="2"/>
-              <a:buChar char="Ø"/>
-            </a:pPr>
-            <a:endParaRPr lang="fr-FR" dirty="0" smtClean="0">
-              <a:solidFill>
-                <a:srgbClr val="E8750C"/>
-              </a:solidFill>
-            </a:endParaRPr>
-          </a:p>
         </p:txBody>
       </p:sp>
       <p:sp>
@@ -7273,7 +7545,7 @@
           <a:p>
             <a:fld id="{30547005-2CCE-4AAF-810C-C33FB4661996}" type="datetime1">
               <a:rPr lang="fr-FR" smtClean="0"/>
-              <a:t>19/11/2017</a:t>
+              <a:t>26/11/2017</a:t>
             </a:fld>
             <a:endParaRPr lang="fr-FR"/>
           </a:p>
@@ -7305,7 +7577,7 @@
     </p:spTree>
     <p:extLst>
       <p:ext uri="{BB962C8B-B14F-4D97-AF65-F5344CB8AC3E}">
-        <p14:creationId xmlns:p14="http://schemas.microsoft.com/office/powerpoint/2010/main" val="518239453"/>
+        <p14:creationId xmlns:p14="http://schemas.microsoft.com/office/powerpoint/2010/main" val="2251154735"/>
       </p:ext>
     </p:extLst>
   </p:cSld>
@@ -7341,6 +7613,164 @@
       </p:grpSpPr>
       <p:sp>
         <p:nvSpPr>
+          <p:cNvPr id="2" name="Titre 1"/>
+          <p:cNvSpPr>
+            <a:spLocks noGrp="1"/>
+          </p:cNvSpPr>
+          <p:nvPr>
+            <p:ph type="title"/>
+          </p:nvPr>
+        </p:nvSpPr>
+        <p:spPr/>
+        <p:txBody>
+          <a:bodyPr>
+            <a:normAutofit/>
+          </a:bodyPr>
+          <a:lstStyle/>
+          <a:p>
+            <a:r>
+              <a:rPr lang="fr-FR" dirty="0"/>
+              <a:t>Pistes </a:t>
+            </a:r>
+            <a:r>
+              <a:rPr lang="fr-FR" dirty="0" smtClean="0"/>
+              <a:t>d’évolutions</a:t>
+            </a:r>
+            <a:endParaRPr lang="fr-FR" dirty="0"/>
+          </a:p>
+        </p:txBody>
+      </p:sp>
+      <p:sp>
+        <p:nvSpPr>
+          <p:cNvPr id="3" name="Espace réservé du contenu 2"/>
+          <p:cNvSpPr>
+            <a:spLocks noGrp="1"/>
+          </p:cNvSpPr>
+          <p:nvPr>
+            <p:ph idx="1"/>
+          </p:nvPr>
+        </p:nvSpPr>
+        <p:spPr/>
+        <p:txBody>
+          <a:bodyPr/>
+          <a:lstStyle/>
+          <a:p>
+            <a:r>
+              <a:rPr lang="fr-FR" dirty="0" smtClean="0">
+                <a:solidFill>
+                  <a:srgbClr val="E8750C"/>
+                </a:solidFill>
+              </a:rPr>
+              <a:t>Coefficients</a:t>
+            </a:r>
+          </a:p>
+          <a:p>
+            <a:pPr lvl="1"/>
+            <a:r>
+              <a:rPr lang="fr-FR" dirty="0" smtClean="0">
+                <a:solidFill>
+                  <a:srgbClr val="E8750C"/>
+                </a:solidFill>
+              </a:rPr>
+              <a:t>Permet de renforcer certaines </a:t>
+            </a:r>
+            <a:r>
+              <a:rPr lang="fr-FR" dirty="0" err="1" smtClean="0">
+                <a:solidFill>
+                  <a:srgbClr val="E8750C"/>
+                </a:solidFill>
+              </a:rPr>
+              <a:t>features</a:t>
+            </a:r>
+            <a:endParaRPr lang="fr-FR" dirty="0" smtClean="0">
+              <a:solidFill>
+                <a:srgbClr val="E8750C"/>
+              </a:solidFill>
+            </a:endParaRPr>
+          </a:p>
+          <a:p>
+            <a:pPr lvl="2"/>
+            <a:r>
+              <a:rPr lang="fr-FR" dirty="0" smtClean="0">
+                <a:solidFill>
+                  <a:srgbClr val="E8750C"/>
+                </a:solidFill>
+              </a:rPr>
+              <a:t>Choix du Client</a:t>
+            </a:r>
+          </a:p>
+          <a:p>
+            <a:pPr lvl="2"/>
+            <a:r>
+              <a:rPr lang="fr-FR" dirty="0" smtClean="0">
+                <a:solidFill>
+                  <a:srgbClr val="E8750C"/>
+                </a:solidFill>
+              </a:rPr>
+              <a:t>Choix de l’utilisateur</a:t>
+            </a:r>
+          </a:p>
+          <a:p>
+            <a:pPr lvl="2"/>
+            <a:endParaRPr lang="fr-FR" dirty="0">
+              <a:solidFill>
+                <a:srgbClr val="E8750C"/>
+              </a:solidFill>
+            </a:endParaRPr>
+          </a:p>
+          <a:p>
+            <a:pPr lvl="1"/>
+            <a:r>
+              <a:rPr lang="fr-FR" dirty="0" smtClean="0">
+                <a:solidFill>
+                  <a:srgbClr val="E8750C"/>
+                </a:solidFill>
+              </a:rPr>
+              <a:t>Evaluation semi-supervisée</a:t>
+            </a:r>
+          </a:p>
+          <a:p>
+            <a:pPr lvl="2"/>
+            <a:r>
+              <a:rPr lang="fr-FR" dirty="0" smtClean="0">
+                <a:solidFill>
+                  <a:srgbClr val="E8750C"/>
+                </a:solidFill>
+              </a:rPr>
+              <a:t>Sur une centaine de films</a:t>
+            </a:r>
+          </a:p>
+          <a:p>
+            <a:pPr lvl="2"/>
+            <a:endParaRPr lang="fr-FR" dirty="0">
+              <a:solidFill>
+                <a:srgbClr val="E8750C"/>
+              </a:solidFill>
+            </a:endParaRPr>
+          </a:p>
+          <a:p>
+            <a:pPr lvl="1"/>
+            <a:r>
+              <a:rPr lang="fr-FR" dirty="0" err="1" smtClean="0">
+                <a:solidFill>
+                  <a:srgbClr val="E8750C"/>
+                </a:solidFill>
+              </a:rPr>
+              <a:t>Bagging</a:t>
+            </a:r>
+            <a:r>
+              <a:rPr lang="fr-FR" dirty="0" smtClean="0">
+                <a:solidFill>
+                  <a:srgbClr val="E8750C"/>
+                </a:solidFill>
+              </a:rPr>
+              <a:t> ?</a:t>
+            </a:r>
+          </a:p>
+        </p:txBody>
+      </p:sp>
+      <p:sp>
+        <p:nvSpPr>
           <p:cNvPr id="4" name="Espace réservé de la date 3"/>
           <p:cNvSpPr>
             <a:spLocks noGrp="1"/>
@@ -7356,7 +7786,7 @@
           <a:p>
             <a:fld id="{30547005-2CCE-4AAF-810C-C33FB4661996}" type="datetime1">
               <a:rPr lang="fr-FR" smtClean="0"/>
-              <a:t>19/11/2017</a:t>
+              <a:t>26/11/2017</a:t>
             </a:fld>
             <a:endParaRPr lang="fr-FR"/>
           </a:p>
@@ -7378,58 +7808,382 @@
           <a:lstStyle/>
           <a:p>
             <a:r>
-              <a:rPr lang="fr-FR" dirty="0" smtClean="0"/>
+              <a:rPr lang="fr-FR" smtClean="0"/>
               <a:t>MINE Nicolas</a:t>
             </a:r>
-            <a:endParaRPr lang="fr-FR" dirty="0"/>
-          </a:p>
-        </p:txBody>
-      </p:sp>
-      <p:pic>
-        <p:nvPicPr>
-          <p:cNvPr id="6146" name="Picture 2" descr="F:\Nicolas\Documents\OpenClassRoom\questiosn.png"/>
-          <p:cNvPicPr>
-            <a:picLocks noChangeAspect="1" noChangeArrowheads="1"/>
-          </p:cNvPicPr>
-          <p:nvPr/>
-        </p:nvPicPr>
-        <p:blipFill>
-          <a:blip r:embed="rId2">
-            <a:extLst>
-              <a:ext uri="{28A0092B-C50C-407E-A947-70E740481C1C}">
-                <a14:useLocalDpi xmlns:a14="http://schemas.microsoft.com/office/drawing/2010/main" val="0"/>
-              </a:ext>
-            </a:extLst>
-          </a:blip>
-          <a:srcRect/>
-          <a:stretch>
-            <a:fillRect/>
-          </a:stretch>
-        </p:blipFill>
-        <p:spPr bwMode="auto">
-          <a:xfrm>
-            <a:off x="-396552" y="-387424"/>
-            <a:ext cx="9753601" cy="7315201"/>
-          </a:xfrm>
-          <a:prstGeom prst="rect">
-            <a:avLst/>
-          </a:prstGeom>
-          <a:noFill/>
-          <a:extLst>
-            <a:ext uri="{909E8E84-426E-40DD-AFC4-6F175D3DCCD1}">
-              <a14:hiddenFill xmlns:a14="http://schemas.microsoft.com/office/drawing/2010/main">
-                <a:solidFill>
-                  <a:srgbClr val="FFFFFF"/>
-                </a:solidFill>
-              </a14:hiddenFill>
-            </a:ext>
-          </a:extLst>
-        </p:spPr>
-      </p:pic>
+            <a:endParaRPr lang="fr-FR"/>
+          </a:p>
+        </p:txBody>
+      </p:sp>
     </p:spTree>
     <p:extLst>
       <p:ext uri="{BB962C8B-B14F-4D97-AF65-F5344CB8AC3E}">
-        <p14:creationId xmlns:p14="http://schemas.microsoft.com/office/powerpoint/2010/main" val="101165701"/>
+        <p14:creationId xmlns:p14="http://schemas.microsoft.com/office/powerpoint/2010/main" val="4214333887"/>
+      </p:ext>
+    </p:extLst>
+  </p:cSld>
+  <p:clrMapOvr>
+    <a:masterClrMapping/>
+  </p:clrMapOvr>
+  <p:timing>
+    <p:tnLst>
+      <p:par>
+        <p:cTn id="1" dur="indefinite" restart="never" nodeType="tmRoot"/>
+      </p:par>
+    </p:tnLst>
+  </p:timing>
+</p:sld>
+</file>
+
+<file path=ppt/slides/slide19.xml><?xml version="1.0" encoding="utf-8"?>
+<p:sld xmlns:a="http://schemas.openxmlformats.org/drawingml/2006/main" xmlns:r="http://schemas.openxmlformats.org/officeDocument/2006/relationships" xmlns:p="http://schemas.openxmlformats.org/presentationml/2006/main">
+  <p:cSld>
+    <p:spTree>
+      <p:nvGrpSpPr>
+        <p:cNvPr id="1" name=""/>
+        <p:cNvGrpSpPr/>
+        <p:nvPr/>
+      </p:nvGrpSpPr>
+      <p:grpSpPr>
+        <a:xfrm>
+          <a:off x="0" y="0"/>
+          <a:ext cx="0" cy="0"/>
+          <a:chOff x="0" y="0"/>
+          <a:chExt cx="0" cy="0"/>
+        </a:xfrm>
+      </p:grpSpPr>
+      <p:sp>
+        <p:nvSpPr>
+          <p:cNvPr id="2" name="Titre 1"/>
+          <p:cNvSpPr>
+            <a:spLocks noGrp="1"/>
+          </p:cNvSpPr>
+          <p:nvPr>
+            <p:ph type="title"/>
+          </p:nvPr>
+        </p:nvSpPr>
+        <p:spPr/>
+        <p:txBody>
+          <a:bodyPr/>
+          <a:lstStyle/>
+          <a:p>
+            <a:r>
+              <a:rPr lang="fr-FR" dirty="0" smtClean="0">
+                <a:solidFill>
+                  <a:srgbClr val="95023C"/>
+                </a:solidFill>
+              </a:rPr>
+              <a:t>Conclusion</a:t>
+            </a:r>
+            <a:endParaRPr lang="fr-FR" dirty="0">
+              <a:solidFill>
+                <a:srgbClr val="95023C"/>
+              </a:solidFill>
+            </a:endParaRPr>
+          </a:p>
+        </p:txBody>
+      </p:sp>
+      <p:sp>
+        <p:nvSpPr>
+          <p:cNvPr id="3" name="Espace réservé du contenu 2"/>
+          <p:cNvSpPr>
+            <a:spLocks noGrp="1"/>
+          </p:cNvSpPr>
+          <p:nvPr>
+            <p:ph idx="1"/>
+          </p:nvPr>
+        </p:nvSpPr>
+        <p:spPr/>
+        <p:txBody>
+          <a:bodyPr>
+            <a:normAutofit fontScale="77500" lnSpcReduction="20000"/>
+          </a:bodyPr>
+          <a:lstStyle/>
+          <a:p>
+            <a:pPr>
+              <a:buFont typeface="Wingdings" pitchFamily="2" charset="2"/>
+              <a:buChar char="Ø"/>
+            </a:pPr>
+            <a:r>
+              <a:rPr lang="fr-FR" dirty="0" smtClean="0">
+                <a:solidFill>
+                  <a:srgbClr val="E8750C"/>
+                </a:solidFill>
+              </a:rPr>
+              <a:t>Peu de critère initiaux</a:t>
+            </a:r>
+          </a:p>
+          <a:p>
+            <a:pPr lvl="1">
+              <a:buFont typeface="Wingdings" pitchFamily="2" charset="2"/>
+              <a:buChar char="Ø"/>
+            </a:pPr>
+            <a:r>
+              <a:rPr lang="fr-FR" dirty="0" smtClean="0">
+                <a:solidFill>
+                  <a:srgbClr val="E8750C"/>
+                </a:solidFill>
+              </a:rPr>
+              <a:t>Seulement 28 </a:t>
+            </a:r>
+            <a:r>
+              <a:rPr lang="fr-FR" dirty="0" err="1" smtClean="0">
+                <a:solidFill>
+                  <a:srgbClr val="E8750C"/>
+                </a:solidFill>
+              </a:rPr>
+              <a:t>features</a:t>
+            </a:r>
+            <a:endParaRPr lang="fr-FR" dirty="0" smtClean="0">
+              <a:solidFill>
+                <a:srgbClr val="E8750C"/>
+              </a:solidFill>
+            </a:endParaRPr>
+          </a:p>
+          <a:p>
+            <a:pPr>
+              <a:buFont typeface="Wingdings" pitchFamily="2" charset="2"/>
+              <a:buChar char="Ø"/>
+            </a:pPr>
+            <a:r>
+              <a:rPr lang="fr-FR" dirty="0" smtClean="0">
+                <a:solidFill>
+                  <a:srgbClr val="E8750C"/>
+                </a:solidFill>
+              </a:rPr>
+              <a:t>Modèles difficile </a:t>
+            </a:r>
+            <a:r>
+              <a:rPr lang="fr-FR" dirty="0">
+                <a:solidFill>
+                  <a:srgbClr val="E8750C"/>
+                </a:solidFill>
+              </a:rPr>
+              <a:t>à</a:t>
+            </a:r>
+            <a:r>
+              <a:rPr lang="fr-FR" dirty="0" smtClean="0">
+                <a:solidFill>
+                  <a:srgbClr val="E8750C"/>
+                </a:solidFill>
+              </a:rPr>
+              <a:t> </a:t>
+            </a:r>
+            <a:r>
+              <a:rPr lang="fr-FR" dirty="0" smtClean="0">
+                <a:solidFill>
+                  <a:srgbClr val="E8750C"/>
+                </a:solidFill>
+              </a:rPr>
+              <a:t>évaluer </a:t>
+            </a:r>
+          </a:p>
+          <a:p>
+            <a:pPr lvl="1">
+              <a:buFont typeface="Wingdings" pitchFamily="2" charset="2"/>
+              <a:buChar char="Ø"/>
+            </a:pPr>
+            <a:r>
+              <a:rPr lang="fr-FR" dirty="0" smtClean="0">
+                <a:solidFill>
+                  <a:srgbClr val="E8750C"/>
+                </a:solidFill>
+              </a:rPr>
+              <a:t>Pas de labels</a:t>
+            </a:r>
+          </a:p>
+          <a:p>
+            <a:pPr lvl="1">
+              <a:buFont typeface="Wingdings" pitchFamily="2" charset="2"/>
+              <a:buChar char="Ø"/>
+            </a:pPr>
+            <a:r>
+              <a:rPr lang="fr-FR" dirty="0" smtClean="0">
+                <a:solidFill>
+                  <a:srgbClr val="E8750C"/>
+                </a:solidFill>
+              </a:rPr>
+              <a:t>Nombre de clusters inconnus</a:t>
+            </a:r>
+          </a:p>
+          <a:p>
+            <a:pPr>
+              <a:buFont typeface="Wingdings" pitchFamily="2" charset="2"/>
+              <a:buChar char="Ø"/>
+            </a:pPr>
+            <a:r>
+              <a:rPr lang="fr-FR" dirty="0" smtClean="0">
+                <a:solidFill>
+                  <a:srgbClr val="E8750C"/>
+                </a:solidFill>
+              </a:rPr>
+              <a:t>Manifolds fonctionnent mieux que cluster</a:t>
+            </a:r>
+          </a:p>
+          <a:p>
+            <a:pPr lvl="1">
+              <a:buFont typeface="Wingdings" pitchFamily="2" charset="2"/>
+              <a:buChar char="Ø"/>
+            </a:pPr>
+            <a:r>
+              <a:rPr lang="fr-FR" dirty="0" smtClean="0">
+                <a:solidFill>
+                  <a:srgbClr val="E8750C"/>
+                </a:solidFill>
+              </a:rPr>
+              <a:t>Initialisation parfois </a:t>
+            </a:r>
+            <a:r>
+              <a:rPr lang="fr-FR" dirty="0" smtClean="0">
+                <a:solidFill>
+                  <a:srgbClr val="E8750C"/>
+                </a:solidFill>
+              </a:rPr>
+              <a:t>importante</a:t>
+            </a:r>
+          </a:p>
+          <a:p>
+            <a:pPr>
+              <a:buFont typeface="Wingdings" pitchFamily="2" charset="2"/>
+              <a:buChar char="Ø"/>
+            </a:pPr>
+            <a:r>
+              <a:rPr lang="fr-FR" dirty="0" smtClean="0">
+                <a:solidFill>
+                  <a:srgbClr val="E8750C"/>
+                </a:solidFill>
+              </a:rPr>
+              <a:t>Résultat satisfaisant surtout pour </a:t>
+            </a:r>
+            <a:r>
+              <a:rPr lang="fr-FR" dirty="0" smtClean="0">
+                <a:solidFill>
+                  <a:srgbClr val="E8750C"/>
+                </a:solidFill>
+              </a:rPr>
+              <a:t>TSNE et modèle simple</a:t>
+            </a:r>
+            <a:endParaRPr lang="fr-FR" dirty="0" smtClean="0">
+              <a:solidFill>
+                <a:srgbClr val="E8750C"/>
+              </a:solidFill>
+            </a:endParaRPr>
+          </a:p>
+          <a:p>
+            <a:pPr lvl="1">
+              <a:buFont typeface="Wingdings" pitchFamily="2" charset="2"/>
+              <a:buChar char="Ø"/>
+            </a:pPr>
+            <a:r>
+              <a:rPr lang="fr-FR" dirty="0" smtClean="0">
+                <a:solidFill>
+                  <a:srgbClr val="E8750C"/>
+                </a:solidFill>
+              </a:rPr>
+              <a:t>Les autres ne prédisent même pas les </a:t>
+            </a:r>
+            <a:r>
+              <a:rPr lang="fr-FR" dirty="0" smtClean="0">
+                <a:solidFill>
+                  <a:srgbClr val="E8750C"/>
+                </a:solidFill>
+              </a:rPr>
+              <a:t>suites</a:t>
+            </a:r>
+          </a:p>
+          <a:p>
+            <a:pPr>
+              <a:buFont typeface="Wingdings" pitchFamily="2" charset="2"/>
+              <a:buChar char="Ø"/>
+            </a:pPr>
+            <a:endParaRPr lang="fr-FR" dirty="0" smtClean="0">
+              <a:solidFill>
+                <a:srgbClr val="E8750C"/>
+              </a:solidFill>
+            </a:endParaRPr>
+          </a:p>
+          <a:p>
+            <a:pPr>
+              <a:buFont typeface="Wingdings" pitchFamily="2" charset="2"/>
+              <a:buChar char="Ø"/>
+            </a:pPr>
+            <a:r>
+              <a:rPr lang="fr-FR" dirty="0" smtClean="0">
+                <a:solidFill>
+                  <a:srgbClr val="E8750C"/>
+                </a:solidFill>
+              </a:rPr>
+              <a:t>Le modèle Simple est le plus pertinent par sa simplicité</a:t>
+            </a:r>
+            <a:endParaRPr lang="fr-FR" dirty="0" smtClean="0">
+              <a:solidFill>
+                <a:srgbClr val="E8750C"/>
+              </a:solidFill>
+            </a:endParaRPr>
+          </a:p>
+          <a:p>
+            <a:pPr lvl="1">
+              <a:buFont typeface="Wingdings" pitchFamily="2" charset="2"/>
+              <a:buChar char="Ø"/>
+            </a:pPr>
+            <a:endParaRPr lang="fr-FR" dirty="0" smtClean="0">
+              <a:solidFill>
+                <a:srgbClr val="E8750C"/>
+              </a:solidFill>
+            </a:endParaRPr>
+          </a:p>
+        </p:txBody>
+      </p:sp>
+      <p:sp>
+        <p:nvSpPr>
+          <p:cNvPr id="4" name="Espace réservé de la date 3"/>
+          <p:cNvSpPr>
+            <a:spLocks noGrp="1"/>
+          </p:cNvSpPr>
+          <p:nvPr>
+            <p:ph type="dt" sz="half" idx="10"/>
+          </p:nvPr>
+        </p:nvSpPr>
+        <p:spPr/>
+        <p:txBody>
+          <a:bodyPr/>
+          <a:lstStyle/>
+          <a:p>
+            <a:fld id="{30547005-2CCE-4AAF-810C-C33FB4661996}" type="datetime1">
+              <a:rPr lang="fr-FR" smtClean="0"/>
+              <a:t>26/11/2017</a:t>
+            </a:fld>
+            <a:endParaRPr lang="fr-FR"/>
+          </a:p>
+        </p:txBody>
+      </p:sp>
+      <p:sp>
+        <p:nvSpPr>
+          <p:cNvPr id="5" name="Espace réservé du pied de page 4"/>
+          <p:cNvSpPr>
+            <a:spLocks noGrp="1"/>
+          </p:cNvSpPr>
+          <p:nvPr>
+            <p:ph type="ftr" sz="quarter" idx="11"/>
+          </p:nvPr>
+        </p:nvSpPr>
+        <p:spPr/>
+        <p:txBody>
+          <a:bodyPr/>
+          <a:lstStyle/>
+          <a:p>
+            <a:r>
+              <a:rPr lang="fr-FR" dirty="0" smtClean="0"/>
+              <a:t>MINE Nicolas</a:t>
+            </a:r>
+            <a:endParaRPr lang="fr-FR" dirty="0"/>
+          </a:p>
+        </p:txBody>
+      </p:sp>
+    </p:spTree>
+    <p:extLst>
+      <p:ext uri="{BB962C8B-B14F-4D97-AF65-F5344CB8AC3E}">
+        <p14:creationId xmlns:p14="http://schemas.microsoft.com/office/powerpoint/2010/main" val="518239453"/>
       </p:ext>
     </p:extLst>
   </p:cSld>
@@ -7503,7 +8257,7 @@
         <p:spPr/>
         <p:txBody>
           <a:bodyPr>
-            <a:normAutofit fontScale="55000" lnSpcReduction="20000"/>
+            <a:normAutofit fontScale="47500" lnSpcReduction="20000"/>
           </a:bodyPr>
           <a:lstStyle/>
           <a:p>
@@ -7716,6 +8470,20 @@
               </a:rPr>
               <a:t>PCA</a:t>
             </a:r>
+          </a:p>
+          <a:p>
+            <a:pPr lvl="1">
+              <a:buFont typeface="Wingdings" pitchFamily="2" charset="2"/>
+              <a:buChar char="Ø"/>
+            </a:pPr>
+            <a:r>
+              <a:rPr lang="fr-FR" dirty="0" smtClean="0">
+                <a:solidFill>
+                  <a:srgbClr val="E8750C"/>
+                </a:solidFill>
+              </a:rPr>
+              <a:t>Modèle simple</a:t>
+            </a:r>
             <a:endParaRPr lang="fr-FR" dirty="0">
               <a:solidFill>
                 <a:srgbClr val="E8750C"/>
@@ -7795,6 +8563,31 @@
               <a:buFont typeface="Wingdings" pitchFamily="2" charset="2"/>
               <a:buChar char="Ø"/>
             </a:pPr>
+            <a:endParaRPr lang="fr-FR" dirty="0" smtClean="0">
+              <a:solidFill>
+                <a:srgbClr val="E8750C"/>
+              </a:solidFill>
+            </a:endParaRPr>
+          </a:p>
+          <a:p>
+            <a:pPr>
+              <a:buFont typeface="Wingdings" pitchFamily="2" charset="2"/>
+              <a:buChar char="Ø"/>
+            </a:pPr>
+            <a:r>
+              <a:rPr lang="fr-FR" dirty="0" smtClean="0">
+                <a:solidFill>
+                  <a:srgbClr val="E8750C"/>
+                </a:solidFill>
+              </a:rPr>
+              <a:t>Pistes d’évolutions</a:t>
+            </a:r>
+          </a:p>
+          <a:p>
+            <a:pPr>
+              <a:buFont typeface="Wingdings" pitchFamily="2" charset="2"/>
+              <a:buChar char="Ø"/>
+            </a:pPr>
             <a:endParaRPr lang="fr-FR" dirty="0">
               <a:solidFill>
                 <a:srgbClr val="E8750C"/>
@@ -7839,7 +8632,7 @@
           <a:p>
             <a:fld id="{30547005-2CCE-4AAF-810C-C33FB4661996}" type="datetime1">
               <a:rPr lang="fr-FR" smtClean="0"/>
-              <a:t>19/11/2017</a:t>
+              <a:t>26/11/2017</a:t>
             </a:fld>
             <a:endParaRPr lang="fr-FR"/>
           </a:p>
@@ -7939,6 +8732,130 @@
 </p:sld>
 </file>
 
+<file path=ppt/slides/slide20.xml><?xml version="1.0" encoding="utf-8"?>
+<p:sld xmlns:a="http://schemas.openxmlformats.org/drawingml/2006/main" xmlns:r="http://schemas.openxmlformats.org/officeDocument/2006/relationships" xmlns:p="http://schemas.openxmlformats.org/presentationml/2006/main">
+  <p:cSld>
+    <p:spTree>
+      <p:nvGrpSpPr>
+        <p:cNvPr id="1" name=""/>
+        <p:cNvGrpSpPr/>
+        <p:nvPr/>
+      </p:nvGrpSpPr>
+      <p:grpSpPr>
+        <a:xfrm>
+          <a:off x="0" y="0"/>
+          <a:ext cx="0" cy="0"/>
+          <a:chOff x="0" y="0"/>
+          <a:chExt cx="0" cy="0"/>
+        </a:xfrm>
+      </p:grpSpPr>
+      <p:sp>
+        <p:nvSpPr>
+          <p:cNvPr id="4" name="Espace réservé de la date 3"/>
+          <p:cNvSpPr>
+            <a:spLocks noGrp="1"/>
+          </p:cNvSpPr>
+          <p:nvPr>
+            <p:ph type="dt" sz="half" idx="10"/>
+          </p:nvPr>
+        </p:nvSpPr>
+        <p:spPr/>
+        <p:txBody>
+          <a:bodyPr/>
+          <a:lstStyle/>
+          <a:p>
+            <a:fld id="{30547005-2CCE-4AAF-810C-C33FB4661996}" type="datetime1">
+              <a:rPr lang="fr-FR" smtClean="0"/>
+              <a:t>26/11/2017</a:t>
+            </a:fld>
+            <a:endParaRPr lang="fr-FR"/>
+          </a:p>
+        </p:txBody>
+      </p:sp>
+      <p:sp>
+        <p:nvSpPr>
+          <p:cNvPr id="5" name="Espace réservé du pied de page 4"/>
+          <p:cNvSpPr>
+            <a:spLocks noGrp="1"/>
+          </p:cNvSpPr>
+          <p:nvPr>
+            <p:ph type="ftr" sz="quarter" idx="11"/>
+          </p:nvPr>
+        </p:nvSpPr>
+        <p:spPr/>
+        <p:txBody>
+          <a:bodyPr/>
+          <a:lstStyle/>
+          <a:p>
+            <a:r>
+              <a:rPr lang="fr-FR" dirty="0" smtClean="0"/>
+              <a:t>MINE Nicolas</a:t>
+            </a:r>
+            <a:endParaRPr lang="fr-FR" dirty="0"/>
+          </a:p>
+        </p:txBody>
+      </p:sp>
+      <p:pic>
+        <p:nvPicPr>
+          <p:cNvPr id="6146" name="Picture 2" descr="F:\Nicolas\Documents\OpenClassRoom\questiosn.png"/>
+          <p:cNvPicPr>
+            <a:picLocks noChangeAspect="1" noChangeArrowheads="1"/>
+          </p:cNvPicPr>
+          <p:nvPr/>
+        </p:nvPicPr>
+        <p:blipFill>
+          <a:blip r:embed="rId2">
+            <a:extLst>
+              <a:ext uri="{28A0092B-C50C-407E-A947-70E740481C1C}">
+                <a14:useLocalDpi xmlns:a14="http://schemas.microsoft.com/office/drawing/2010/main" val="0"/>
+              </a:ext>
+            </a:extLst>
+          </a:blip>
+          <a:srcRect/>
+          <a:stretch>
+            <a:fillRect/>
+          </a:stretch>
+        </p:blipFill>
+        <p:spPr bwMode="auto">
+          <a:xfrm>
+            <a:off x="-396552" y="-387424"/>
+            <a:ext cx="9753601" cy="7315201"/>
+          </a:xfrm>
+          <a:prstGeom prst="rect">
+            <a:avLst/>
+          </a:prstGeom>
+          <a:noFill/>
+          <a:extLst>
+            <a:ext uri="{909E8E84-426E-40DD-AFC4-6F175D3DCCD1}">
+              <a14:hiddenFill xmlns:a14="http://schemas.microsoft.com/office/drawing/2010/main">
+                <a:solidFill>
+                  <a:srgbClr val="FFFFFF"/>
+                </a:solidFill>
+              </a14:hiddenFill>
+            </a:ext>
+          </a:extLst>
+        </p:spPr>
+      </p:pic>
+    </p:spTree>
+    <p:extLst>
+      <p:ext uri="{BB962C8B-B14F-4D97-AF65-F5344CB8AC3E}">
+        <p14:creationId xmlns:p14="http://schemas.microsoft.com/office/powerpoint/2010/main" val="101165701"/>
+      </p:ext>
+    </p:extLst>
+  </p:cSld>
+  <p:clrMapOvr>
+    <a:masterClrMapping/>
+  </p:clrMapOvr>
+  <p:timing>
+    <p:tnLst>
+      <p:par>
+        <p:cTn id="1" dur="indefinite" restart="never" nodeType="tmRoot"/>
+      </p:par>
+    </p:tnLst>
+  </p:timing>
+</p:sld>
+</file>
+
 <file path=ppt/slides/slide3.xml><?xml version="1.0" encoding="utf-8"?>
 <p:sld xmlns:a="http://schemas.openxmlformats.org/drawingml/2006/main" xmlns:r="http://schemas.openxmlformats.org/officeDocument/2006/relationships" xmlns:p="http://schemas.openxmlformats.org/presentationml/2006/main">
   <p:cSld>
@@ -7996,7 +8913,7 @@
         <p:spPr/>
         <p:txBody>
           <a:bodyPr>
-            <a:normAutofit fontScale="92500" lnSpcReduction="10000"/>
+            <a:normAutofit fontScale="92500" lnSpcReduction="20000"/>
           </a:bodyPr>
           <a:lstStyle/>
           <a:p>
@@ -8090,6 +9007,33 @@
             </a:endParaRPr>
           </a:p>
           <a:p>
+            <a:pPr lvl="1">
+              <a:buFont typeface="Wingdings" pitchFamily="2" charset="2"/>
+              <a:buChar char="Ø"/>
+            </a:pPr>
+            <a:r>
+              <a:rPr lang="fr-FR" dirty="0">
+                <a:solidFill>
+                  <a:srgbClr val="E8750C"/>
+                </a:solidFill>
+              </a:rPr>
+              <a:t>2698 </a:t>
+            </a:r>
+            <a:r>
+              <a:rPr lang="fr-FR" dirty="0" smtClean="0">
+                <a:solidFill>
+                  <a:srgbClr val="E8750C"/>
+                </a:solidFill>
+              </a:rPr>
+              <a:t>pts manquants (1,91 %)</a:t>
+            </a:r>
+            <a:endParaRPr lang="fr-FR" dirty="0" smtClean="0">
+              <a:solidFill>
+                <a:srgbClr val="E8750C"/>
+              </a:solidFill>
+            </a:endParaRPr>
+          </a:p>
+          <a:p>
             <a:pPr>
               <a:buFont typeface="Wingdings" pitchFamily="2" charset="2"/>
               <a:buChar char="Ø"/>
@@ -8125,8 +9069,21 @@
                   <a:srgbClr val="E8750C"/>
                 </a:solidFill>
               </a:rPr>
-              <a:t>Faire un moteur de recommandation de films similaires</a:t>
-            </a:r>
+              <a:t>Faire un moteur de recommandation de films </a:t>
+            </a:r>
+            <a:r>
+              <a:rPr lang="fr-FR" dirty="0" smtClean="0">
+                <a:solidFill>
+                  <a:srgbClr val="E8750C"/>
+                </a:solidFill>
+              </a:rPr>
+              <a:t>par similarité</a:t>
+            </a:r>
+            <a:endParaRPr lang="fr-FR" dirty="0" smtClean="0">
+              <a:solidFill>
+                <a:srgbClr val="E8750C"/>
+              </a:solidFill>
+            </a:endParaRPr>
           </a:p>
           <a:p>
             <a:pPr lvl="2">
@@ -8134,6 +9091,14 @@
               <a:buChar char="Ø"/>
             </a:pPr>
             <a:r>
+              <a:rPr lang="fr-FR" dirty="0" smtClean="0">
+                <a:solidFill>
+                  <a:srgbClr val="E8750C"/>
+                </a:solidFill>
+              </a:rPr>
+              <a:t>« </a:t>
+            </a:r>
+            <a:r>
               <a:rPr lang="fr-FR" dirty="0" err="1" smtClean="0">
                 <a:solidFill>
                   <a:srgbClr val="E8750C"/>
@@ -8147,7 +9112,15 @@
                   <a:srgbClr val="E8750C"/>
                 </a:solidFill>
               </a:rPr>
-              <a:t> sans labels</a:t>
+              <a:t> » </a:t>
+            </a:r>
+            <a:r>
+              <a:rPr lang="fr-FR" dirty="0" smtClean="0">
+                <a:solidFill>
+                  <a:srgbClr val="E8750C"/>
+                </a:solidFill>
+              </a:rPr>
+              <a:t>sans labels</a:t>
             </a:r>
           </a:p>
           <a:p>
@@ -8156,20 +9129,20 @@
               <a:buChar char="Ø"/>
             </a:pPr>
             <a:r>
-              <a:rPr lang="fr-FR" dirty="0" err="1" smtClean="0">
-                <a:solidFill>
-                  <a:srgbClr val="E8750C"/>
-                </a:solidFill>
-              </a:rPr>
-              <a:t>Generer</a:t>
-            </a:r>
-            <a:r>
               <a:rPr lang="fr-FR" dirty="0" smtClean="0">
                 <a:solidFill>
                   <a:srgbClr val="E8750C"/>
                 </a:solidFill>
               </a:rPr>
-              <a:t> une simple API</a:t>
+              <a:t>Générer </a:t>
+            </a:r>
+            <a:r>
+              <a:rPr lang="fr-FR" dirty="0" smtClean="0">
+                <a:solidFill>
+                  <a:srgbClr val="E8750C"/>
+                </a:solidFill>
+              </a:rPr>
+              <a:t>une simple API</a:t>
             </a:r>
           </a:p>
           <a:p>
@@ -8202,7 +9175,7 @@
           <a:p>
             <a:fld id="{30547005-2CCE-4AAF-810C-C33FB4661996}" type="datetime1">
               <a:rPr lang="fr-FR" smtClean="0"/>
-              <a:t>19/11/2017</a:t>
+              <a:t>26/11/2017</a:t>
             </a:fld>
             <a:endParaRPr lang="fr-FR"/>
           </a:p>
@@ -8353,12 +9326,20 @@
               <a:buChar char="Ø"/>
             </a:pPr>
             <a:r>
+              <a:rPr lang="fr-FR" sz="2400" dirty="0" smtClean="0">
+                <a:solidFill>
+                  <a:srgbClr val="E8750C"/>
+                </a:solidFill>
+              </a:rPr>
+              <a:t>Comptage (</a:t>
+            </a:r>
+            <a:r>
               <a:rPr lang="fr-FR" sz="2400" dirty="0" err="1" smtClean="0">
                 <a:solidFill>
                   <a:srgbClr val="E8750C"/>
                 </a:solidFill>
               </a:rPr>
-              <a:t>Critic</a:t>
+              <a:t>like</a:t>
             </a:r>
             <a:r>
               <a:rPr lang="fr-FR" sz="2400" dirty="0" smtClean="0">
@@ -8374,15 +9355,7 @@
                   <a:srgbClr val="E8750C"/>
                 </a:solidFill>
               </a:rPr>
-              <a:t>likes</a:t>
-            </a:r>
-            <a:r>
-              <a:rPr lang="fr-FR" sz="2400" dirty="0">
-                <a:solidFill>
-                  <a:srgbClr val="E8750C"/>
-                </a:solidFill>
-              </a:rPr>
-              <a:t>/"compte": </a:t>
+              <a:t>review</a:t>
             </a:r>
             <a:r>
               <a:rPr lang="fr-FR" sz="2400" dirty="0" smtClean="0">
@@ -8390,6 +9363,14 @@
                   <a:srgbClr val="E8750C"/>
                 </a:solidFill>
               </a:rPr>
+              <a:t>/…): </a:t>
+            </a:r>
+            <a:r>
+              <a:rPr lang="fr-FR" sz="2400" dirty="0" smtClean="0">
+                <a:solidFill>
+                  <a:srgbClr val="E8750C"/>
+                </a:solidFill>
+              </a:rPr>
               <a:t>0</a:t>
             </a:r>
           </a:p>
@@ -8434,8 +9415,35 @@
                   <a:srgbClr val="E8750C"/>
                 </a:solidFill>
               </a:rPr>
-              <a:t>Langue/Country: Majorité (English/USA)</a:t>
-            </a:r>
+              <a:t>Langue/Country: Majorité (English/USA</a:t>
+            </a:r>
+            <a:r>
+              <a:rPr lang="fr-FR" sz="2400" dirty="0" smtClean="0">
+                <a:solidFill>
+                  <a:srgbClr val="E8750C"/>
+                </a:solidFill>
+              </a:rPr>
+              <a:t>)</a:t>
+            </a:r>
+          </a:p>
+          <a:p>
+            <a:pPr lvl="2">
+              <a:buFont typeface="Wingdings" pitchFamily="2" charset="2"/>
+              <a:buChar char="Ø"/>
+            </a:pPr>
+            <a:r>
+              <a:rPr lang="fr-FR" sz="2000" dirty="0" smtClean="0">
+                <a:solidFill>
+                  <a:srgbClr val="E8750C"/>
+                </a:solidFill>
+              </a:rPr>
+              <a:t>Validation par producteur</a:t>
+            </a:r>
+            <a:endParaRPr lang="fr-FR" sz="2000" dirty="0" smtClean="0">
+              <a:solidFill>
+                <a:srgbClr val="E8750C"/>
+              </a:solidFill>
+            </a:endParaRPr>
           </a:p>
           <a:p>
             <a:pPr lvl="1">
@@ -8481,7 +9489,7 @@
           <a:p>
             <a:fld id="{30547005-2CCE-4AAF-810C-C33FB4661996}" type="datetime1">
               <a:rPr lang="fr-FR" smtClean="0"/>
-              <a:t>19/11/2017</a:t>
+              <a:t>26/11/2017</a:t>
             </a:fld>
             <a:endParaRPr lang="fr-FR"/>
           </a:p>
@@ -8754,23 +9762,35 @@
                   <a:srgbClr val="E8750C"/>
                 </a:solidFill>
               </a:rPr>
-              <a:t>Phase </a:t>
-            </a:r>
+              <a:t>Phase 2 : Simplification</a:t>
+            </a:r>
+          </a:p>
+          <a:p>
+            <a:pPr lvl="1">
+              <a:buFont typeface="Wingdings" pitchFamily="2" charset="2"/>
+              <a:buChar char="Ø"/>
+            </a:pPr>
             <a:r>
               <a:rPr lang="fr-FR" dirty="0" smtClean="0">
                 <a:solidFill>
                   <a:srgbClr val="E8750C"/>
                 </a:solidFill>
               </a:rPr>
-              <a:t>2 </a:t>
-            </a:r>
+              <a:t>Genres : </a:t>
+            </a:r>
+          </a:p>
+          <a:p>
+            <a:pPr lvl="2">
+              <a:buFont typeface="Wingdings" pitchFamily="2" charset="2"/>
+              <a:buChar char="Ø"/>
+            </a:pPr>
             <a:r>
               <a:rPr lang="fr-FR" dirty="0" smtClean="0">
                 <a:solidFill>
                   <a:srgbClr val="E8750C"/>
                 </a:solidFill>
               </a:rPr>
-              <a:t>: Simplification</a:t>
+              <a:t>Split et OHE</a:t>
             </a:r>
           </a:p>
           <a:p>
@@ -8784,7 +9804,7 @@
                   <a:srgbClr val="E8750C"/>
                 </a:solidFill>
               </a:rPr>
-              <a:t>Genres : </a:t>
+              <a:t>Rating : </a:t>
             </a:r>
           </a:p>
           <a:p>
@@ -8798,7 +9818,7 @@
                   <a:srgbClr val="E8750C"/>
                 </a:solidFill>
               </a:rPr>
-              <a:t>Split et OHE</a:t>
+              <a:t>Par âge (OHE+)</a:t>
             </a:r>
           </a:p>
           <a:p>
@@ -8812,7 +9832,7 @@
                   <a:srgbClr val="E8750C"/>
                 </a:solidFill>
               </a:rPr>
-              <a:t>Rating : </a:t>
+              <a:t>Acteurs:</a:t>
             </a:r>
           </a:p>
           <a:p>
@@ -8826,43 +9846,15 @@
                   <a:srgbClr val="E8750C"/>
                 </a:solidFill>
               </a:rPr>
-              <a:t>Par âge (OHE+)</a:t>
-            </a:r>
-          </a:p>
-          <a:p>
-            <a:pPr lvl="1">
-              <a:buFont typeface="Wingdings" pitchFamily="2" charset="2"/>
-              <a:buChar char="Ø"/>
-            </a:pPr>
+              <a:t>Par </a:t>
+            </a:r>
             <a:r>
               <a:rPr lang="fr-FR" dirty="0" smtClean="0">
                 <a:solidFill>
                   <a:srgbClr val="E8750C"/>
                 </a:solidFill>
               </a:rPr>
-              <a:t>Acteurs:</a:t>
-            </a:r>
-          </a:p>
-          <a:p>
-            <a:pPr lvl="2">
-              <a:buFont typeface="Wingdings" pitchFamily="2" charset="2"/>
-              <a:buChar char="Ø"/>
-            </a:pPr>
-            <a:r>
-              <a:rPr lang="fr-FR" dirty="0" smtClean="0">
-                <a:solidFill>
-                  <a:srgbClr val="E8750C"/>
-                </a:solidFill>
-              </a:rPr>
-              <a:t>Par </a:t>
-            </a:r>
-            <a:r>
-              <a:rPr lang="fr-FR" dirty="0" err="1" smtClean="0">
-                <a:solidFill>
-                  <a:srgbClr val="E8750C"/>
-                </a:solidFill>
-              </a:rPr>
-              <a:t>occurence</a:t>
+              <a:t>occurrence</a:t>
             </a:r>
             <a:endParaRPr lang="fr-FR" dirty="0" smtClean="0">
               <a:solidFill>
@@ -8889,7 +9881,7 @@
           <a:p>
             <a:fld id="{30547005-2CCE-4AAF-810C-C33FB4661996}" type="datetime1">
               <a:rPr lang="fr-FR" smtClean="0"/>
-              <a:t>19/11/2017</a:t>
+              <a:t>26/11/2017</a:t>
             </a:fld>
             <a:endParaRPr lang="fr-FR"/>
           </a:p>
@@ -9111,23 +10103,7 @@
                   <a:srgbClr val="E8750C"/>
                 </a:solidFill>
               </a:rPr>
-              <a:t>Phase </a:t>
-            </a:r>
-            <a:r>
-              <a:rPr lang="fr-FR" dirty="0" smtClean="0">
-                <a:solidFill>
-                  <a:srgbClr val="E8750C"/>
-                </a:solidFill>
-              </a:rPr>
-              <a:t>3.1 </a:t>
-            </a:r>
-            <a:r>
-              <a:rPr lang="fr-FR" dirty="0" smtClean="0">
-                <a:solidFill>
-                  <a:srgbClr val="E8750C"/>
-                </a:solidFill>
-              </a:rPr>
-              <a:t>: Suppression </a:t>
+              <a:t>Phase 3.1 : Suppression </a:t>
             </a:r>
             <a:r>
               <a:rPr lang="fr-FR" dirty="0" err="1" smtClean="0">
@@ -9293,15 +10269,7 @@
                   <a:srgbClr val="E8750C"/>
                 </a:solidFill>
               </a:rPr>
-              <a:t>3.2 </a:t>
-            </a:r>
-            <a:r>
-              <a:rPr lang="fr-FR" dirty="0" smtClean="0">
-                <a:solidFill>
-                  <a:srgbClr val="E8750C"/>
-                </a:solidFill>
-              </a:rPr>
-              <a:t>: Suppression Films</a:t>
+              <a:t>3.2 : Suppression Films</a:t>
             </a:r>
           </a:p>
           <a:p>
@@ -9396,7 +10364,7 @@
           <a:p>
             <a:fld id="{30547005-2CCE-4AAF-810C-C33FB4661996}" type="datetime1">
               <a:rPr lang="fr-FR" smtClean="0"/>
-              <a:t>19/11/2017</a:t>
+              <a:t>26/11/2017</a:t>
             </a:fld>
             <a:endParaRPr lang="fr-FR"/>
           </a:p>
@@ -9567,15 +10535,21 @@
                   <a:srgbClr val="E8750C"/>
                 </a:solidFill>
               </a:rPr>
-              <a:t>Phase </a:t>
-            </a:r>
+              <a:t>Phase 4 : Encodage/Clean</a:t>
+            </a:r>
+          </a:p>
+          <a:p>
+            <a:pPr lvl="1">
+              <a:buFont typeface="Wingdings" pitchFamily="2" charset="2"/>
+              <a:buChar char="Ø"/>
+            </a:pPr>
             <a:r>
               <a:rPr lang="fr-FR" dirty="0" smtClean="0">
                 <a:solidFill>
                   <a:srgbClr val="E8750C"/>
                 </a:solidFill>
               </a:rPr>
-              <a:t>4 </a:t>
+              <a:t>1 version non-encodée </a:t>
             </a:r>
             <a:r>
               <a:rPr lang="fr-FR" dirty="0" smtClean="0">
@@ -9583,29 +10557,7 @@
                   <a:srgbClr val="E8750C"/>
                 </a:solidFill>
               </a:rPr>
-              <a:t>: Encodage/Clean</a:t>
-            </a:r>
-          </a:p>
-          <a:p>
-            <a:pPr lvl="1">
-              <a:buFont typeface="Wingdings" pitchFamily="2" charset="2"/>
-              <a:buChar char="Ø"/>
-            </a:pPr>
-            <a:r>
-              <a:rPr lang="fr-FR" dirty="0" smtClean="0">
-                <a:solidFill>
-                  <a:srgbClr val="E8750C"/>
-                </a:solidFill>
-              </a:rPr>
-              <a:t>1 version non-encodée </a:t>
-            </a:r>
-            <a:r>
-              <a:rPr lang="fr-FR" dirty="0" err="1" smtClean="0">
-                <a:solidFill>
-                  <a:srgbClr val="E8750C"/>
-                </a:solidFill>
-              </a:rPr>
-              <a:t>allegé</a:t>
+              <a:t>allégée</a:t>
             </a:r>
             <a:endParaRPr lang="fr-FR" dirty="0" smtClean="0">
               <a:solidFill>
@@ -9720,7 +10672,7 @@
           <a:p>
             <a:fld id="{30547005-2CCE-4AAF-810C-C33FB4661996}" type="datetime1">
               <a:rPr lang="fr-FR" smtClean="0"/>
-              <a:t>19/11/2017</a:t>
+              <a:t>26/11/2017</a:t>
             </a:fld>
             <a:endParaRPr lang="fr-FR"/>
           </a:p>
@@ -9749,6 +10701,57 @@
           </a:p>
         </p:txBody>
       </p:sp>
+      <p:pic>
+        <p:nvPicPr>
+          <p:cNvPr id="1028" name="Picture 4" descr="F:\Nicolas\Documents\OpenClassRoom\P3\img\schema.png"/>
+          <p:cNvPicPr>
+            <a:picLocks noChangeAspect="1" noChangeArrowheads="1"/>
+          </p:cNvPicPr>
+          <p:nvPr/>
+        </p:nvPicPr>
+        <p:blipFill>
+          <a:blip r:embed="rId2">
+            <a:clrChange>
+              <a:clrFrom>
+                <a:srgbClr val="FFFFFF"/>
+              </a:clrFrom>
+              <a:clrTo>
+                <a:srgbClr val="FFFFFF">
+                  <a:alpha val="0"/>
+                </a:srgbClr>
+              </a:clrTo>
+            </a:clrChange>
+            <a:extLst>
+              <a:ext uri="{28A0092B-C50C-407E-A947-70E740481C1C}">
+                <a14:useLocalDpi xmlns:a14="http://schemas.microsoft.com/office/drawing/2010/main" val="0"/>
+              </a:ext>
+            </a:extLst>
+          </a:blip>
+          <a:srcRect/>
+          <a:stretch>
+            <a:fillRect/>
+          </a:stretch>
+        </p:blipFill>
+        <p:spPr bwMode="auto">
+          <a:xfrm>
+            <a:off x="6588224" y="188640"/>
+            <a:ext cx="2247900" cy="6391276"/>
+          </a:xfrm>
+          <a:prstGeom prst="rect">
+            <a:avLst/>
+          </a:prstGeom>
+          <a:noFill/>
+          <a:extLst>
+            <a:ext uri="{909E8E84-426E-40DD-AFC4-6F175D3DCCD1}">
+              <a14:hiddenFill xmlns:a14="http://schemas.microsoft.com/office/drawing/2010/main">
+                <a:solidFill>
+                  <a:srgbClr val="FFFFFF"/>
+                </a:solidFill>
+              </a14:hiddenFill>
+            </a:ext>
+          </a:extLst>
+        </p:spPr>
+      </p:pic>
     </p:spTree>
     <p:extLst>
       <p:ext uri="{BB962C8B-B14F-4D97-AF65-F5344CB8AC3E}">
@@ -9972,7 +10975,7 @@
           <a:p>
             <a:fld id="{30547005-2CCE-4AAF-810C-C33FB4661996}" type="datetime1">
               <a:rPr lang="fr-FR" smtClean="0"/>
-              <a:t>19/11/2017</a:t>
+              <a:t>26/11/2017</a:t>
             </a:fld>
             <a:endParaRPr lang="fr-FR"/>
           </a:p>
@@ -10001,15 +11004,139 @@
           </a:p>
         </p:txBody>
       </p:sp>
+      <p:sp>
+        <p:nvSpPr>
+          <p:cNvPr id="6" name="ZoneTexte 5"/>
+          <p:cNvSpPr txBox="1"/>
+          <p:nvPr/>
+        </p:nvSpPr>
+        <p:spPr>
+          <a:xfrm>
+            <a:off x="539552" y="4113654"/>
+            <a:ext cx="4248472" cy="2123658"/>
+          </a:xfrm>
+          <a:prstGeom prst="rect">
+            <a:avLst/>
+          </a:prstGeom>
+          <a:noFill/>
+        </p:spPr>
+        <p:txBody>
+          <a:bodyPr wrap="square" rtlCol="0">
+            <a:spAutoFit/>
+          </a:bodyPr>
+          <a:lstStyle/>
+          <a:p>
+            <a:r>
+              <a:rPr lang="fr-FR" sz="1600" b="1" dirty="0"/>
+              <a:t>Entrée : </a:t>
+            </a:r>
+            <a:endParaRPr lang="fr-FR" sz="1600" b="1" dirty="0" smtClean="0"/>
+          </a:p>
+          <a:p>
+            <a:pPr marL="285750" indent="-285750">
+              <a:buFont typeface="Wingdings" pitchFamily="2" charset="2"/>
+              <a:buChar char="Ø"/>
+            </a:pPr>
+            <a:r>
+              <a:rPr lang="fr-FR" sz="1600" dirty="0" err="1" smtClean="0"/>
+              <a:t>Spider-Man</a:t>
+            </a:r>
+            <a:r>
+              <a:rPr lang="fr-FR" sz="1600" dirty="0" smtClean="0"/>
+              <a:t> 3</a:t>
+            </a:r>
+          </a:p>
+          <a:p>
+            <a:r>
+              <a:rPr lang="fr-FR" sz="1600" b="1" dirty="0" smtClean="0"/>
+              <a:t>Sortie :</a:t>
+            </a:r>
+          </a:p>
+          <a:p>
+            <a:pPr marL="285750" indent="-285750">
+              <a:buFont typeface="Wingdings" pitchFamily="2" charset="2"/>
+              <a:buChar char="Ø"/>
+            </a:pPr>
+            <a:r>
+              <a:rPr lang="fr-FR" sz="1600" dirty="0" err="1" smtClean="0"/>
+              <a:t>Ironclad</a:t>
+            </a:r>
+            <a:endParaRPr lang="fr-FR" sz="1600" dirty="0" smtClean="0"/>
+          </a:p>
+          <a:p>
+            <a:pPr marL="285750" indent="-285750">
+              <a:buFont typeface="Wingdings" pitchFamily="2" charset="2"/>
+              <a:buChar char="Ø"/>
+            </a:pPr>
+            <a:r>
+              <a:rPr lang="en-US" sz="1600" dirty="0"/>
+              <a:t>Prince of Persia: The Sands of </a:t>
+            </a:r>
+            <a:r>
+              <a:rPr lang="en-US" sz="1600" dirty="0" smtClean="0"/>
+              <a:t>Time</a:t>
+            </a:r>
+          </a:p>
+          <a:p>
+            <a:pPr marL="285750" indent="-285750">
+              <a:buFont typeface="Wingdings" pitchFamily="2" charset="2"/>
+              <a:buChar char="Ø"/>
+            </a:pPr>
+            <a:r>
+              <a:rPr lang="fr-FR" sz="1600" dirty="0" err="1" smtClean="0"/>
+              <a:t>Krrish</a:t>
+            </a:r>
+            <a:endParaRPr lang="fr-FR" sz="1600" dirty="0" smtClean="0"/>
+          </a:p>
+          <a:p>
+            <a:pPr marL="285750" indent="-285750">
+              <a:buFont typeface="Wingdings" pitchFamily="2" charset="2"/>
+              <a:buChar char="Ø"/>
+            </a:pPr>
+            <a:r>
+              <a:rPr lang="fr-FR" sz="1600" dirty="0"/>
+              <a:t>The </a:t>
+            </a:r>
+            <a:r>
+              <a:rPr lang="fr-FR" sz="1600" dirty="0" err="1"/>
+              <a:t>Three</a:t>
+            </a:r>
+            <a:r>
+              <a:rPr lang="fr-FR" sz="1600" dirty="0"/>
+              <a:t> </a:t>
+            </a:r>
+            <a:r>
+              <a:rPr lang="fr-FR" sz="1600" dirty="0" err="1" smtClean="0"/>
+              <a:t>Musketeers</a:t>
+            </a:r>
+            <a:endParaRPr lang="fr-FR" sz="1600" dirty="0" smtClean="0"/>
+          </a:p>
+          <a:p>
+            <a:pPr marL="285750" indent="-285750">
+              <a:buFont typeface="Wingdings" pitchFamily="2" charset="2"/>
+              <a:buChar char="Ø"/>
+            </a:pPr>
+            <a:r>
+              <a:rPr lang="fr-FR" sz="1600" dirty="0"/>
+              <a:t>The </a:t>
+            </a:r>
+            <a:r>
+              <a:rPr lang="fr-FR" sz="1600" dirty="0" err="1" smtClean="0"/>
+              <a:t>Musketeer</a:t>
+            </a:r>
+            <a:endParaRPr lang="fr-FR" sz="1600" dirty="0"/>
+          </a:p>
+        </p:txBody>
+      </p:sp>
       <p:pic>
         <p:nvPicPr>
-          <p:cNvPr id="1026" name="Picture 2" descr="F:\Nicolas\Documents\OpenClassRoom\Projet 3 - recomm. de films\kmeans3d.png"/>
+          <p:cNvPr id="4098" name="Picture 2" descr="F:\Nicolas\Documents\OpenClassRoom\P3\img\kmeans3d.png"/>
           <p:cNvPicPr>
             <a:picLocks noChangeAspect="1" noChangeArrowheads="1"/>
           </p:cNvPicPr>
           <p:nvPr/>
         </p:nvPicPr>
-        <p:blipFill>
+        <p:blipFill rotWithShape="1">
           <a:blip r:embed="rId2">
             <a:clrChange>
               <a:clrFrom>
@@ -10027,15 +11154,13 @@
               </a:ext>
             </a:extLst>
           </a:blip>
-          <a:srcRect/>
-          <a:stretch>
-            <a:fillRect/>
-          </a:stretch>
+          <a:srcRect l="20070" t="14079" r="11589" b="13541"/>
+          <a:stretch/>
         </p:blipFill>
         <p:spPr bwMode="auto">
           <a:xfrm>
-            <a:off x="3347864" y="2447337"/>
-            <a:ext cx="6629507" cy="5099621"/>
+            <a:off x="5486781" y="1340768"/>
+            <a:ext cx="3619085" cy="2948474"/>
           </a:xfrm>
           <a:prstGeom prst="rect">
             <a:avLst/>
@@ -10054,7 +11179,7 @@
       </p:pic>
       <p:pic>
         <p:nvPicPr>
-          <p:cNvPr id="1027" name="Picture 3" descr="F:\Nicolas\Documents\OpenClassRoom\Projet 3 - recomm. de films\kmeans2d.png"/>
+          <p:cNvPr id="4099" name="Picture 3" descr="F:\Nicolas\Documents\OpenClassRoom\P3\img\kmeans2d.png"/>
           <p:cNvPicPr>
             <a:picLocks noChangeAspect="1" noChangeArrowheads="1"/>
           </p:cNvPicPr>
@@ -10085,8 +11210,8 @@
         </p:blipFill>
         <p:spPr bwMode="auto">
           <a:xfrm>
-            <a:off x="5652120" y="980728"/>
-            <a:ext cx="3672408" cy="2448626"/>
+            <a:off x="5309641" y="4208708"/>
+            <a:ext cx="3973363" cy="2649292"/>
           </a:xfrm>
           <a:prstGeom prst="rect">
             <a:avLst/>
@@ -10103,130 +11228,6 @@
           </a:extLst>
         </p:spPr>
       </p:pic>
-      <p:sp>
-        <p:nvSpPr>
-          <p:cNvPr id="6" name="ZoneTexte 5"/>
-          <p:cNvSpPr txBox="1"/>
-          <p:nvPr/>
-        </p:nvSpPr>
-        <p:spPr>
-          <a:xfrm>
-            <a:off x="539552" y="4113654"/>
-            <a:ext cx="4248472" cy="2123658"/>
-          </a:xfrm>
-          <a:prstGeom prst="rect">
-            <a:avLst/>
-          </a:prstGeom>
-          <a:noFill/>
-        </p:spPr>
-        <p:txBody>
-          <a:bodyPr wrap="square" rtlCol="0">
-            <a:spAutoFit/>
-          </a:bodyPr>
-          <a:lstStyle/>
-          <a:p>
-            <a:r>
-              <a:rPr lang="fr-FR" sz="1600" b="1" dirty="0"/>
-              <a:t>Entrée : </a:t>
-            </a:r>
-            <a:endParaRPr lang="fr-FR" sz="1600" b="1" dirty="0" smtClean="0"/>
-          </a:p>
-          <a:p>
-            <a:pPr marL="285750" indent="-285750">
-              <a:buFont typeface="Wingdings" pitchFamily="2" charset="2"/>
-              <a:buChar char="Ø"/>
-            </a:pPr>
-            <a:r>
-              <a:rPr lang="fr-FR" sz="1600" dirty="0" err="1" smtClean="0"/>
-              <a:t>Spider-Man</a:t>
-            </a:r>
-            <a:r>
-              <a:rPr lang="fr-FR" sz="1600" dirty="0" smtClean="0"/>
-              <a:t> 3</a:t>
-            </a:r>
-          </a:p>
-          <a:p>
-            <a:r>
-              <a:rPr lang="fr-FR" sz="1600" b="1" dirty="0" smtClean="0"/>
-              <a:t>Sortie :</a:t>
-            </a:r>
-          </a:p>
-          <a:p>
-            <a:pPr marL="285750" indent="-285750">
-              <a:buFont typeface="Wingdings" pitchFamily="2" charset="2"/>
-              <a:buChar char="Ø"/>
-            </a:pPr>
-            <a:r>
-              <a:rPr lang="fr-FR" sz="1600" dirty="0" err="1" smtClean="0"/>
-              <a:t>Ironclad</a:t>
-            </a:r>
-            <a:endParaRPr lang="fr-FR" sz="1600" dirty="0" smtClean="0"/>
-          </a:p>
-          <a:p>
-            <a:pPr marL="285750" indent="-285750">
-              <a:buFont typeface="Wingdings" pitchFamily="2" charset="2"/>
-              <a:buChar char="Ø"/>
-            </a:pPr>
-            <a:r>
-              <a:rPr lang="en-US" sz="1600" dirty="0"/>
-              <a:t>Prince of Persia: The Sands of </a:t>
-            </a:r>
-            <a:r>
-              <a:rPr lang="en-US" sz="1600" dirty="0" smtClean="0"/>
-              <a:t>Time</a:t>
-            </a:r>
-          </a:p>
-          <a:p>
-            <a:pPr marL="285750" indent="-285750">
-              <a:buFont typeface="Wingdings" pitchFamily="2" charset="2"/>
-              <a:buChar char="Ø"/>
-            </a:pPr>
-            <a:r>
-              <a:rPr lang="fr-FR" sz="1600" dirty="0" err="1" smtClean="0"/>
-              <a:t>Krrish</a:t>
-            </a:r>
-            <a:endParaRPr lang="fr-FR" sz="1600" dirty="0" smtClean="0"/>
-          </a:p>
-          <a:p>
-            <a:pPr marL="285750" indent="-285750">
-              <a:buFont typeface="Wingdings" pitchFamily="2" charset="2"/>
-              <a:buChar char="Ø"/>
-            </a:pPr>
-            <a:r>
-              <a:rPr lang="fr-FR" sz="1600" dirty="0"/>
-              <a:t>The </a:t>
-            </a:r>
-            <a:r>
-              <a:rPr lang="fr-FR" sz="1600" dirty="0" err="1"/>
-              <a:t>Three</a:t>
-            </a:r>
-            <a:r>
-              <a:rPr lang="fr-FR" sz="1600" dirty="0"/>
-              <a:t> </a:t>
-            </a:r>
-            <a:r>
-              <a:rPr lang="fr-FR" sz="1600" dirty="0" err="1" smtClean="0"/>
-              <a:t>Musketeers</a:t>
-            </a:r>
-            <a:endParaRPr lang="fr-FR" sz="1600" dirty="0" smtClean="0"/>
-          </a:p>
-          <a:p>
-            <a:pPr marL="285750" indent="-285750">
-              <a:buFont typeface="Wingdings" pitchFamily="2" charset="2"/>
-              <a:buChar char="Ø"/>
-            </a:pPr>
-            <a:r>
-              <a:rPr lang="fr-FR" sz="1600" dirty="0"/>
-              <a:t>The </a:t>
-            </a:r>
-            <a:r>
-              <a:rPr lang="fr-FR" sz="1600" dirty="0" err="1" smtClean="0"/>
-              <a:t>Musketeer</a:t>
-            </a:r>
-            <a:endParaRPr lang="fr-FR" sz="1600" dirty="0"/>
-          </a:p>
-        </p:txBody>
-      </p:sp>
     </p:spTree>
     <p:extLst>
       <p:ext uri="{BB962C8B-B14F-4D97-AF65-F5344CB8AC3E}">
@@ -10375,8 +11376,13 @@
                   <a:srgbClr val="E8750C"/>
                 </a:solidFill>
               </a:rPr>
-              <a:t>inconnus</a:t>
-            </a:r>
+              <a:t>inconnu</a:t>
+            </a:r>
+            <a:endParaRPr lang="fr-FR" sz="2400" dirty="0" smtClean="0">
+              <a:solidFill>
+                <a:srgbClr val="E8750C"/>
+              </a:solidFill>
+            </a:endParaRPr>
           </a:p>
           <a:p>
             <a:pPr lvl="2">
@@ -10392,12 +11398,12 @@
               <a:t>Pas </a:t>
             </a:r>
             <a:r>
-              <a:rPr lang="fr-FR" sz="2000" dirty="0" err="1" smtClean="0">
-                <a:solidFill>
-                  <a:srgbClr val="E8750C"/>
-                </a:solidFill>
-              </a:rPr>
-              <a:t>necessaire</a:t>
+              <a:rPr lang="fr-FR" sz="2000" dirty="0" smtClean="0">
+                <a:solidFill>
+                  <a:srgbClr val="E8750C"/>
+                </a:solidFill>
+              </a:rPr>
+              <a:t>nécessaire</a:t>
             </a:r>
             <a:endParaRPr lang="fr-FR" sz="2000" dirty="0">
               <a:solidFill>
@@ -10416,7 +11422,15 @@
                   <a:srgbClr val="E8750C"/>
                 </a:solidFill>
               </a:rPr>
-              <a:t>Ne retourne pas de </a:t>
+              <a:t>Pas </a:t>
+            </a:r>
+            <a:r>
+              <a:rPr lang="fr-FR" sz="2400" dirty="0" smtClean="0">
+                <a:solidFill>
+                  <a:srgbClr val="E8750C"/>
+                </a:solidFill>
+              </a:rPr>
+              <a:t>de </a:t>
             </a:r>
             <a:r>
               <a:rPr lang="fr-FR" sz="2400" dirty="0">
@@ -10448,6 +11462,11 @@
               </a:rPr>
               <a:t>impossible</a:t>
             </a:r>
+            <a:endParaRPr lang="fr-FR" sz="2000" dirty="0" smtClean="0">
+              <a:solidFill>
+                <a:srgbClr val="E8750C"/>
+              </a:solidFill>
+            </a:endParaRPr>
           </a:p>
           <a:p>
             <a:pPr lvl="1">
@@ -10460,7 +11479,23 @@
                   <a:srgbClr val="E8750C"/>
                 </a:solidFill>
               </a:rPr>
-              <a:t>Contenu des cluster variable</a:t>
+              <a:t>Contenu des </a:t>
+            </a:r>
+            <a:r>
+              <a:rPr lang="fr-FR" sz="2400" dirty="0" smtClean="0">
+                <a:solidFill>
+                  <a:srgbClr val="E8750C"/>
+                </a:solidFill>
+              </a:rPr>
+              <a:t>clusters </a:t>
+            </a:r>
+            <a:r>
+              <a:rPr lang="fr-FR" sz="2400" dirty="0" smtClean="0">
+                <a:solidFill>
+                  <a:srgbClr val="E8750C"/>
+                </a:solidFill>
+              </a:rPr>
+              <a:t>variable</a:t>
             </a:r>
             <a:endParaRPr lang="fr-FR" sz="2400" dirty="0">
               <a:solidFill>
@@ -10473,23 +11508,23 @@
               <a:buFont typeface="Wingdings" pitchFamily="2" charset="2"/>
               <a:buChar char="Ø"/>
             </a:pPr>
+            <a:endParaRPr lang="fr-FR" sz="2400" dirty="0" smtClean="0">
+              <a:solidFill>
+                <a:srgbClr val="E8750C"/>
+              </a:solidFill>
+            </a:endParaRPr>
+          </a:p>
+          <a:p>
+            <a:pPr lvl="1">
+              <a:buFont typeface="Wingdings" pitchFamily="2" charset="2"/>
+              <a:buChar char="Ø"/>
+            </a:pPr>
             <a:endParaRPr lang="fr-FR" dirty="0" smtClean="0">
               <a:solidFill>
                 <a:srgbClr val="E8750C"/>
               </a:solidFill>
             </a:endParaRPr>
           </a:p>
-          <a:p>
-            <a:pPr lvl="1">
-              <a:buFont typeface="Wingdings" pitchFamily="2" charset="2"/>
-              <a:buChar char="Ø"/>
-            </a:pPr>
-            <a:endParaRPr lang="fr-FR" dirty="0" smtClean="0">
-              <a:solidFill>
-                <a:srgbClr val="E8750C"/>
-              </a:solidFill>
-            </a:endParaRPr>
-          </a:p>
         </p:txBody>
       </p:sp>
       <p:sp>
@@ -10509,7 +11544,7 @@
           <a:p>
             <a:fld id="{30547005-2CCE-4AAF-810C-C33FB4661996}" type="datetime1">
               <a:rPr lang="fr-FR" smtClean="0"/>
-              <a:t>19/11/2017</a:t>
+              <a:t>26/11/2017</a:t>
             </a:fld>
             <a:endParaRPr lang="fr-FR"/>
           </a:p>
@@ -10575,6 +11610,7 @@
               <a:rPr lang="fr-FR" sz="1600" dirty="0" smtClean="0"/>
               <a:t>Cluster #6</a:t>
             </a:r>
+            <a:endParaRPr lang="fr-FR" sz="1600" dirty="0" smtClean="0"/>
           </a:p>
           <a:p>
             <a:r>
@@ -10588,10 +11624,9 @@
               <a:buChar char="Ø"/>
             </a:pPr>
             <a:r>
-              <a:rPr lang="en-US" sz="1600" dirty="0"/>
+              <a:rPr lang="en-US" sz="1600" dirty="0" smtClean="0"/>
               <a:t>Terminator 3: Rise of the Machines  </a:t>
             </a:r>
-            <a:endParaRPr lang="en-US" sz="1600" dirty="0" smtClean="0"/>
           </a:p>
           <a:p>
             <a:pPr marL="285750" indent="-285750">
@@ -10600,13 +11635,8 @@
             </a:pPr>
             <a:r>
               <a:rPr lang="en-US" sz="1600" dirty="0" smtClean="0"/>
-              <a:t>The </a:t>
-            </a:r>
-            <a:r>
-              <a:rPr lang="en-US" sz="1600" dirty="0"/>
-              <a:t>Matrix Reloaded  </a:t>
-            </a:r>
-            <a:endParaRPr lang="en-US" sz="1600" dirty="0" smtClean="0"/>
+              <a:t>The Matrix Reloaded  </a:t>
+            </a:r>
           </a:p>
           <a:p>
             <a:pPr marL="285750" indent="-285750">
@@ -10615,13 +11645,8 @@
             </a:pPr>
             <a:r>
               <a:rPr lang="en-US" sz="1600" dirty="0" smtClean="0"/>
-              <a:t>Hulk</a:t>
-            </a:r>
-            <a:r>
-              <a:rPr lang="en-US" sz="1600" dirty="0"/>
-              <a:t>  </a:t>
-            </a:r>
-            <a:endParaRPr lang="en-US" sz="1600" dirty="0" smtClean="0"/>
+              <a:t>Hulk  </a:t>
+            </a:r>
           </a:p>
           <a:p>
             <a:pPr marL="285750" indent="-285750">
@@ -10640,15 +11665,7 @@
             </a:pPr>
             <a:r>
               <a:rPr lang="en-US" sz="1600" dirty="0" smtClean="0"/>
-              <a:t>Terminator </a:t>
-            </a:r>
-            <a:r>
-              <a:rPr lang="en-US" sz="1600" dirty="0"/>
-              <a:t>2: Judgment </a:t>
-            </a:r>
-            <a:r>
-              <a:rPr lang="en-US" sz="1600" dirty="0" smtClean="0"/>
-              <a:t>Day</a:t>
+              <a:t>Terminator 2: Judgment Day</a:t>
             </a:r>
           </a:p>
           <a:p>
@@ -10661,10 +11678,9 @@
               <a:t>Dredd</a:t>
             </a:r>
             <a:r>
-              <a:rPr lang="en-US" sz="1600" dirty="0"/>
+              <a:rPr lang="en-US" sz="1600" dirty="0" smtClean="0"/>
               <a:t>  </a:t>
             </a:r>
-            <a:endParaRPr lang="en-US" sz="1600" dirty="0" smtClean="0"/>
           </a:p>
           <a:p>
             <a:pPr marL="285750" indent="-285750">
@@ -10673,15 +11689,7 @@
             </a:pPr>
             <a:r>
               <a:rPr lang="en-US" sz="1600" dirty="0" smtClean="0"/>
-              <a:t>Battle </a:t>
-            </a:r>
-            <a:r>
-              <a:rPr lang="en-US" sz="1600" dirty="0"/>
-              <a:t>Los </a:t>
-            </a:r>
-            <a:r>
-              <a:rPr lang="en-US" sz="1600" dirty="0" smtClean="0"/>
-              <a:t>Angeles</a:t>
+              <a:t>Battle Los Angeles</a:t>
             </a:r>
           </a:p>
           <a:p>
@@ -10695,13 +11703,8 @@
             </a:r>
             <a:r>
               <a:rPr lang="en-US" sz="1600" dirty="0" smtClean="0"/>
-              <a:t> </a:t>
-            </a:r>
-            <a:r>
-              <a:rPr lang="en-US" sz="1600" dirty="0"/>
-              <a:t>Flux </a:t>
-            </a:r>
-            <a:endParaRPr lang="en-US" sz="1600" dirty="0" smtClean="0"/>
+              <a:t> Flux </a:t>
+            </a:r>
           </a:p>
           <a:p>
             <a:pPr marL="285750" indent="-285750">
@@ -10710,13 +11713,8 @@
             </a:pPr>
             <a:r>
               <a:rPr lang="en-US" sz="1600" dirty="0" smtClean="0"/>
-              <a:t>Universal </a:t>
-            </a:r>
-            <a:r>
-              <a:rPr lang="en-US" sz="1600" dirty="0"/>
-              <a:t>Soldier: The Return </a:t>
-            </a:r>
-            <a:endParaRPr lang="en-US" sz="1600" dirty="0" smtClean="0"/>
+              <a:t>Universal Soldier: The Return </a:t>
+            </a:r>
           </a:p>
           <a:p>
             <a:pPr marL="285750" indent="-285750">
@@ -10725,13 +11723,8 @@
             </a:pPr>
             <a:r>
               <a:rPr lang="en-US" sz="1600" dirty="0" smtClean="0"/>
-              <a:t>The </a:t>
-            </a:r>
-            <a:r>
-              <a:rPr lang="en-US" sz="1600" dirty="0"/>
-              <a:t>Black Hole </a:t>
-            </a:r>
-            <a:endParaRPr lang="en-US" sz="1600" dirty="0" smtClean="0"/>
+              <a:t>The Black Hole </a:t>
+            </a:r>
           </a:p>
           <a:p>
             <a:pPr marL="285750" indent="-285750">
@@ -10743,10 +11736,9 @@
               <a:t>Megaforce</a:t>
             </a:r>
             <a:r>
-              <a:rPr lang="en-US" sz="1600" dirty="0"/>
+              <a:rPr lang="en-US" sz="1600" dirty="0" smtClean="0"/>
               <a:t>  </a:t>
             </a:r>
-            <a:endParaRPr lang="en-US" sz="1600" dirty="0" smtClean="0"/>
           </a:p>
           <a:p>
             <a:pPr marL="285750" indent="-285750">
@@ -10755,13 +11747,8 @@
             </a:pPr>
             <a:r>
               <a:rPr lang="en-US" sz="1600" dirty="0" smtClean="0"/>
-              <a:t>The </a:t>
-            </a:r>
-            <a:r>
-              <a:rPr lang="en-US" sz="1600" dirty="0"/>
-              <a:t>Terminator  </a:t>
-            </a:r>
-            <a:endParaRPr lang="en-US" sz="1600" dirty="0" smtClean="0"/>
+              <a:t>The Terminator  </a:t>
+            </a:r>
           </a:p>
           <a:p>
             <a:pPr marL="285750" indent="-285750">
@@ -10770,15 +11757,17 @@
             </a:pPr>
             <a:r>
               <a:rPr lang="en-US" sz="1600" dirty="0" smtClean="0"/>
-              <a:t>Escape </a:t>
-            </a:r>
-            <a:r>
-              <a:rPr lang="en-US" sz="1600" dirty="0"/>
-              <a:t>from New </a:t>
-            </a:r>
+              <a:t>Escape from New York</a:t>
+            </a:r>
+          </a:p>
+          <a:p>
+            <a:pPr marL="285750" indent="-285750">
+              <a:buFont typeface="Wingdings" pitchFamily="2" charset="2"/>
+              <a:buChar char="Ø"/>
+            </a:pPr>
             <a:r>
               <a:rPr lang="en-US" sz="1600" dirty="0" smtClean="0"/>
-              <a:t>York</a:t>
+              <a:t>Escape from the Planet of the Apes </a:t>
             </a:r>
           </a:p>
           <a:p>
@@ -10788,13 +11777,8 @@
             </a:pPr>
             <a:r>
               <a:rPr lang="en-US" sz="1600" dirty="0" smtClean="0"/>
-              <a:t>Escape </a:t>
-            </a:r>
-            <a:r>
-              <a:rPr lang="en-US" sz="1600" dirty="0"/>
-              <a:t>from the Planet of the Apes </a:t>
-            </a:r>
-            <a:endParaRPr lang="en-US" sz="1600" dirty="0" smtClean="0"/>
+              <a:t>Battle for the Planet of the Apes</a:t>
+            </a:r>
           </a:p>
           <a:p>
             <a:pPr marL="285750" indent="-285750">
@@ -10803,34 +11787,53 @@
             </a:pPr>
             <a:r>
               <a:rPr lang="en-US" sz="1600" dirty="0" smtClean="0"/>
-              <a:t>Battle </a:t>
-            </a:r>
-            <a:r>
-              <a:rPr lang="en-US" sz="1600" dirty="0"/>
-              <a:t>for the Planet of the </a:t>
-            </a:r>
-            <a:r>
-              <a:rPr lang="en-US" sz="1600" dirty="0" smtClean="0"/>
-              <a:t>Apes</a:t>
-            </a:r>
-          </a:p>
-          <a:p>
-            <a:pPr marL="285750" indent="-285750">
-              <a:buFont typeface="Wingdings" pitchFamily="2" charset="2"/>
-              <a:buChar char="Ø"/>
-            </a:pPr>
-            <a:r>
-              <a:rPr lang="en-US" sz="1600" dirty="0" smtClean="0"/>
-              <a:t>Conquest </a:t>
-            </a:r>
-            <a:r>
-              <a:rPr lang="en-US" sz="1600" dirty="0"/>
-              <a:t>of the Planet of the Apes </a:t>
+              <a:t>Conquest of the Planet of the Apes </a:t>
             </a:r>
             <a:endParaRPr lang="fr-FR" sz="1600" dirty="0"/>
           </a:p>
         </p:txBody>
       </p:sp>
+      <p:pic>
+        <p:nvPicPr>
+          <p:cNvPr id="2054" name="Picture 6" descr="https://user.oc-static.com/upload/2017/05/12/14946052965492_P3C5-5.png"/>
+          <p:cNvPicPr>
+            <a:picLocks noChangeAspect="1" noChangeArrowheads="1"/>
+          </p:cNvPicPr>
+          <p:nvPr/>
+        </p:nvPicPr>
+        <p:blipFill>
+          <a:blip r:embed="rId2">
+            <a:extLst>
+              <a:ext uri="{28A0092B-C50C-407E-A947-70E740481C1C}">
+                <a14:useLocalDpi xmlns:a14="http://schemas.microsoft.com/office/drawing/2010/main" val="0"/>
+              </a:ext>
+            </a:extLst>
+          </a:blip>
+          <a:srcRect/>
+          <a:stretch>
+            <a:fillRect/>
+          </a:stretch>
+        </p:blipFill>
+        <p:spPr bwMode="auto">
+          <a:xfrm>
+            <a:off x="1835696" y="4653136"/>
+            <a:ext cx="1819275" cy="2066925"/>
+          </a:xfrm>
+          <a:prstGeom prst="rect">
+            <a:avLst/>
+          </a:prstGeom>
+          <a:noFill/>
+          <a:extLst>
+            <a:ext uri="{909E8E84-426E-40DD-AFC4-6F175D3DCCD1}">
+              <a14:hiddenFill xmlns:a14="http://schemas.microsoft.com/office/drawing/2010/main">
+                <a:solidFill>
+                  <a:srgbClr val="FFFFFF"/>
+                </a:solidFill>
+              </a14:hiddenFill>
+            </a:ext>
+          </a:extLst>
+        </p:spPr>
+      </p:pic>
     </p:spTree>
     <p:extLst>
       <p:ext uri="{BB962C8B-B14F-4D97-AF65-F5344CB8AC3E}">

--- a/P3/Presentation-projet_3.pptx
+++ b/P3/Presentation-projet_3.pptx
@@ -211,7 +211,7 @@
           <a:p>
             <a:fld id="{E66492E5-39EF-4EC5-9E99-7F0DBC26806B}" type="datetimeFigureOut">
               <a:rPr lang="fr-FR" smtClean="0"/>
-              <a:t>26/11/2017</a:t>
+              <a:t>28/11/2017</a:t>
             </a:fld>
             <a:endParaRPr lang="fr-FR"/>
           </a:p>
@@ -744,7 +744,7 @@
           <a:p>
             <a:fld id="{2A35F02A-33DF-42A4-9F54-2DFA5B84052E}" type="datetime1">
               <a:rPr lang="fr-FR" smtClean="0"/>
-              <a:t>26/11/2017</a:t>
+              <a:t>28/11/2017</a:t>
             </a:fld>
             <a:endParaRPr lang="fr-FR"/>
           </a:p>
@@ -918,7 +918,7 @@
           <a:p>
             <a:fld id="{AA7084F6-C923-4306-BC74-6AA1A26D5992}" type="datetime1">
               <a:rPr lang="fr-FR" smtClean="0"/>
-              <a:t>26/11/2017</a:t>
+              <a:t>28/11/2017</a:t>
             </a:fld>
             <a:endParaRPr lang="fr-FR"/>
           </a:p>
@@ -1102,7 +1102,7 @@
           <a:p>
             <a:fld id="{6B9DA1C8-56AA-40E0-92DC-CCF13B41CFF7}" type="datetime1">
               <a:rPr lang="fr-FR" smtClean="0"/>
-              <a:t>26/11/2017</a:t>
+              <a:t>28/11/2017</a:t>
             </a:fld>
             <a:endParaRPr lang="fr-FR"/>
           </a:p>
@@ -1276,7 +1276,7 @@
           <a:p>
             <a:fld id="{30547005-2CCE-4AAF-810C-C33FB4661996}" type="datetime1">
               <a:rPr lang="fr-FR" smtClean="0"/>
-              <a:t>26/11/2017</a:t>
+              <a:t>28/11/2017</a:t>
             </a:fld>
             <a:endParaRPr lang="fr-FR"/>
           </a:p>
@@ -1526,7 +1526,7 @@
           <a:p>
             <a:fld id="{3EBD0647-CE4F-4B82-BC14-997434234D2E}" type="datetime1">
               <a:rPr lang="fr-FR" smtClean="0"/>
-              <a:t>26/11/2017</a:t>
+              <a:t>28/11/2017</a:t>
             </a:fld>
             <a:endParaRPr lang="fr-FR"/>
           </a:p>
@@ -1818,7 +1818,7 @@
           <a:p>
             <a:fld id="{263CA1C6-1D15-44B1-8495-DE2EC5425D2F}" type="datetime1">
               <a:rPr lang="fr-FR" smtClean="0"/>
-              <a:t>26/11/2017</a:t>
+              <a:t>28/11/2017</a:t>
             </a:fld>
             <a:endParaRPr lang="fr-FR"/>
           </a:p>
@@ -2244,7 +2244,7 @@
           <a:p>
             <a:fld id="{5F86B07A-1301-4558-A6E0-D7A436826ECB}" type="datetime1">
               <a:rPr lang="fr-FR" smtClean="0"/>
-              <a:t>26/11/2017</a:t>
+              <a:t>28/11/2017</a:t>
             </a:fld>
             <a:endParaRPr lang="fr-FR"/>
           </a:p>
@@ -2366,7 +2366,7 @@
           <a:p>
             <a:fld id="{10CD6315-9A1E-41E9-BC28-33D394163B67}" type="datetime1">
               <a:rPr lang="fr-FR" smtClean="0"/>
-              <a:t>26/11/2017</a:t>
+              <a:t>28/11/2017</a:t>
             </a:fld>
             <a:endParaRPr lang="fr-FR"/>
           </a:p>
@@ -2465,7 +2465,7 @@
           <a:p>
             <a:fld id="{8EA7A85C-1960-4CA0-B72B-A39E81C20158}" type="datetime1">
               <a:rPr lang="fr-FR" smtClean="0"/>
-              <a:t>26/11/2017</a:t>
+              <a:t>28/11/2017</a:t>
             </a:fld>
             <a:endParaRPr lang="fr-FR"/>
           </a:p>
@@ -2746,7 +2746,7 @@
           <a:p>
             <a:fld id="{885A14C0-C539-4FC5-A6ED-ABABD975303B}" type="datetime1">
               <a:rPr lang="fr-FR" smtClean="0"/>
-              <a:t>26/11/2017</a:t>
+              <a:t>28/11/2017</a:t>
             </a:fld>
             <a:endParaRPr lang="fr-FR"/>
           </a:p>
@@ -3003,7 +3003,7 @@
           <a:p>
             <a:fld id="{D772F3C9-8121-4DF6-9420-FBC4A08EF57A}" type="datetime1">
               <a:rPr lang="fr-FR" smtClean="0"/>
-              <a:t>26/11/2017</a:t>
+              <a:t>28/11/2017</a:t>
             </a:fld>
             <a:endParaRPr lang="fr-FR"/>
           </a:p>
@@ -3241,7 +3241,7 @@
           <a:p>
             <a:fld id="{C13329EF-B01B-4D4B-83A1-AFBB7696C373}" type="datetime1">
               <a:rPr lang="fr-FR" smtClean="0"/>
-              <a:t>26/11/2017</a:t>
+              <a:t>28/11/2017</a:t>
             </a:fld>
             <a:endParaRPr lang="fr-FR"/>
           </a:p>
@@ -3700,12 +3700,20 @@
           </a:p>
           <a:p>
             <a:r>
+              <a:rPr lang="fr-FR" dirty="0" smtClean="0">
+                <a:solidFill>
+                  <a:srgbClr val="E8750C"/>
+                </a:solidFill>
+              </a:rPr>
+              <a:t>Développer </a:t>
+            </a:r>
+            <a:r>
               <a:rPr lang="fr-FR" dirty="0">
                 <a:solidFill>
                   <a:srgbClr val="E8750C"/>
                 </a:solidFill>
               </a:rPr>
-              <a:t>Développez un moteur de recommandations de films</a:t>
+              <a:t>un moteur de recommandations de films</a:t>
             </a:r>
           </a:p>
         </p:txBody>
@@ -3731,7 +3739,7 @@
                   <a:srgbClr val="95023C"/>
                 </a:solidFill>
               </a:rPr>
-              <a:t>26/11/2017</a:t>
+              <a:t>28/11/2017</a:t>
             </a:fld>
             <a:endParaRPr lang="fr-FR" dirty="0">
               <a:solidFill>
@@ -4187,7 +4195,7 @@
           <a:p>
             <a:fld id="{30547005-2CCE-4AAF-810C-C33FB4661996}" type="datetime1">
               <a:rPr lang="fr-FR" smtClean="0"/>
-              <a:t>26/11/2017</a:t>
+              <a:t>28/11/2017</a:t>
             </a:fld>
             <a:endParaRPr lang="fr-FR"/>
           </a:p>
@@ -4257,20 +4265,11 @@
               <a:rPr lang="fr-FR" sz="1600" dirty="0" smtClean="0"/>
               <a:t> 3</a:t>
             </a:r>
-            <a:endParaRPr lang="fr-FR" sz="1600" dirty="0" smtClean="0"/>
           </a:p>
           <a:p>
             <a:r>
               <a:rPr lang="fr-FR" sz="1600" b="1" dirty="0" smtClean="0"/>
-              <a:t>Sortie </a:t>
-            </a:r>
-            <a:r>
-              <a:rPr lang="fr-FR" sz="1600" b="1" dirty="0" smtClean="0"/>
-              <a:t> </a:t>
-            </a:r>
-            <a:r>
-              <a:rPr lang="fr-FR" sz="1600" b="1" dirty="0" smtClean="0"/>
-              <a:t>:</a:t>
+              <a:t>Sortie  :</a:t>
             </a:r>
           </a:p>
           <a:p>
@@ -4520,11 +4519,6 @@
               </a:rPr>
               <a:t>Pas de clusters</a:t>
             </a:r>
-            <a:endParaRPr lang="fr-FR" sz="2400" dirty="0" smtClean="0">
-              <a:solidFill>
-                <a:srgbClr val="E8750C"/>
-              </a:solidFill>
-            </a:endParaRPr>
           </a:p>
           <a:p>
             <a:pPr lvl="1">
@@ -4597,7 +4591,7 @@
           <a:p>
             <a:fld id="{30547005-2CCE-4AAF-810C-C33FB4661996}" type="datetime1">
               <a:rPr lang="fr-FR" smtClean="0"/>
-              <a:t>26/11/2017</a:t>
+              <a:t>28/11/2017</a:t>
             </a:fld>
             <a:endParaRPr lang="fr-FR"/>
           </a:p>
@@ -5065,15 +5059,7 @@
                   <a:srgbClr val="E8750C"/>
                 </a:solidFill>
               </a:rPr>
-              <a:t>Recommander </a:t>
-            </a:r>
-            <a:r>
-              <a:rPr lang="fr-FR" sz="2000" dirty="0" smtClean="0">
-                <a:solidFill>
-                  <a:srgbClr val="E8750C"/>
-                </a:solidFill>
-              </a:rPr>
-              <a:t>possible</a:t>
+              <a:t>Recommander possible</a:t>
             </a:r>
           </a:p>
           <a:p>
@@ -5125,7 +5111,7 @@
           <a:p>
             <a:fld id="{30547005-2CCE-4AAF-810C-C33FB4661996}" type="datetime1">
               <a:rPr lang="fr-FR" smtClean="0"/>
-              <a:t>26/11/2017</a:t>
+              <a:t>28/11/2017</a:t>
             </a:fld>
             <a:endParaRPr lang="fr-FR"/>
           </a:p>
@@ -5598,7 +5584,7 @@
           <a:p>
             <a:fld id="{30547005-2CCE-4AAF-810C-C33FB4661996}" type="datetime1">
               <a:rPr lang="fr-FR" smtClean="0"/>
-              <a:t>26/11/2017</a:t>
+              <a:t>28/11/2017</a:t>
             </a:fld>
             <a:endParaRPr lang="fr-FR"/>
           </a:p>
@@ -6039,15 +6025,7 @@
                   <a:srgbClr val="E8750C"/>
                 </a:solidFill>
               </a:rPr>
-              <a:t>Recommander </a:t>
-            </a:r>
-            <a:r>
-              <a:rPr lang="fr-FR" sz="2000" dirty="0" smtClean="0">
-                <a:solidFill>
-                  <a:srgbClr val="E8750C"/>
-                </a:solidFill>
-              </a:rPr>
-              <a:t>possible</a:t>
+              <a:t>Recommander possible</a:t>
             </a:r>
           </a:p>
           <a:p>
@@ -6061,21 +6039,8 @@
                   <a:srgbClr val="E8750C"/>
                 </a:solidFill>
               </a:rPr>
-              <a:t>Nécessite haute </a:t>
-            </a:r>
-            <a:r>
-              <a:rPr lang="fr-FR" sz="2400" dirty="0" smtClean="0">
-                <a:solidFill>
-                  <a:srgbClr val="E8750C"/>
-                </a:solidFill>
-              </a:rPr>
-              <a:t>dimension</a:t>
-            </a:r>
-            <a:endParaRPr lang="fr-FR" sz="2400" dirty="0" smtClean="0">
-              <a:solidFill>
-                <a:srgbClr val="E8750C"/>
-              </a:solidFill>
-            </a:endParaRPr>
+              <a:t>Nécessite haute dimension</a:t>
+            </a:r>
           </a:p>
           <a:p>
             <a:pPr lvl="2">
@@ -6148,7 +6113,7 @@
           <a:p>
             <a:fld id="{30547005-2CCE-4AAF-810C-C33FB4661996}" type="datetime1">
               <a:rPr lang="fr-FR" smtClean="0"/>
-              <a:t>26/11/2017</a:t>
+              <a:t>28/11/2017</a:t>
             </a:fld>
             <a:endParaRPr lang="fr-FR"/>
           </a:p>
@@ -6657,7 +6622,7 @@
           <a:p>
             <a:fld id="{30547005-2CCE-4AAF-810C-C33FB4661996}" type="datetime1">
               <a:rPr lang="fr-FR" smtClean="0"/>
-              <a:t>26/11/2017</a:t>
+              <a:t>28/11/2017</a:t>
             </a:fld>
             <a:endParaRPr lang="fr-FR"/>
           </a:p>
@@ -7085,42 +7050,21 @@
                   <a:srgbClr val="E8750C"/>
                 </a:solidFill>
               </a:rPr>
-              <a:t>Modèle choisi :</a:t>
-            </a:r>
+              <a:t>Modèle choisi :TSNE &amp; Modèle Simple</a:t>
+            </a:r>
+          </a:p>
+          <a:p>
+            <a:pPr lvl="1">
+              <a:buFont typeface="Wingdings" pitchFamily="2" charset="2"/>
+              <a:buChar char="Ø"/>
+            </a:pPr>
             <a:r>
               <a:rPr lang="fr-FR" dirty="0" smtClean="0">
                 <a:solidFill>
                   <a:srgbClr val="E8750C"/>
                 </a:solidFill>
               </a:rPr>
-              <a:t>TSNE &amp; Modèle Simple</a:t>
-            </a:r>
-            <a:endParaRPr lang="fr-FR" dirty="0" smtClean="0">
-              <a:solidFill>
-                <a:srgbClr val="E8750C"/>
-              </a:solidFill>
-            </a:endParaRPr>
-          </a:p>
-          <a:p>
-            <a:pPr lvl="1">
-              <a:buFont typeface="Wingdings" pitchFamily="2" charset="2"/>
-              <a:buChar char="Ø"/>
-            </a:pPr>
-            <a:r>
-              <a:rPr lang="fr-FR" dirty="0" smtClean="0">
-                <a:solidFill>
-                  <a:srgbClr val="E8750C"/>
-                </a:solidFill>
-              </a:rPr>
-              <a:t>Optimisation du TSNE </a:t>
-            </a:r>
-            <a:r>
-              <a:rPr lang="fr-FR" dirty="0" smtClean="0">
-                <a:solidFill>
-                  <a:srgbClr val="E8750C"/>
-                </a:solidFill>
-              </a:rPr>
-              <a:t>basé sur </a:t>
+              <a:t>Optimisation du TSNE basé sur </a:t>
             </a:r>
             <a:r>
               <a:rPr lang="fr-FR" dirty="0" err="1" smtClean="0">
@@ -7177,15 +7121,7 @@
                   <a:srgbClr val="E8750C"/>
                 </a:solidFill>
               </a:rPr>
-              <a:t>Récupération des n-pts les plus </a:t>
-            </a:r>
-            <a:r>
-              <a:rPr lang="fr-FR" dirty="0" smtClean="0">
-                <a:solidFill>
-                  <a:srgbClr val="E8750C"/>
-                </a:solidFill>
-              </a:rPr>
-              <a:t>proche</a:t>
+              <a:t>Récupération des n-pts les plus proche</a:t>
             </a:r>
           </a:p>
         </p:txBody>
@@ -7207,7 +7143,7 @@
           <a:p>
             <a:fld id="{30547005-2CCE-4AAF-810C-C33FB4661996}" type="datetime1">
               <a:rPr lang="fr-FR" smtClean="0"/>
-              <a:t>26/11/2017</a:t>
+              <a:t>28/11/2017</a:t>
             </a:fld>
             <a:endParaRPr lang="fr-FR"/>
           </a:p>
@@ -7488,7 +7424,7 @@
                   <a:srgbClr val="E8750C"/>
                 </a:solidFill>
               </a:rPr>
-              <a:t> les </a:t>
+              <a:t> les champs principaux </a:t>
             </a:r>
             <a:r>
               <a:rPr lang="fr-FR" dirty="0" smtClean="0">
@@ -7496,7 +7432,7 @@
                   <a:srgbClr val="E8750C"/>
                 </a:solidFill>
               </a:rPr>
-              <a:t>champs </a:t>
+              <a:t>basés </a:t>
             </a:r>
             <a:r>
               <a:rPr lang="fr-FR" dirty="0" smtClean="0">
@@ -7504,7 +7440,7 @@
                   <a:srgbClr val="E8750C"/>
                 </a:solidFill>
               </a:rPr>
-              <a:t>principaux basé sur la distance euclidienne</a:t>
+              <a:t>sur la distance euclidienne</a:t>
             </a:r>
           </a:p>
           <a:p>
@@ -7545,7 +7481,7 @@
           <a:p>
             <a:fld id="{30547005-2CCE-4AAF-810C-C33FB4661996}" type="datetime1">
               <a:rPr lang="fr-FR" smtClean="0"/>
-              <a:t>26/11/2017</a:t>
+              <a:t>28/11/2017</a:t>
             </a:fld>
             <a:endParaRPr lang="fr-FR"/>
           </a:p>
@@ -7786,7 +7722,7 @@
           <a:p>
             <a:fld id="{30547005-2CCE-4AAF-810C-C33FB4661996}" type="datetime1">
               <a:rPr lang="fr-FR" smtClean="0"/>
-              <a:t>26/11/2017</a:t>
+              <a:t>28/11/2017</a:t>
             </a:fld>
             <a:endParaRPr lang="fr-FR"/>
           </a:p>
@@ -7910,7 +7846,23 @@
                   <a:srgbClr val="E8750C"/>
                 </a:solidFill>
               </a:rPr>
-              <a:t>Peu de critère initiaux</a:t>
+              <a:t>Peu de </a:t>
+            </a:r>
+            <a:r>
+              <a:rPr lang="fr-FR" dirty="0" smtClean="0">
+                <a:solidFill>
+                  <a:srgbClr val="E8750C"/>
+                </a:solidFill>
+              </a:rPr>
+              <a:t>critères </a:t>
+            </a:r>
+            <a:r>
+              <a:rPr lang="fr-FR" dirty="0" smtClean="0">
+                <a:solidFill>
+                  <a:srgbClr val="E8750C"/>
+                </a:solidFill>
+              </a:rPr>
+              <a:t>initiaux</a:t>
             </a:r>
           </a:p>
           <a:p>
@@ -7951,7 +7903,15 @@
                   <a:srgbClr val="E8750C"/>
                 </a:solidFill>
               </a:rPr>
-              <a:t>Modèles difficile </a:t>
+              <a:t>Modèles </a:t>
+            </a:r>
+            <a:r>
+              <a:rPr lang="fr-FR" dirty="0" smtClean="0">
+                <a:solidFill>
+                  <a:srgbClr val="E8750C"/>
+                </a:solidFill>
+              </a:rPr>
+              <a:t>difficiles </a:t>
             </a:r>
             <a:r>
               <a:rPr lang="fr-FR" dirty="0">
@@ -7967,15 +7927,21 @@
                   <a:srgbClr val="E8750C"/>
                 </a:solidFill>
               </a:rPr>
-              <a:t> </a:t>
-            </a:r>
+              <a:t> évaluer </a:t>
+            </a:r>
+          </a:p>
+          <a:p>
+            <a:pPr lvl="1">
+              <a:buFont typeface="Wingdings" pitchFamily="2" charset="2"/>
+              <a:buChar char="Ø"/>
+            </a:pPr>
             <a:r>
               <a:rPr lang="fr-FR" dirty="0" smtClean="0">
                 <a:solidFill>
                   <a:srgbClr val="E8750C"/>
                 </a:solidFill>
               </a:rPr>
-              <a:t>évaluer </a:t>
+              <a:t>Pas de labels</a:t>
             </a:r>
           </a:p>
           <a:p>
@@ -7989,79 +7955,15 @@
                   <a:srgbClr val="E8750C"/>
                 </a:solidFill>
               </a:rPr>
-              <a:t>Pas de labels</a:t>
-            </a:r>
-          </a:p>
-          <a:p>
-            <a:pPr lvl="1">
-              <a:buFont typeface="Wingdings" pitchFamily="2" charset="2"/>
-              <a:buChar char="Ø"/>
-            </a:pPr>
+              <a:t>Nombre de clusters </a:t>
+            </a:r>
             <a:r>
               <a:rPr lang="fr-FR" dirty="0" smtClean="0">
                 <a:solidFill>
                   <a:srgbClr val="E8750C"/>
                 </a:solidFill>
               </a:rPr>
-              <a:t>Nombre de clusters inconnus</a:t>
-            </a:r>
-          </a:p>
-          <a:p>
-            <a:pPr>
-              <a:buFont typeface="Wingdings" pitchFamily="2" charset="2"/>
-              <a:buChar char="Ø"/>
-            </a:pPr>
-            <a:r>
-              <a:rPr lang="fr-FR" dirty="0" smtClean="0">
-                <a:solidFill>
-                  <a:srgbClr val="E8750C"/>
-                </a:solidFill>
-              </a:rPr>
-              <a:t>Manifolds fonctionnent mieux que cluster</a:t>
-            </a:r>
-          </a:p>
-          <a:p>
-            <a:pPr lvl="1">
-              <a:buFont typeface="Wingdings" pitchFamily="2" charset="2"/>
-              <a:buChar char="Ø"/>
-            </a:pPr>
-            <a:r>
-              <a:rPr lang="fr-FR" dirty="0" smtClean="0">
-                <a:solidFill>
-                  <a:srgbClr val="E8750C"/>
-                </a:solidFill>
-              </a:rPr>
-              <a:t>Initialisation parfois </a:t>
-            </a:r>
-            <a:r>
-              <a:rPr lang="fr-FR" dirty="0" smtClean="0">
-                <a:solidFill>
-                  <a:srgbClr val="E8750C"/>
-                </a:solidFill>
-              </a:rPr>
-              <a:t>importante</a:t>
-            </a:r>
-          </a:p>
-          <a:p>
-            <a:pPr>
-              <a:buFont typeface="Wingdings" pitchFamily="2" charset="2"/>
-              <a:buChar char="Ø"/>
-            </a:pPr>
-            <a:r>
-              <a:rPr lang="fr-FR" dirty="0" smtClean="0">
-                <a:solidFill>
-                  <a:srgbClr val="E8750C"/>
-                </a:solidFill>
-              </a:rPr>
-              <a:t>Résultat satisfaisant surtout pour </a:t>
-            </a:r>
-            <a:r>
-              <a:rPr lang="fr-FR" dirty="0" smtClean="0">
-                <a:solidFill>
-                  <a:srgbClr val="E8750C"/>
-                </a:solidFill>
-              </a:rPr>
-              <a:t>TSNE et modèle simple</a:t>
+              <a:t>inconnu</a:t>
             </a:r>
             <a:endParaRPr lang="fr-FR" dirty="0" smtClean="0">
               <a:solidFill>
@@ -8070,7 +7972,7 @@
             </a:endParaRPr>
           </a:p>
           <a:p>
-            <a:pPr lvl="1">
+            <a:pPr>
               <a:buFont typeface="Wingdings" pitchFamily="2" charset="2"/>
               <a:buChar char="Ø"/>
             </a:pPr>
@@ -8080,7 +7982,7 @@
                   <a:srgbClr val="E8750C"/>
                 </a:solidFill>
               </a:rPr>
-              <a:t>Les autres ne prédisent même pas les </a:t>
+              <a:t>Manifolds fonctionnent mieux que </a:t>
             </a:r>
             <a:r>
               <a:rPr lang="fr-FR" dirty="0" smtClean="0">
@@ -8088,14 +7990,8 @@
                   <a:srgbClr val="E8750C"/>
                 </a:solidFill>
               </a:rPr>
-              <a:t>suites</a:t>
-            </a:r>
-          </a:p>
-          <a:p>
-            <a:pPr>
-              <a:buFont typeface="Wingdings" pitchFamily="2" charset="2"/>
-              <a:buChar char="Ø"/>
-            </a:pPr>
+              <a:t>Cluster</a:t>
+            </a:r>
             <a:endParaRPr lang="fr-FR" dirty="0" smtClean="0">
               <a:solidFill>
                 <a:srgbClr val="E8750C"/>
@@ -8103,6 +7999,20 @@
             </a:endParaRPr>
           </a:p>
           <a:p>
+            <a:pPr lvl="1">
+              <a:buFont typeface="Wingdings" pitchFamily="2" charset="2"/>
+              <a:buChar char="Ø"/>
+            </a:pPr>
+            <a:r>
+              <a:rPr lang="fr-FR" dirty="0" smtClean="0">
+                <a:solidFill>
+                  <a:srgbClr val="E8750C"/>
+                </a:solidFill>
+              </a:rPr>
+              <a:t>Initialisation parfois importante</a:t>
+            </a:r>
+          </a:p>
+          <a:p>
             <a:pPr>
               <a:buFont typeface="Wingdings" pitchFamily="2" charset="2"/>
               <a:buChar char="Ø"/>
@@ -8113,8 +8023,44 @@
                   <a:srgbClr val="E8750C"/>
                 </a:solidFill>
               </a:rPr>
-              <a:t>Le modèle Simple est le plus pertinent par sa simplicité</a:t>
-            </a:r>
+              <a:t>Résultat satisfaisant surtout pour TSNE et modèle simple</a:t>
+            </a:r>
+          </a:p>
+          <a:p>
+            <a:pPr lvl="1">
+              <a:buFont typeface="Wingdings" pitchFamily="2" charset="2"/>
+              <a:buChar char="Ø"/>
+            </a:pPr>
+            <a:r>
+              <a:rPr lang="fr-FR" dirty="0" smtClean="0">
+                <a:solidFill>
+                  <a:srgbClr val="E8750C"/>
+                </a:solidFill>
+              </a:rPr>
+              <a:t>Les autres ne prédisent </a:t>
+            </a:r>
+            <a:r>
+              <a:rPr lang="fr-FR" dirty="0" smtClean="0">
+                <a:solidFill>
+                  <a:srgbClr val="E8750C"/>
+                </a:solidFill>
+              </a:rPr>
+              <a:t>pas </a:t>
+            </a:r>
+            <a:r>
+              <a:rPr lang="fr-FR" dirty="0" smtClean="0">
+                <a:solidFill>
+                  <a:srgbClr val="E8750C"/>
+                </a:solidFill>
+              </a:rPr>
+              <a:t>les suites</a:t>
+            </a:r>
+          </a:p>
+          <a:p>
+            <a:pPr>
+              <a:buFont typeface="Wingdings" pitchFamily="2" charset="2"/>
+              <a:buChar char="Ø"/>
+            </a:pPr>
             <a:endParaRPr lang="fr-FR" dirty="0" smtClean="0">
               <a:solidFill>
                 <a:srgbClr val="E8750C"/>
@@ -8122,6 +8068,20 @@
             </a:endParaRPr>
           </a:p>
           <a:p>
+            <a:pPr>
+              <a:buFont typeface="Wingdings" pitchFamily="2" charset="2"/>
+              <a:buChar char="Ø"/>
+            </a:pPr>
+            <a:r>
+              <a:rPr lang="fr-FR" dirty="0" smtClean="0">
+                <a:solidFill>
+                  <a:srgbClr val="E8750C"/>
+                </a:solidFill>
+              </a:rPr>
+              <a:t>Le modèle Simple est le plus pertinent par sa simplicité</a:t>
+            </a:r>
+          </a:p>
+          <a:p>
             <a:pPr lvl="1">
               <a:buFont typeface="Wingdings" pitchFamily="2" charset="2"/>
               <a:buChar char="Ø"/>
@@ -8151,7 +8111,7 @@
           <a:p>
             <a:fld id="{30547005-2CCE-4AAF-810C-C33FB4661996}" type="datetime1">
               <a:rPr lang="fr-FR" smtClean="0"/>
-              <a:t>26/11/2017</a:t>
+              <a:t>28/11/2017</a:t>
             </a:fld>
             <a:endParaRPr lang="fr-FR"/>
           </a:p>
@@ -8632,7 +8592,7 @@
           <a:p>
             <a:fld id="{30547005-2CCE-4AAF-810C-C33FB4661996}" type="datetime1">
               <a:rPr lang="fr-FR" smtClean="0"/>
-              <a:t>26/11/2017</a:t>
+              <a:t>28/11/2017</a:t>
             </a:fld>
             <a:endParaRPr lang="fr-FR"/>
           </a:p>
@@ -8766,7 +8726,7 @@
           <a:p>
             <a:fld id="{30547005-2CCE-4AAF-810C-C33FB4661996}" type="datetime1">
               <a:rPr lang="fr-FR" smtClean="0"/>
-              <a:t>26/11/2017</a:t>
+              <a:t>28/11/2017</a:t>
             </a:fld>
             <a:endParaRPr lang="fr-FR"/>
           </a:p>
@@ -8976,29 +8936,15 @@
                   <a:srgbClr val="E8750C"/>
                 </a:solidFill>
               </a:rPr>
-              <a:t> (genre, titre, année de sorties,  ….)</a:t>
-            </a:r>
-          </a:p>
-          <a:p>
-            <a:pPr lvl="1">
-              <a:buFont typeface="Wingdings" pitchFamily="2" charset="2"/>
-              <a:buChar char="Ø"/>
-            </a:pPr>
+              <a:t> (genre, titre, année de sorties,  </a:t>
+            </a:r>
             <a:r>
               <a:rPr lang="fr-FR" dirty="0" smtClean="0">
                 <a:solidFill>
                   <a:srgbClr val="E8750C"/>
                 </a:solidFill>
               </a:rPr>
-              <a:t>Issue de </a:t>
-            </a:r>
-            <a:r>
-              <a:rPr lang="fr-FR" dirty="0" err="1" smtClean="0">
-                <a:solidFill>
-                  <a:srgbClr val="E8750C"/>
-                </a:solidFill>
-              </a:rPr>
-              <a:t>IMDb</a:t>
+              <a:t>…)</a:t>
             </a:r>
             <a:endParaRPr lang="fr-FR" dirty="0" smtClean="0">
               <a:solidFill>
@@ -9012,20 +8958,20 @@
               <a:buChar char="Ø"/>
             </a:pPr>
             <a:r>
-              <a:rPr lang="fr-FR" dirty="0">
-                <a:solidFill>
-                  <a:srgbClr val="E8750C"/>
-                </a:solidFill>
-              </a:rPr>
-              <a:t>2698 </a:t>
-            </a:r>
-            <a:r>
               <a:rPr lang="fr-FR" dirty="0" smtClean="0">
                 <a:solidFill>
                   <a:srgbClr val="E8750C"/>
                 </a:solidFill>
               </a:rPr>
-              <a:t>pts manquants (1,91 %)</a:t>
+              <a:t>Issue de </a:t>
+            </a:r>
+            <a:r>
+              <a:rPr lang="fr-FR" dirty="0" err="1" smtClean="0">
+                <a:solidFill>
+                  <a:srgbClr val="E8750C"/>
+                </a:solidFill>
+              </a:rPr>
+              <a:t>IMDb</a:t>
             </a:r>
             <a:endParaRPr lang="fr-FR" dirty="0" smtClean="0">
               <a:solidFill>
@@ -9034,6 +8980,28 @@
             </a:endParaRPr>
           </a:p>
           <a:p>
+            <a:pPr lvl="1">
+              <a:buFont typeface="Wingdings" pitchFamily="2" charset="2"/>
+              <a:buChar char="Ø"/>
+            </a:pPr>
+            <a:r>
+              <a:rPr lang="fr-FR" dirty="0">
+                <a:solidFill>
+                  <a:srgbClr val="E8750C"/>
+                </a:solidFill>
+              </a:rPr>
+              <a:t>2698 </a:t>
+            </a:r>
+            <a:r>
+              <a:rPr lang="fr-FR" dirty="0" smtClean="0">
+                <a:solidFill>
+                  <a:srgbClr val="E8750C"/>
+                </a:solidFill>
+              </a:rPr>
+              <a:t>pts manquants (1,91 %)</a:t>
+            </a:r>
+          </a:p>
+          <a:p>
             <a:pPr>
               <a:buFont typeface="Wingdings" pitchFamily="2" charset="2"/>
               <a:buChar char="Ø"/>
@@ -9069,80 +9037,51 @@
                   <a:srgbClr val="E8750C"/>
                 </a:solidFill>
               </a:rPr>
-              <a:t>Faire un moteur de recommandation de films </a:t>
-            </a:r>
+              <a:t>Faire un moteur de recommandation de films par similarité</a:t>
+            </a:r>
+          </a:p>
+          <a:p>
+            <a:pPr lvl="2">
+              <a:buFont typeface="Wingdings" pitchFamily="2" charset="2"/>
+              <a:buChar char="Ø"/>
+            </a:pPr>
             <a:r>
               <a:rPr lang="fr-FR" dirty="0" smtClean="0">
                 <a:solidFill>
                   <a:srgbClr val="E8750C"/>
                 </a:solidFill>
               </a:rPr>
-              <a:t>par similarité</a:t>
-            </a:r>
-            <a:endParaRPr lang="fr-FR" dirty="0" smtClean="0">
-              <a:solidFill>
-                <a:srgbClr val="E8750C"/>
-              </a:solidFill>
-            </a:endParaRPr>
-          </a:p>
-          <a:p>
-            <a:pPr lvl="2">
-              <a:buFont typeface="Wingdings" pitchFamily="2" charset="2"/>
-              <a:buChar char="Ø"/>
-            </a:pPr>
+              <a:t>« </a:t>
+            </a:r>
+            <a:r>
+              <a:rPr lang="fr-FR" dirty="0" err="1" smtClean="0">
+                <a:solidFill>
+                  <a:srgbClr val="E8750C"/>
+                </a:solidFill>
+              </a:rPr>
+              <a:t>Clustering</a:t>
+            </a:r>
             <a:r>
               <a:rPr lang="fr-FR" dirty="0" smtClean="0">
                 <a:solidFill>
                   <a:srgbClr val="E8750C"/>
                 </a:solidFill>
               </a:rPr>
-              <a:t>« </a:t>
-            </a:r>
-            <a:r>
-              <a:rPr lang="fr-FR" dirty="0" err="1" smtClean="0">
-                <a:solidFill>
-                  <a:srgbClr val="E8750C"/>
-                </a:solidFill>
-              </a:rPr>
-              <a:t>Clustering</a:t>
-            </a:r>
+              <a:t> » sans labels</a:t>
+            </a:r>
+          </a:p>
+          <a:p>
+            <a:pPr lvl="1">
+              <a:buFont typeface="Wingdings" pitchFamily="2" charset="2"/>
+              <a:buChar char="Ø"/>
+            </a:pPr>
             <a:r>
               <a:rPr lang="fr-FR" dirty="0" smtClean="0">
                 <a:solidFill>
                   <a:srgbClr val="E8750C"/>
                 </a:solidFill>
               </a:rPr>
-              <a:t> » </a:t>
-            </a:r>
-            <a:r>
-              <a:rPr lang="fr-FR" dirty="0" smtClean="0">
-                <a:solidFill>
-                  <a:srgbClr val="E8750C"/>
-                </a:solidFill>
-              </a:rPr>
-              <a:t>sans labels</a:t>
-            </a:r>
-          </a:p>
-          <a:p>
-            <a:pPr lvl="1">
-              <a:buFont typeface="Wingdings" pitchFamily="2" charset="2"/>
-              <a:buChar char="Ø"/>
-            </a:pPr>
-            <a:r>
-              <a:rPr lang="fr-FR" dirty="0" smtClean="0">
-                <a:solidFill>
-                  <a:srgbClr val="E8750C"/>
-                </a:solidFill>
-              </a:rPr>
-              <a:t>Générer </a:t>
-            </a:r>
-            <a:r>
-              <a:rPr lang="fr-FR" dirty="0" smtClean="0">
-                <a:solidFill>
-                  <a:srgbClr val="E8750C"/>
-                </a:solidFill>
-              </a:rPr>
-              <a:t>une simple API</a:t>
+              <a:t>Générer une simple API</a:t>
             </a:r>
           </a:p>
           <a:p>
@@ -9175,7 +9114,7 @@
           <a:p>
             <a:fld id="{30547005-2CCE-4AAF-810C-C33FB4661996}" type="datetime1">
               <a:rPr lang="fr-FR" smtClean="0"/>
-              <a:t>26/11/2017</a:t>
+              <a:t>28/11/2017</a:t>
             </a:fld>
             <a:endParaRPr lang="fr-FR"/>
           </a:p>
@@ -9363,15 +9302,37 @@
                   <a:srgbClr val="E8750C"/>
                 </a:solidFill>
               </a:rPr>
-              <a:t>/…): </a:t>
-            </a:r>
+              <a:t>/…): 0</a:t>
+            </a:r>
+          </a:p>
+          <a:p>
+            <a:pPr lvl="1">
+              <a:buFont typeface="Wingdings" pitchFamily="2" charset="2"/>
+              <a:buChar char="Ø"/>
+            </a:pPr>
             <a:r>
               <a:rPr lang="fr-FR" sz="2400" dirty="0" smtClean="0">
                 <a:solidFill>
                   <a:srgbClr val="E8750C"/>
                 </a:solidFill>
               </a:rPr>
-              <a:t>0</a:t>
+              <a:t>Durée/vente/budget/</a:t>
+            </a:r>
+            <a:r>
+              <a:rPr lang="fr-FR" sz="2400" dirty="0" err="1" smtClean="0">
+                <a:solidFill>
+                  <a:srgbClr val="E8750C"/>
+                </a:solidFill>
+              </a:rPr>
+              <a:t>year</a:t>
+            </a:r>
+            <a:r>
+              <a:rPr lang="fr-FR" sz="2400" dirty="0" smtClean="0">
+                <a:solidFill>
+                  <a:srgbClr val="E8750C"/>
+                </a:solidFill>
+              </a:rPr>
+              <a:t> : moyenne</a:t>
             </a:r>
           </a:p>
           <a:p>
@@ -9385,45 +9346,7 @@
                   <a:srgbClr val="E8750C"/>
                 </a:solidFill>
               </a:rPr>
-              <a:t>Durée/vente/budget/</a:t>
-            </a:r>
-            <a:r>
-              <a:rPr lang="fr-FR" sz="2400" dirty="0" err="1" smtClean="0">
-                <a:solidFill>
-                  <a:srgbClr val="E8750C"/>
-                </a:solidFill>
-              </a:rPr>
-              <a:t>year</a:t>
-            </a:r>
-            <a:r>
-              <a:rPr lang="fr-FR" sz="2400" dirty="0" smtClean="0">
-                <a:solidFill>
-                  <a:srgbClr val="E8750C"/>
-                </a:solidFill>
-              </a:rPr>
-              <a:t> : moyenne</a:t>
-            </a:r>
-          </a:p>
-          <a:p>
-            <a:pPr lvl="1">
-              <a:buFont typeface="Wingdings" pitchFamily="2" charset="2"/>
-              <a:buChar char="Ø"/>
-            </a:pPr>
-            <a:r>
-              <a:rPr lang="fr-FR" sz="2400" dirty="0" smtClean="0">
-                <a:solidFill>
-                  <a:srgbClr val="E8750C"/>
-                </a:solidFill>
-              </a:rPr>
-              <a:t>Langue/Country: Majorité (English/USA</a:t>
-            </a:r>
-            <a:r>
-              <a:rPr lang="fr-FR" sz="2400" dirty="0" smtClean="0">
-                <a:solidFill>
-                  <a:srgbClr val="E8750C"/>
-                </a:solidFill>
-              </a:rPr>
-              <a:t>)</a:t>
+              <a:t>Langue/Country: Majorité (English/USA)</a:t>
             </a:r>
           </a:p>
           <a:p>
@@ -9439,11 +9362,6 @@
               </a:rPr>
               <a:t>Validation par producteur</a:t>
             </a:r>
-            <a:endParaRPr lang="fr-FR" sz="2000" dirty="0" smtClean="0">
-              <a:solidFill>
-                <a:srgbClr val="E8750C"/>
-              </a:solidFill>
-            </a:endParaRPr>
           </a:p>
           <a:p>
             <a:pPr lvl="1">
@@ -9489,7 +9407,7 @@
           <a:p>
             <a:fld id="{30547005-2CCE-4AAF-810C-C33FB4661996}" type="datetime1">
               <a:rPr lang="fr-FR" smtClean="0"/>
-              <a:t>26/11/2017</a:t>
+              <a:t>28/11/2017</a:t>
             </a:fld>
             <a:endParaRPr lang="fr-FR"/>
           </a:p>
@@ -9846,21 +9764,8 @@
                   <a:srgbClr val="E8750C"/>
                 </a:solidFill>
               </a:rPr>
-              <a:t>Par </a:t>
-            </a:r>
-            <a:r>
-              <a:rPr lang="fr-FR" dirty="0" smtClean="0">
-                <a:solidFill>
-                  <a:srgbClr val="E8750C"/>
-                </a:solidFill>
-              </a:rPr>
-              <a:t>occurrence</a:t>
-            </a:r>
-            <a:endParaRPr lang="fr-FR" dirty="0" smtClean="0">
-              <a:solidFill>
-                <a:srgbClr val="E8750C"/>
-              </a:solidFill>
-            </a:endParaRPr>
+              <a:t>Par occurrence</a:t>
+            </a:r>
           </a:p>
         </p:txBody>
       </p:sp>
@@ -9881,7 +9786,7 @@
           <a:p>
             <a:fld id="{30547005-2CCE-4AAF-810C-C33FB4661996}" type="datetime1">
               <a:rPr lang="fr-FR" smtClean="0"/>
-              <a:t>26/11/2017</a:t>
+              <a:t>28/11/2017</a:t>
             </a:fld>
             <a:endParaRPr lang="fr-FR"/>
           </a:p>
@@ -10364,7 +10269,7 @@
           <a:p>
             <a:fld id="{30547005-2CCE-4AAF-810C-C33FB4661996}" type="datetime1">
               <a:rPr lang="fr-FR" smtClean="0"/>
-              <a:t>26/11/2017</a:t>
+              <a:t>28/11/2017</a:t>
             </a:fld>
             <a:endParaRPr lang="fr-FR"/>
           </a:p>
@@ -10549,21 +10454,36 @@
                   <a:srgbClr val="E8750C"/>
                 </a:solidFill>
               </a:rPr>
-              <a:t>1 version non-encodée </a:t>
-            </a:r>
+              <a:t>1 version non-encodée allégée</a:t>
+            </a:r>
+          </a:p>
+          <a:p>
+            <a:pPr lvl="2">
+              <a:buFont typeface="Wingdings" pitchFamily="2" charset="2"/>
+              <a:buChar char="Ø"/>
+            </a:pPr>
             <a:r>
               <a:rPr lang="fr-FR" dirty="0" smtClean="0">
                 <a:solidFill>
                   <a:srgbClr val="E8750C"/>
                 </a:solidFill>
               </a:rPr>
-              <a:t>allégée</a:t>
-            </a:r>
-            <a:endParaRPr lang="fr-FR" dirty="0" smtClean="0">
-              <a:solidFill>
-                <a:srgbClr val="E8750C"/>
-              </a:solidFill>
-            </a:endParaRPr>
+              <a:t>Pour la production</a:t>
+            </a:r>
+          </a:p>
+          <a:p>
+            <a:pPr lvl="1">
+              <a:buFont typeface="Wingdings" pitchFamily="2" charset="2"/>
+              <a:buChar char="Ø"/>
+            </a:pPr>
+            <a:r>
+              <a:rPr lang="fr-FR" dirty="0" smtClean="0">
+                <a:solidFill>
+                  <a:srgbClr val="E8750C"/>
+                </a:solidFill>
+              </a:rPr>
+              <a:t>1 version encodée</a:t>
+            </a:r>
           </a:p>
           <a:p>
             <a:pPr lvl="2">
@@ -10571,26 +10491,36 @@
               <a:buChar char="Ø"/>
             </a:pPr>
             <a:r>
+              <a:rPr lang="fr-FR" dirty="0" err="1" smtClean="0">
+                <a:solidFill>
+                  <a:srgbClr val="E8750C"/>
+                </a:solidFill>
+              </a:rPr>
+              <a:t>Scaling</a:t>
+            </a:r>
+            <a:r>
               <a:rPr lang="fr-FR" dirty="0" smtClean="0">
                 <a:solidFill>
                   <a:srgbClr val="E8750C"/>
                 </a:solidFill>
               </a:rPr>
-              <a:t>Pour la production</a:t>
-            </a:r>
-          </a:p>
-          <a:p>
-            <a:pPr lvl="1">
-              <a:buFont typeface="Wingdings" pitchFamily="2" charset="2"/>
-              <a:buChar char="Ø"/>
-            </a:pPr>
+              <a:t> (</a:t>
+            </a:r>
+            <a:r>
+              <a:rPr lang="fr-FR" dirty="0" err="1" smtClean="0">
+                <a:solidFill>
+                  <a:srgbClr val="E8750C"/>
+                </a:solidFill>
+              </a:rPr>
+              <a:t>MinMax</a:t>
+            </a:r>
             <a:r>
               <a:rPr lang="fr-FR" dirty="0" smtClean="0">
                 <a:solidFill>
                   <a:srgbClr val="E8750C"/>
                 </a:solidFill>
               </a:rPr>
-              <a:t>1 version encodée</a:t>
+              <a:t>)</a:t>
             </a:r>
           </a:p>
           <a:p>
@@ -10604,7 +10534,7 @@
                   <a:srgbClr val="E8750C"/>
                 </a:solidFill>
               </a:rPr>
-              <a:t>Scaling</a:t>
+              <a:t>LabelEncoder</a:t>
             </a:r>
             <a:r>
               <a:rPr lang="fr-FR" dirty="0" smtClean="0">
@@ -10612,44 +10542,6 @@
                   <a:srgbClr val="E8750C"/>
                 </a:solidFill>
               </a:rPr>
-              <a:t> (</a:t>
-            </a:r>
-            <a:r>
-              <a:rPr lang="fr-FR" dirty="0" err="1" smtClean="0">
-                <a:solidFill>
-                  <a:srgbClr val="E8750C"/>
-                </a:solidFill>
-              </a:rPr>
-              <a:t>MinMax</a:t>
-            </a:r>
-            <a:r>
-              <a:rPr lang="fr-FR" dirty="0" smtClean="0">
-                <a:solidFill>
-                  <a:srgbClr val="E8750C"/>
-                </a:solidFill>
-              </a:rPr>
-              <a:t>)</a:t>
-            </a:r>
-          </a:p>
-          <a:p>
-            <a:pPr lvl="2">
-              <a:buFont typeface="Wingdings" pitchFamily="2" charset="2"/>
-              <a:buChar char="Ø"/>
-            </a:pPr>
-            <a:r>
-              <a:rPr lang="fr-FR" dirty="0" err="1" smtClean="0">
-                <a:solidFill>
-                  <a:srgbClr val="E8750C"/>
-                </a:solidFill>
-              </a:rPr>
-              <a:t>LabelEncoder</a:t>
-            </a:r>
-            <a:r>
-              <a:rPr lang="fr-FR" dirty="0" smtClean="0">
-                <a:solidFill>
-                  <a:srgbClr val="E8750C"/>
-                </a:solidFill>
-              </a:rPr>
               <a:t> pour textes</a:t>
             </a:r>
           </a:p>
@@ -10672,7 +10564,7 @@
           <a:p>
             <a:fld id="{30547005-2CCE-4AAF-810C-C33FB4661996}" type="datetime1">
               <a:rPr lang="fr-FR" smtClean="0"/>
-              <a:t>26/11/2017</a:t>
+              <a:t>28/11/2017</a:t>
             </a:fld>
             <a:endParaRPr lang="fr-FR"/>
           </a:p>
@@ -10900,62 +10792,75 @@
                   <a:srgbClr val="E8750C"/>
                 </a:solidFill>
               </a:rPr>
-              <a:t>Nombre de clusters inconnus</a:t>
-            </a:r>
-          </a:p>
-          <a:p>
-            <a:pPr lvl="2">
-              <a:buFont typeface="Wingdings" pitchFamily="2" charset="2"/>
-              <a:buChar char="Ø"/>
-            </a:pPr>
-            <a:r>
-              <a:rPr lang="fr-FR" sz="2000" dirty="0" smtClean="0">
-                <a:solidFill>
-                  <a:srgbClr val="E8750C"/>
-                </a:solidFill>
-              </a:rPr>
-              <a:t>A fournir</a:t>
-            </a:r>
-          </a:p>
-          <a:p>
-            <a:pPr lvl="1">
-              <a:buFont typeface="Wingdings" pitchFamily="2" charset="2"/>
-              <a:buChar char="Ø"/>
-            </a:pPr>
+              <a:t>Nombre de clusters </a:t>
+            </a:r>
             <a:r>
               <a:rPr lang="fr-FR" sz="2400" dirty="0" smtClean="0">
                 <a:solidFill>
                   <a:srgbClr val="E8750C"/>
                 </a:solidFill>
               </a:rPr>
-              <a:t>Retourne positions</a:t>
-            </a:r>
-          </a:p>
-          <a:p>
-            <a:pPr lvl="2">
-              <a:buFont typeface="Wingdings" pitchFamily="2" charset="2"/>
-              <a:buChar char="Ø"/>
-            </a:pPr>
-            <a:r>
-              <a:rPr lang="fr-FR" sz="2000" dirty="0" smtClean="0">
-                <a:solidFill>
-                  <a:srgbClr val="E8750C"/>
-                </a:solidFill>
-              </a:rPr>
-              <a:t>Recommander possible</a:t>
-            </a:r>
-          </a:p>
-          <a:p>
-            <a:pPr lvl="1">
-              <a:buFont typeface="Wingdings" pitchFamily="2" charset="2"/>
-              <a:buChar char="Ø"/>
-            </a:pPr>
+              <a:t>inconnu</a:t>
+            </a:r>
             <a:endParaRPr lang="fr-FR" sz="2400" dirty="0" smtClean="0">
               <a:solidFill>
                 <a:srgbClr val="E8750C"/>
               </a:solidFill>
             </a:endParaRPr>
           </a:p>
+          <a:p>
+            <a:pPr lvl="2">
+              <a:buFont typeface="Wingdings" pitchFamily="2" charset="2"/>
+              <a:buChar char="Ø"/>
+            </a:pPr>
+            <a:r>
+              <a:rPr lang="fr-FR" sz="2000" dirty="0" smtClean="0">
+                <a:solidFill>
+                  <a:srgbClr val="E8750C"/>
+                </a:solidFill>
+              </a:rPr>
+              <a:t>A fournir</a:t>
+            </a:r>
+          </a:p>
+          <a:p>
+            <a:pPr lvl="1">
+              <a:buFont typeface="Wingdings" pitchFamily="2" charset="2"/>
+              <a:buChar char="Ø"/>
+            </a:pPr>
+            <a:r>
+              <a:rPr lang="fr-FR" sz="2400" dirty="0" smtClean="0">
+                <a:solidFill>
+                  <a:srgbClr val="E8750C"/>
+                </a:solidFill>
+              </a:rPr>
+              <a:t>Retourne positions</a:t>
+            </a:r>
+          </a:p>
+          <a:p>
+            <a:pPr lvl="2">
+              <a:buFont typeface="Wingdings" pitchFamily="2" charset="2"/>
+              <a:buChar char="Ø"/>
+            </a:pPr>
+            <a:r>
+              <a:rPr lang="fr-FR" sz="2000" dirty="0" smtClean="0">
+                <a:solidFill>
+                  <a:srgbClr val="E8750C"/>
+                </a:solidFill>
+              </a:rPr>
+              <a:t>Recommander possible</a:t>
+            </a:r>
+          </a:p>
+          <a:p>
+            <a:pPr lvl="1">
+              <a:buFont typeface="Wingdings" pitchFamily="2" charset="2"/>
+              <a:buChar char="Ø"/>
+            </a:pPr>
+            <a:endParaRPr lang="fr-FR" sz="2400" dirty="0" smtClean="0">
+              <a:solidFill>
+                <a:srgbClr val="E8750C"/>
+              </a:solidFill>
+            </a:endParaRPr>
+          </a:p>
         </p:txBody>
       </p:sp>
       <p:sp>
@@ -10975,7 +10880,7 @@
           <a:p>
             <a:fld id="{30547005-2CCE-4AAF-810C-C33FB4661996}" type="datetime1">
               <a:rPr lang="fr-FR" smtClean="0"/>
-              <a:t>26/11/2017</a:t>
+              <a:t>28/11/2017</a:t>
             </a:fld>
             <a:endParaRPr lang="fr-FR"/>
           </a:p>
@@ -11395,15 +11300,7 @@
                   <a:srgbClr val="E8750C"/>
                 </a:solidFill>
               </a:rPr>
-              <a:t>Pas </a:t>
-            </a:r>
-            <a:r>
-              <a:rPr lang="fr-FR" sz="2000" dirty="0" smtClean="0">
-                <a:solidFill>
-                  <a:srgbClr val="E8750C"/>
-                </a:solidFill>
-              </a:rPr>
-              <a:t>nécessaire</a:t>
+              <a:t>Pas nécessaire</a:t>
             </a:r>
             <a:endParaRPr lang="fr-FR" sz="2000" dirty="0">
               <a:solidFill>
@@ -11422,80 +11319,51 @@
                   <a:srgbClr val="E8750C"/>
                 </a:solidFill>
               </a:rPr>
-              <a:t>Pas </a:t>
-            </a:r>
+              <a:t>Pas de </a:t>
+            </a:r>
+            <a:r>
+              <a:rPr lang="fr-FR" sz="2400" dirty="0">
+                <a:solidFill>
+                  <a:srgbClr val="E8750C"/>
+                </a:solidFill>
+              </a:rPr>
+              <a:t>positions</a:t>
+            </a:r>
+          </a:p>
+          <a:p>
+            <a:pPr lvl="2">
+              <a:buFont typeface="Wingdings" pitchFamily="2" charset="2"/>
+              <a:buChar char="Ø"/>
+            </a:pPr>
+            <a:r>
+              <a:rPr lang="fr-FR" sz="2000" dirty="0">
+                <a:solidFill>
+                  <a:srgbClr val="E8750C"/>
+                </a:solidFill>
+              </a:rPr>
+              <a:t>Recommander </a:t>
+            </a:r>
+            <a:r>
+              <a:rPr lang="fr-FR" sz="2000" dirty="0" smtClean="0">
+                <a:solidFill>
+                  <a:srgbClr val="E8750C"/>
+                </a:solidFill>
+              </a:rPr>
+              <a:t>impossible</a:t>
+            </a:r>
+          </a:p>
+          <a:p>
+            <a:pPr lvl="1">
+              <a:buFont typeface="Wingdings" pitchFamily="2" charset="2"/>
+              <a:buChar char="Ø"/>
+            </a:pPr>
             <a:r>
               <a:rPr lang="fr-FR" sz="2400" dirty="0" smtClean="0">
                 <a:solidFill>
                   <a:srgbClr val="E8750C"/>
                 </a:solidFill>
               </a:rPr>
-              <a:t>de </a:t>
-            </a:r>
-            <a:r>
-              <a:rPr lang="fr-FR" sz="2400" dirty="0">
-                <a:solidFill>
-                  <a:srgbClr val="E8750C"/>
-                </a:solidFill>
-              </a:rPr>
-              <a:t>positions</a:t>
-            </a:r>
-          </a:p>
-          <a:p>
-            <a:pPr lvl="2">
-              <a:buFont typeface="Wingdings" pitchFamily="2" charset="2"/>
-              <a:buChar char="Ø"/>
-            </a:pPr>
-            <a:r>
-              <a:rPr lang="fr-FR" sz="2000" dirty="0">
-                <a:solidFill>
-                  <a:srgbClr val="E8750C"/>
-                </a:solidFill>
-              </a:rPr>
-              <a:t>Recommander </a:t>
-            </a:r>
-            <a:r>
-              <a:rPr lang="fr-FR" sz="2000" dirty="0" smtClean="0">
-                <a:solidFill>
-                  <a:srgbClr val="E8750C"/>
-                </a:solidFill>
-              </a:rPr>
-              <a:t>impossible</a:t>
-            </a:r>
-            <a:endParaRPr lang="fr-FR" sz="2000" dirty="0" smtClean="0">
-              <a:solidFill>
-                <a:srgbClr val="E8750C"/>
-              </a:solidFill>
-            </a:endParaRPr>
-          </a:p>
-          <a:p>
-            <a:pPr lvl="1">
-              <a:buFont typeface="Wingdings" pitchFamily="2" charset="2"/>
-              <a:buChar char="Ø"/>
-            </a:pPr>
-            <a:r>
-              <a:rPr lang="fr-FR" sz="2400" dirty="0" smtClean="0">
-                <a:solidFill>
-                  <a:srgbClr val="E8750C"/>
-                </a:solidFill>
-              </a:rPr>
-              <a:t>Contenu des </a:t>
-            </a:r>
-            <a:r>
-              <a:rPr lang="fr-FR" sz="2400" dirty="0" smtClean="0">
-                <a:solidFill>
-                  <a:srgbClr val="E8750C"/>
-                </a:solidFill>
-              </a:rPr>
-              <a:t>clusters </a:t>
-            </a:r>
-            <a:r>
-              <a:rPr lang="fr-FR" sz="2400" dirty="0" smtClean="0">
-                <a:solidFill>
-                  <a:srgbClr val="E8750C"/>
-                </a:solidFill>
-              </a:rPr>
-              <a:t>variable</a:t>
+              <a:t>Contenu des clusters variable</a:t>
             </a:r>
             <a:endParaRPr lang="fr-FR" sz="2400" dirty="0">
               <a:solidFill>
@@ -11544,7 +11412,7 @@
           <a:p>
             <a:fld id="{30547005-2CCE-4AAF-810C-C33FB4661996}" type="datetime1">
               <a:rPr lang="fr-FR" smtClean="0"/>
-              <a:t>26/11/2017</a:t>
+              <a:t>28/11/2017</a:t>
             </a:fld>
             <a:endParaRPr lang="fr-FR"/>
           </a:p>
@@ -11610,7 +11478,6 @@
               <a:rPr lang="fr-FR" sz="1600" dirty="0" smtClean="0"/>
               <a:t>Cluster #6</a:t>
             </a:r>
-            <a:endParaRPr lang="fr-FR" sz="1600" dirty="0" smtClean="0"/>
           </a:p>
           <a:p>
             <a:r>
